--- a/Triangle Counting Results.pptx
+++ b/Triangle Counting Results.pptx
@@ -7,9 +7,9 @@
   <p:sldIdLst>
     <p:sldId id="256" r:id="rId2"/>
     <p:sldId id="257" r:id="rId3"/>
-    <p:sldId id="258" r:id="rId4"/>
-    <p:sldId id="262" r:id="rId5"/>
-    <p:sldId id="259" r:id="rId6"/>
+    <p:sldId id="262" r:id="rId4"/>
+    <p:sldId id="263" r:id="rId5"/>
+    <p:sldId id="264" r:id="rId6"/>
     <p:sldId id="260" r:id="rId7"/>
     <p:sldId id="261" r:id="rId8"/>
   </p:sldIdLst>
@@ -110,6 +110,11 @@
       </a:defRPr>
     </a:lvl9pPr>
   </p:defaultTextStyle>
+  <p:extLst>
+    <p:ext uri="{EFAFB233-063F-42B5-8137-9DF3F51BA10A}">
+      <p15:sldGuideLst xmlns:p15="http://schemas.microsoft.com/office/powerpoint/2012/main"/>
+    </p:ext>
+  </p:extLst>
 </p:presentation>
 </file>
 
@@ -2750,9 +2755,32 @@
 <p:sldMaster xmlns:a="http://schemas.openxmlformats.org/drawingml/2006/main" xmlns:r="http://schemas.openxmlformats.org/officeDocument/2006/relationships" xmlns:p="http://schemas.openxmlformats.org/presentationml/2006/main">
   <p:cSld>
     <p:bg>
-      <p:bgRef idx="1001">
-        <a:schemeClr val="bg1"/>
-      </p:bgRef>
+      <p:bgPr>
+        <a:gradFill flip="none" rotWithShape="1">
+          <a:gsLst>
+            <a:gs pos="0">
+              <a:schemeClr val="bg1"/>
+            </a:gs>
+            <a:gs pos="73000">
+              <a:schemeClr val="accent5">
+                <a:lumMod val="20000"/>
+                <a:lumOff val="80000"/>
+              </a:schemeClr>
+            </a:gs>
+            <a:gs pos="100000">
+              <a:schemeClr val="accent1">
+                <a:lumMod val="60000"/>
+                <a:lumOff val="40000"/>
+              </a:schemeClr>
+            </a:gs>
+          </a:gsLst>
+          <a:path path="circle">
+            <a:fillToRect l="50000" t="50000" r="50000" b="50000"/>
+          </a:path>
+          <a:tileRect/>
+        </a:gradFill>
+        <a:effectLst/>
+      </p:bgPr>
     </p:bg>
     <p:spTree>
       <p:nvGrpSpPr>
@@ -3333,6 +3361,112 @@
       </p:grpSpPr>
       <p:sp>
         <p:nvSpPr>
+          <p:cNvPr id="73" name="Rectangle 72">
+            <a:extLst>
+              <a:ext uri="{FF2B5EF4-FFF2-40B4-BE49-F238E27FC236}">
+                <a16:creationId xmlns:a16="http://schemas.microsoft.com/office/drawing/2014/main" id="{71B2258F-86CA-4D4D-8270-BC05FCDEBFB3}"/>
+              </a:ext>
+            </a:extLst>
+          </p:cNvPr>
+          <p:cNvSpPr>
+            <a:spLocks noGrp="1" noRot="1" noChangeAspect="1" noMove="1" noResize="1" noEditPoints="1" noAdjustHandles="1" noChangeArrowheads="1" noChangeShapeType="1" noTextEdit="1"/>
+          </p:cNvSpPr>
+          <p:nvPr>
+            <p:extLst>
+              <p:ext uri="{386F3935-93C4-4BCD-93E2-E3B085C9AB24}">
+                <p16:designElem xmlns:p16="http://schemas.microsoft.com/office/powerpoint/2015/main" val="1"/>
+              </p:ext>
+            </p:extLst>
+          </p:nvPr>
+        </p:nvSpPr>
+        <p:spPr>
+          <a:xfrm>
+            <a:off x="0" y="0"/>
+            <a:ext cx="12192000" cy="6857999"/>
+          </a:xfrm>
+          <a:prstGeom prst="rect">
+            <a:avLst/>
+          </a:prstGeom>
+          <a:solidFill>
+            <a:srgbClr val="000000"/>
+          </a:solidFill>
+          <a:ln>
+            <a:noFill/>
+          </a:ln>
+        </p:spPr>
+        <p:style>
+          <a:lnRef idx="2">
+            <a:schemeClr val="accent1">
+              <a:shade val="50000"/>
+            </a:schemeClr>
+          </a:lnRef>
+          <a:fillRef idx="1">
+            <a:schemeClr val="accent1"/>
+          </a:fillRef>
+          <a:effectRef idx="0">
+            <a:schemeClr val="accent1"/>
+          </a:effectRef>
+          <a:fontRef idx="minor">
+            <a:schemeClr val="lt1"/>
+          </a:fontRef>
+        </p:style>
+        <p:txBody>
+          <a:bodyPr rtlCol="0" anchor="ctr"/>
+          <a:lstStyle/>
+          <a:p>
+            <a:pPr algn="ctr"/>
+            <a:endParaRPr lang="en-US"/>
+          </a:p>
+        </p:txBody>
+      </p:sp>
+      <p:pic>
+        <p:nvPicPr>
+          <p:cNvPr id="1028" name="Picture 4" descr="Image result for triangles background">
+            <a:extLst>
+              <a:ext uri="{FF2B5EF4-FFF2-40B4-BE49-F238E27FC236}">
+                <a16:creationId xmlns:a16="http://schemas.microsoft.com/office/drawing/2014/main" id="{6DC0C5BE-4650-49D2-805A-B89973E39DAC}"/>
+              </a:ext>
+            </a:extLst>
+          </p:cNvPr>
+          <p:cNvPicPr>
+            <a:picLocks noChangeAspect="1" noChangeArrowheads="1"/>
+          </p:cNvPicPr>
+          <p:nvPr/>
+        </p:nvPicPr>
+        <p:blipFill rotWithShape="1">
+          <a:blip r:embed="rId2">
+            <a:alphaModFix amt="50000"/>
+            <a:extLst>
+              <a:ext uri="{28A0092B-C50C-407E-A947-70E740481C1C}">
+                <a14:useLocalDpi xmlns:a14="http://schemas.microsoft.com/office/drawing/2010/main" val="0"/>
+              </a:ext>
+            </a:extLst>
+          </a:blip>
+          <a:srcRect l="8977" r="5691" b="1"/>
+          <a:stretch/>
+        </p:blipFill>
+        <p:spPr bwMode="auto">
+          <a:xfrm>
+            <a:off x="20" y="1"/>
+            <a:ext cx="12191980" cy="6857999"/>
+          </a:xfrm>
+          <a:prstGeom prst="rect">
+            <a:avLst/>
+          </a:prstGeom>
+          <a:noFill/>
+          <a:extLst>
+            <a:ext uri="{909E8E84-426E-40DD-AFC4-6F175D3DCCD1}">
+              <a14:hiddenFill xmlns:a14="http://schemas.microsoft.com/office/drawing/2010/main">
+                <a:solidFill>
+                  <a:srgbClr val="FFFFFF"/>
+                </a:solidFill>
+              </a14:hiddenFill>
+            </a:ext>
+          </a:extLst>
+        </p:spPr>
+      </p:pic>
+      <p:sp>
+        <p:nvSpPr>
           <p:cNvPr id="2" name="Title 1">
             <a:extLst>
               <a:ext uri="{FF2B5EF4-FFF2-40B4-BE49-F238E27FC236}">
@@ -3347,12 +3481,27 @@
             <p:ph type="ctrTitle"/>
           </p:nvPr>
         </p:nvSpPr>
-        <p:spPr/>
-        <p:txBody>
-          <a:bodyPr/>
+        <p:spPr>
+          <a:xfrm>
+            <a:off x="1524000" y="1122362"/>
+            <a:ext cx="9144000" cy="2900518"/>
+          </a:xfrm>
+        </p:spPr>
+        <p:txBody>
+          <a:bodyPr>
+            <a:normAutofit/>
+          </a:bodyPr>
           <a:lstStyle/>
           <a:p>
-            <a:endParaRPr lang="en-US"/>
+            <a:r>
+              <a:rPr lang="en-US" sz="8800" b="1" dirty="0">
+                <a:solidFill>
+                  <a:srgbClr val="FFFFFF"/>
+                </a:solidFill>
+                <a:latin typeface="Agency FB" panose="020B0503020202020204" pitchFamily="34" charset="0"/>
+              </a:rPr>
+              <a:t>Triangle Counting</a:t>
+            </a:r>
           </a:p>
         </p:txBody>
       </p:sp>
@@ -3372,12 +3521,42 @@
             <p:ph type="subTitle" idx="1"/>
           </p:nvPr>
         </p:nvSpPr>
-        <p:spPr/>
-        <p:txBody>
-          <a:bodyPr/>
+        <p:spPr>
+          <a:xfrm>
+            <a:off x="1524000" y="4159404"/>
+            <a:ext cx="9144000" cy="1098395"/>
+          </a:xfrm>
+        </p:spPr>
+        <p:txBody>
+          <a:bodyPr>
+            <a:normAutofit/>
+          </a:bodyPr>
           <a:lstStyle/>
           <a:p>
-            <a:endParaRPr lang="en-US"/>
+            <a:r>
+              <a:rPr lang="en-US" b="1" dirty="0">
+                <a:solidFill>
+                  <a:srgbClr val="FFFFFF"/>
+                </a:solidFill>
+                <a:latin typeface="Agency FB" panose="020B0503020202020204" pitchFamily="34" charset="0"/>
+              </a:rPr>
+              <a:t>Yuval </a:t>
+            </a:r>
+            <a:r>
+              <a:rPr lang="en-US" b="1" dirty="0" err="1">
+                <a:solidFill>
+                  <a:srgbClr val="FFFFFF"/>
+                </a:solidFill>
+                <a:latin typeface="Agency FB" panose="020B0503020202020204" pitchFamily="34" charset="0"/>
+              </a:rPr>
+              <a:t>Alfassi</a:t>
+            </a:r>
+            <a:endParaRPr lang="en-US" b="1" dirty="0">
+              <a:solidFill>
+                <a:srgbClr val="FFFFFF"/>
+              </a:solidFill>
+              <a:latin typeface="Agency FB" panose="020B0503020202020204" pitchFamily="34" charset="0"/>
+            </a:endParaRPr>
           </a:p>
         </p:txBody>
       </p:sp>
@@ -3389,7 +3568,7 @@
     </p:extLst>
   </p:cSld>
   <p:clrMapOvr>
-    <a:masterClrMapping/>
+    <a:overrideClrMapping bg1="dk1" tx1="lt1" bg2="dk2" tx2="lt2" accent1="accent1" accent2="accent2" accent3="accent3" accent4="accent4" accent5="accent5" accent6="accent6" hlink="hlink" folHlink="folHlink"/>
   </p:clrMapOvr>
 </p:sld>
 </file>
@@ -3427,15 +3606,21 @@
             <p:ph type="title"/>
           </p:nvPr>
         </p:nvSpPr>
-        <p:spPr/>
+        <p:spPr>
+          <a:xfrm>
+            <a:off x="838200" y="365125"/>
+            <a:ext cx="10515600" cy="1325563"/>
+          </a:xfrm>
+        </p:spPr>
         <p:txBody>
           <a:bodyPr/>
           <a:lstStyle/>
           <a:p>
             <a:r>
-              <a:rPr lang="en-US" dirty="0"/>
-              <a:t>Current Work</a:t>
-            </a:r>
+              <a:rPr lang="en-US"/>
+              <a:t>Triangle Counting – Static Centrelized</a:t>
+            </a:r>
+            <a:endParaRPr lang="en-US" dirty="0"/>
           </a:p>
         </p:txBody>
       </p:sp>
@@ -3457,11 +3642,17 @@
                 <p:ph idx="1"/>
               </p:nvPr>
             </p:nvSpPr>
-            <p:spPr/>
+            <p:spPr>
+              <a:xfrm>
+                <a:off x="838200" y="1825625"/>
+                <a:ext cx="10515600" cy="4351338"/>
+              </a:xfrm>
+            </p:spPr>
             <p:txBody>
               <a:bodyPr/>
               <a:lstStyle/>
               <a:p>
+                <a:pPr/>
                 <a14:m>
                   <m:oMath xmlns:m="http://schemas.openxmlformats.org/officeDocument/2006/math">
                     <m:r>
@@ -3500,19 +3691,7 @@
                               <a:rPr lang="en-US" b="0" i="1" smtClean="0">
                                 <a:latin typeface="Cambria Math" panose="02040503050406030204" pitchFamily="18" charset="0"/>
                               </a:rPr>
-                              <m:t>1</m:t>
-                            </m:r>
-                            <m:r>
-                              <a:rPr lang="en-US" b="0" i="1" smtClean="0">
-                                <a:latin typeface="Cambria Math" panose="02040503050406030204" pitchFamily="18" charset="0"/>
-                              </a:rPr>
-                              <m:t>.</m:t>
-                            </m:r>
-                            <m:r>
-                              <a:rPr lang="en-US" b="0" i="1" smtClean="0">
-                                <a:latin typeface="Cambria Math" panose="02040503050406030204" pitchFamily="18" charset="0"/>
-                              </a:rPr>
-                              <m:t>5</m:t>
+                              <m:t>1.5</m:t>
                             </m:r>
                           </m:sup>
                         </m:sSup>
@@ -3547,6 +3726,7 @@
                 <a:endParaRPr lang="en-US" b="0" dirty="0"/>
               </a:p>
               <a:p>
+                <a:pPr/>
                 <a14:m>
                   <m:oMath xmlns:m="http://schemas.openxmlformats.org/officeDocument/2006/math">
                     <m:r>
@@ -3632,6 +3812,7 @@
                 <a:endParaRPr lang="en-US" dirty="0"/>
               </a:p>
               <a:p>
+                <a:pPr/>
                 <a14:m>
                   <m:oMath xmlns:m="http://schemas.openxmlformats.org/officeDocument/2006/math">
                     <m:r>
@@ -3725,6 +3906,7 @@
                 <a:endParaRPr lang="en-US" dirty="0"/>
               </a:p>
               <a:p>
+                <a:pPr/>
                 <a14:m>
                   <m:oMath xmlns:m="http://schemas.openxmlformats.org/officeDocument/2006/math">
                     <m:r>
@@ -3763,19 +3945,7 @@
                               <a:rPr lang="en-US" b="0" i="1" smtClean="0">
                                 <a:latin typeface="Cambria Math" panose="02040503050406030204" pitchFamily="18" charset="0"/>
                               </a:rPr>
-                              <m:t>1</m:t>
-                            </m:r>
-                            <m:r>
-                              <a:rPr lang="en-US" b="0" i="1" smtClean="0">
-                                <a:latin typeface="Cambria Math" panose="02040503050406030204" pitchFamily="18" charset="0"/>
-                              </a:rPr>
-                              <m:t>.</m:t>
-                            </m:r>
-                            <m:r>
-                              <a:rPr lang="en-US" b="0" i="1" smtClean="0">
-                                <a:latin typeface="Cambria Math" panose="02040503050406030204" pitchFamily="18" charset="0"/>
-                              </a:rPr>
-                              <m:t>41</m:t>
+                              <m:t>1.41</m:t>
                             </m:r>
                           </m:sup>
                         </m:sSup>
@@ -3791,30 +3961,6 @@
                       <a:rPr lang="en-US" b="0" i="1" smtClean="0">
                         <a:latin typeface="Cambria Math" panose="02040503050406030204" pitchFamily="18" charset="0"/>
                       </a:rPr>
-                      <m:t>𝑁𝑜𝑔𝑎</m:t>
-                    </m:r>
-                    <m:r>
-                      <a:rPr lang="en-US" b="0" i="1" smtClean="0">
-                        <a:latin typeface="Cambria Math" panose="02040503050406030204" pitchFamily="18" charset="0"/>
-                      </a:rPr>
-                      <m:t> </m:t>
-                    </m:r>
-                    <m:r>
-                      <a:rPr lang="en-US" b="0" i="1" smtClean="0">
-                        <a:latin typeface="Cambria Math" panose="02040503050406030204" pitchFamily="18" charset="0"/>
-                      </a:rPr>
-                      <m:t>𝐴𝑙𝑜𝑛</m:t>
-                    </m:r>
-                    <m:r>
-                      <a:rPr lang="en-US" b="0" i="1" smtClean="0">
-                        <a:latin typeface="Cambria Math" panose="02040503050406030204" pitchFamily="18" charset="0"/>
-                      </a:rPr>
-                      <m:t>. </m:t>
-                    </m:r>
-                    <m:r>
-                      <a:rPr lang="en-US" b="0" i="1" smtClean="0">
-                        <a:latin typeface="Cambria Math" panose="02040503050406030204" pitchFamily="18" charset="0"/>
-                      </a:rPr>
                       <m:t>𝐼𝑚𝑝𝑟𝑎𝑐𝑡𝑖𝑐𝑎𝑙</m:t>
                     </m:r>
                   </m:oMath>
@@ -3822,6 +3968,17 @@
                 <a:endParaRPr lang="en-US" dirty="0"/>
               </a:p>
               <a:p>
+                <a:pPr/>
+                <a14:m>
+                  <m:oMath xmlns:m="http://schemas.openxmlformats.org/officeDocument/2006/math">
+                    <m:r>
+                      <a:rPr lang="en-US" b="0" i="1" smtClean="0">
+                        <a:latin typeface="Cambria Math" panose="02040503050406030204" pitchFamily="18" charset="0"/>
+                      </a:rPr>
+                      <m:t>𝐴𝑝𝑝𝑟𝑜𝑥𝑖𝑚𝑎𝑡𝑖𝑜𝑛𝑠</m:t>
+                    </m:r>
+                  </m:oMath>
+                </a14:m>
                 <a:endParaRPr lang="en-US" dirty="0"/>
               </a:p>
               <a:p>
@@ -3848,6 +4005,10 @@
               </p:nvPr>
             </p:nvSpPr>
             <p:spPr>
+              <a:xfrm>
+                <a:off x="838200" y="1825625"/>
+                <a:ext cx="10515600" cy="4351338"/>
+              </a:xfrm>
               <a:blipFill>
                 <a:blip r:embed="rId2"/>
                 <a:stretch>
@@ -3905,7 +4066,7 @@
           <p:cNvPr id="2" name="Title 1">
             <a:extLst>
               <a:ext uri="{FF2B5EF4-FFF2-40B4-BE49-F238E27FC236}">
-                <a16:creationId xmlns:a16="http://schemas.microsoft.com/office/drawing/2014/main" id="{22ACF1AB-1AD5-4A6F-AEF9-3F5AAAD6CE9D}"/>
+                <a16:creationId xmlns:a16="http://schemas.microsoft.com/office/drawing/2014/main" id="{C301DE07-5D66-4861-A798-92EAF9A687E1}"/>
               </a:ext>
             </a:extLst>
           </p:cNvPr>
@@ -3923,866 +4084,7 @@
           <a:p>
             <a:r>
               <a:rPr lang="en-US" dirty="0"/>
-              <a:t>Incremental - Ephemeral</a:t>
-            </a:r>
-          </a:p>
-        </p:txBody>
-      </p:sp>
-      <mc:AlternateContent xmlns:mc="http://schemas.openxmlformats.org/markup-compatibility/2006">
-        <mc:Choice xmlns:a14="http://schemas.microsoft.com/office/drawing/2010/main" Requires="a14">
-          <p:sp>
-            <p:nvSpPr>
-              <p:cNvPr id="3" name="Content Placeholder 2">
-                <a:extLst>
-                  <a:ext uri="{FF2B5EF4-FFF2-40B4-BE49-F238E27FC236}">
-                    <a16:creationId xmlns:a16="http://schemas.microsoft.com/office/drawing/2014/main" id="{20584FE0-D9AB-4361-AF3F-753A2153EFF5}"/>
-                  </a:ext>
-                </a:extLst>
-              </p:cNvPr>
-              <p:cNvSpPr>
-                <a:spLocks noGrp="1"/>
-              </p:cNvSpPr>
-              <p:nvPr>
-                <p:ph idx="1"/>
-              </p:nvPr>
-            </p:nvSpPr>
-            <p:spPr>
-              <a:xfrm>
-                <a:off x="838200" y="1518082"/>
-                <a:ext cx="10515600" cy="4974793"/>
-              </a:xfrm>
-            </p:spPr>
-            <p:txBody>
-              <a:bodyPr/>
-              <a:lstStyle/>
-              <a:p>
-                <a:r>
-                  <a:rPr lang="en-US" dirty="0"/>
-                  <a:t>Current work:</a:t>
-                </a:r>
-              </a:p>
-              <a:p>
-                <a14:m>
-                  <m:oMath xmlns:m="http://schemas.openxmlformats.org/officeDocument/2006/math">
-                    <m:r>
-                      <a:rPr lang="en-US" b="0" i="1" smtClean="0">
-                        <a:latin typeface="Cambria Math" panose="02040503050406030204" pitchFamily="18" charset="0"/>
-                      </a:rPr>
-                      <m:t>𝑚</m:t>
-                    </m:r>
-                    <m:r>
-                      <a:rPr lang="en-US" b="0" i="1" smtClean="0">
-                        <a:latin typeface="Cambria Math" panose="02040503050406030204" pitchFamily="18" charset="0"/>
-                      </a:rPr>
-                      <m:t> </m:t>
-                    </m:r>
-                    <m:r>
-                      <a:rPr lang="en-US" b="0" i="1" smtClean="0">
-                        <a:latin typeface="Cambria Math" panose="02040503050406030204" pitchFamily="18" charset="0"/>
-                      </a:rPr>
-                      <m:t>𝑐</m:t>
-                    </m:r>
-                    <m:r>
-                      <a:rPr lang="en-US" b="0" i="1" smtClean="0">
-                        <a:latin typeface="Cambria Math" panose="02040503050406030204" pitchFamily="18" charset="0"/>
-                      </a:rPr>
-                      <m:t>h</m:t>
-                    </m:r>
-                    <m:r>
-                      <a:rPr lang="en-US" b="0" i="1" smtClean="0">
-                        <a:latin typeface="Cambria Math" panose="02040503050406030204" pitchFamily="18" charset="0"/>
-                      </a:rPr>
-                      <m:t>𝑎𝑛𝑔𝑒𝑠</m:t>
-                    </m:r>
-                    <m:r>
-                      <a:rPr lang="en-US" b="0" i="1" smtClean="0">
-                        <a:latin typeface="Cambria Math" panose="02040503050406030204" pitchFamily="18" charset="0"/>
-                      </a:rPr>
-                      <m:t> −</m:t>
-                    </m:r>
-                    <m:r>
-                      <a:rPr lang="en-US" b="0" i="1" smtClean="0">
-                        <a:latin typeface="Cambria Math" panose="02040503050406030204" pitchFamily="18" charset="0"/>
-                      </a:rPr>
-                      <m:t>𝑂</m:t>
-                    </m:r>
-                    <m:d>
-                      <m:dPr>
-                        <m:ctrlPr>
-                          <a:rPr lang="en-US" b="0" i="1" smtClean="0">
-                            <a:latin typeface="Cambria Math" panose="02040503050406030204" pitchFamily="18" charset="0"/>
-                          </a:rPr>
-                        </m:ctrlPr>
-                      </m:dPr>
-                      <m:e>
-                        <m:r>
-                          <a:rPr lang="en-US" b="0" i="1" smtClean="0">
-                            <a:latin typeface="Cambria Math" panose="02040503050406030204" pitchFamily="18" charset="0"/>
-                          </a:rPr>
-                          <m:t>𝑚</m:t>
-                        </m:r>
-                        <m:sSub>
-                          <m:sSubPr>
-                            <m:ctrlPr>
-                              <a:rPr lang="en-US" b="0" i="1" smtClean="0">
-                                <a:latin typeface="Cambria Math" panose="02040503050406030204" pitchFamily="18" charset="0"/>
-                              </a:rPr>
-                            </m:ctrlPr>
-                          </m:sSubPr>
-                          <m:e>
-                            <m:r>
-                              <a:rPr lang="en-US" b="0" i="1" smtClean="0">
-                                <a:latin typeface="Cambria Math" panose="02040503050406030204" pitchFamily="18" charset="0"/>
-                              </a:rPr>
-                              <m:t>𝑑</m:t>
-                            </m:r>
-                          </m:e>
-                          <m:sub>
-                            <m:r>
-                              <a:rPr lang="en-US" b="0" i="1" smtClean="0">
-                                <a:latin typeface="Cambria Math" panose="02040503050406030204" pitchFamily="18" charset="0"/>
-                              </a:rPr>
-                              <m:t>𝑚𝑎𝑥</m:t>
-                            </m:r>
-                          </m:sub>
-                        </m:sSub>
-                        <m:r>
-                          <a:rPr lang="en-US" b="0" i="1" smtClean="0">
-                            <a:latin typeface="Cambria Math" panose="02040503050406030204" pitchFamily="18" charset="0"/>
-                          </a:rPr>
-                          <m:t>+</m:t>
-                        </m:r>
-                        <m:r>
-                          <a:rPr lang="en-US" b="0" i="1" smtClean="0">
-                            <a:latin typeface="Cambria Math" panose="02040503050406030204" pitchFamily="18" charset="0"/>
-                          </a:rPr>
-                          <m:t>𝑚</m:t>
-                        </m:r>
-                        <m:sSubSup>
-                          <m:sSubSupPr>
-                            <m:ctrlPr>
-                              <a:rPr lang="en-US" b="0" i="1" smtClean="0">
-                                <a:latin typeface="Cambria Math" panose="02040503050406030204" pitchFamily="18" charset="0"/>
-                              </a:rPr>
-                            </m:ctrlPr>
-                          </m:sSubSupPr>
-                          <m:e>
-                            <m:r>
-                              <a:rPr lang="en-US" b="0" i="1" smtClean="0">
-                                <a:latin typeface="Cambria Math" panose="02040503050406030204" pitchFamily="18" charset="0"/>
-                              </a:rPr>
-                              <m:t>𝛿</m:t>
-                            </m:r>
-                          </m:e>
-                          <m:sub>
-                            <m:r>
-                              <a:rPr lang="en-US" b="0" i="1" smtClean="0">
-                                <a:latin typeface="Cambria Math" panose="02040503050406030204" pitchFamily="18" charset="0"/>
-                              </a:rPr>
-                              <m:t>𝑚𝑎𝑥</m:t>
-                            </m:r>
-                          </m:sub>
-                          <m:sup>
-                            <m:r>
-                              <a:rPr lang="en-US" b="0" i="1" smtClean="0">
-                                <a:latin typeface="Cambria Math" panose="02040503050406030204" pitchFamily="18" charset="0"/>
-                              </a:rPr>
-                              <m:t>2</m:t>
-                            </m:r>
-                          </m:sup>
-                        </m:sSubSup>
-                      </m:e>
-                    </m:d>
-                    <m:r>
-                      <a:rPr lang="en-US" b="0" i="1" smtClean="0">
-                        <a:latin typeface="Cambria Math" panose="02040503050406030204" pitchFamily="18" charset="0"/>
-                      </a:rPr>
-                      <m:t>−</m:t>
-                    </m:r>
-                  </m:oMath>
-                </a14:m>
-                <a:endParaRPr lang="en-US" b="0" i="1" dirty="0">
-                  <a:latin typeface="Cambria Math" panose="02040503050406030204" pitchFamily="18" charset="0"/>
-                </a:endParaRPr>
-              </a:p>
-              <a:p>
-                <a:pPr marL="0" indent="0">
-                  <a:buNone/>
-                </a:pPr>
-                <a14:m>
-                  <m:oMathPara xmlns:m="http://schemas.openxmlformats.org/officeDocument/2006/math">
-                    <m:oMathParaPr>
-                      <m:jc m:val="centerGroup"/>
-                    </m:oMathParaPr>
-                    <m:oMath xmlns:m="http://schemas.openxmlformats.org/officeDocument/2006/math">
-                      <m:r>
-                        <a:rPr lang="en-US" b="0" i="1" smtClean="0">
-                          <a:latin typeface="Cambria Math" panose="02040503050406030204" pitchFamily="18" charset="0"/>
-                        </a:rPr>
-                        <m:t>𝐴𝑣𝑒𝑟𝑎𝑔𝑒</m:t>
-                      </m:r>
-                      <m:r>
-                        <a:rPr lang="en-US" b="0" i="1" smtClean="0">
-                          <a:latin typeface="Cambria Math" panose="02040503050406030204" pitchFamily="18" charset="0"/>
-                        </a:rPr>
-                        <m:t> </m:t>
-                      </m:r>
-                      <m:r>
-                        <a:rPr lang="en-US" b="0" i="1" smtClean="0">
-                          <a:latin typeface="Cambria Math" panose="02040503050406030204" pitchFamily="18" charset="0"/>
-                        </a:rPr>
-                        <m:t>𝑜𝑓</m:t>
-                      </m:r>
-                      <m:r>
-                        <a:rPr lang="en-US" b="0" i="1" smtClean="0">
-                          <a:latin typeface="Cambria Math" panose="02040503050406030204" pitchFamily="18" charset="0"/>
-                        </a:rPr>
-                        <m:t> </m:t>
-                      </m:r>
-                      <m:d>
-                        <m:dPr>
-                          <m:ctrlPr>
-                            <a:rPr lang="en-US" b="0" i="1" smtClean="0">
-                              <a:latin typeface="Cambria Math" panose="02040503050406030204" pitchFamily="18" charset="0"/>
-                            </a:rPr>
-                          </m:ctrlPr>
-                        </m:dPr>
-                        <m:e>
-                          <m:sSub>
-                            <m:sSubPr>
-                              <m:ctrlPr>
-                                <a:rPr lang="en-US" b="0" i="1" smtClean="0">
-                                  <a:latin typeface="Cambria Math" panose="02040503050406030204" pitchFamily="18" charset="0"/>
-                                </a:rPr>
-                              </m:ctrlPr>
-                            </m:sSubPr>
-                            <m:e>
-                              <m:r>
-                                <a:rPr lang="en-US" b="0" i="1" smtClean="0">
-                                  <a:latin typeface="Cambria Math" panose="02040503050406030204" pitchFamily="18" charset="0"/>
-                                </a:rPr>
-                                <m:t>𝑑</m:t>
-                              </m:r>
-                            </m:e>
-                            <m:sub>
-                              <m:r>
-                                <a:rPr lang="en-US" b="0" i="1" smtClean="0">
-                                  <a:latin typeface="Cambria Math" panose="02040503050406030204" pitchFamily="18" charset="0"/>
-                                </a:rPr>
-                                <m:t>𝑚𝑎𝑥</m:t>
-                              </m:r>
-                            </m:sub>
-                          </m:sSub>
-                          <m:r>
-                            <a:rPr lang="en-US" b="0" i="1" smtClean="0">
-                              <a:latin typeface="Cambria Math" panose="02040503050406030204" pitchFamily="18" charset="0"/>
-                            </a:rPr>
-                            <m:t>+</m:t>
-                          </m:r>
-                          <m:sSubSup>
-                            <m:sSubSupPr>
-                              <m:ctrlPr>
-                                <a:rPr lang="en-US" b="0" i="1" smtClean="0">
-                                  <a:latin typeface="Cambria Math" panose="02040503050406030204" pitchFamily="18" charset="0"/>
-                                </a:rPr>
-                              </m:ctrlPr>
-                            </m:sSubSupPr>
-                            <m:e>
-                              <m:r>
-                                <a:rPr lang="en-US" b="0" i="1" smtClean="0">
-                                  <a:latin typeface="Cambria Math" panose="02040503050406030204" pitchFamily="18" charset="0"/>
-                                </a:rPr>
-                                <m:t>𝛿</m:t>
-                              </m:r>
-                            </m:e>
-                            <m:sub>
-                              <m:r>
-                                <a:rPr lang="en-US" b="0" i="1" smtClean="0">
-                                  <a:latin typeface="Cambria Math" panose="02040503050406030204" pitchFamily="18" charset="0"/>
-                                </a:rPr>
-                                <m:t>𝑚𝑎𝑥</m:t>
-                              </m:r>
-                            </m:sub>
-                            <m:sup>
-                              <m:r>
-                                <a:rPr lang="en-US" b="0" i="1" smtClean="0">
-                                  <a:latin typeface="Cambria Math" panose="02040503050406030204" pitchFamily="18" charset="0"/>
-                                </a:rPr>
-                                <m:t>2</m:t>
-                              </m:r>
-                            </m:sup>
-                          </m:sSubSup>
-                        </m:e>
-                      </m:d>
-                      <m:r>
-                        <a:rPr lang="en-US" b="0" i="1" smtClean="0">
-                          <a:latin typeface="Cambria Math" panose="02040503050406030204" pitchFamily="18" charset="0"/>
-                        </a:rPr>
-                        <m:t> </m:t>
-                      </m:r>
-                      <m:r>
-                        <a:rPr lang="en-US" b="0" i="1" smtClean="0">
-                          <a:latin typeface="Cambria Math" panose="02040503050406030204" pitchFamily="18" charset="0"/>
-                        </a:rPr>
-                        <m:t>𝑝𝑒𝑟</m:t>
-                      </m:r>
-                      <m:r>
-                        <a:rPr lang="en-US" b="0" i="1" smtClean="0">
-                          <a:latin typeface="Cambria Math" panose="02040503050406030204" pitchFamily="18" charset="0"/>
-                        </a:rPr>
-                        <m:t> </m:t>
-                      </m:r>
-                      <m:r>
-                        <a:rPr lang="en-US" b="0" i="1" smtClean="0">
-                          <a:latin typeface="Cambria Math" panose="02040503050406030204" pitchFamily="18" charset="0"/>
-                        </a:rPr>
-                        <m:t>𝑜𝑝𝑒𝑟𝑎𝑡𝑖𝑜𝑛</m:t>
-                      </m:r>
-                    </m:oMath>
-                  </m:oMathPara>
-                </a14:m>
-                <a:endParaRPr lang="en-US" b="0" dirty="0"/>
-              </a:p>
-              <a:p>
-                <a:pPr marL="0" indent="0">
-                  <a:buNone/>
-                </a:pPr>
-                <a:r>
-                  <a:rPr lang="en-US" dirty="0"/>
-                  <a:t> Doing one operation at a time </a:t>
-                </a:r>
-                <a:r>
-                  <a:rPr lang="en-US" dirty="0" err="1"/>
-                  <a:t>whould</a:t>
-                </a:r>
-                <a:r>
-                  <a:rPr lang="en-US" dirty="0"/>
-                  <a:t> take </a:t>
-                </a:r>
-                <a14:m>
-                  <m:oMath xmlns:m="http://schemas.openxmlformats.org/officeDocument/2006/math">
-                    <m:r>
-                      <a:rPr lang="en-US" b="0" i="1" smtClean="0">
-                        <a:latin typeface="Cambria Math" panose="02040503050406030204" pitchFamily="18" charset="0"/>
-                      </a:rPr>
-                      <m:t>𝑂</m:t>
-                    </m:r>
-                    <m:r>
-                      <a:rPr lang="en-US" b="0" i="1" smtClean="0">
-                        <a:latin typeface="Cambria Math" panose="02040503050406030204" pitchFamily="18" charset="0"/>
-                      </a:rPr>
-                      <m:t>(</m:t>
-                    </m:r>
-                    <m:r>
-                      <a:rPr lang="en-US" b="0" i="1" smtClean="0">
-                        <a:latin typeface="Cambria Math" panose="02040503050406030204" pitchFamily="18" charset="0"/>
-                      </a:rPr>
-                      <m:t>𝑚</m:t>
-                    </m:r>
-                    <m:sSub>
-                      <m:sSubPr>
-                        <m:ctrlPr>
-                          <a:rPr lang="en-US" b="0" i="1" smtClean="0">
-                            <a:latin typeface="Cambria Math" panose="02040503050406030204" pitchFamily="18" charset="0"/>
-                          </a:rPr>
-                        </m:ctrlPr>
-                      </m:sSubPr>
-                      <m:e>
-                        <m:r>
-                          <a:rPr lang="en-US" b="0" i="1" smtClean="0">
-                            <a:latin typeface="Cambria Math" panose="02040503050406030204" pitchFamily="18" charset="0"/>
-                          </a:rPr>
-                          <m:t>𝑑</m:t>
-                        </m:r>
-                      </m:e>
-                      <m:sub>
-                        <m:r>
-                          <a:rPr lang="en-US" b="0" i="1" smtClean="0">
-                            <a:latin typeface="Cambria Math" panose="02040503050406030204" pitchFamily="18" charset="0"/>
-                          </a:rPr>
-                          <m:t>𝑚𝑎𝑥</m:t>
-                        </m:r>
-                      </m:sub>
-                    </m:sSub>
-                    <m:r>
-                      <a:rPr lang="en-US" b="0" i="1" smtClean="0">
-                        <a:latin typeface="Cambria Math" panose="02040503050406030204" pitchFamily="18" charset="0"/>
-                      </a:rPr>
-                      <m:t>)</m:t>
-                    </m:r>
-                  </m:oMath>
-                </a14:m>
-                <a:endParaRPr lang="en-US" dirty="0"/>
-              </a:p>
-              <a:p>
-                <a:pPr marL="0" indent="0">
-                  <a:buNone/>
-                </a:pPr>
-                <a:r>
-                  <a:rPr lang="en-US" dirty="0"/>
-                  <a:t> </a:t>
-                </a:r>
-                <a14:m>
-                  <m:oMath xmlns:m="http://schemas.openxmlformats.org/officeDocument/2006/math">
-                    <m:r>
-                      <a:rPr lang="en-US" b="0" i="1" smtClean="0">
-                        <a:latin typeface="Cambria Math" panose="02040503050406030204" pitchFamily="18" charset="0"/>
-                      </a:rPr>
-                      <m:t>𝑂</m:t>
-                    </m:r>
-                    <m:d>
-                      <m:dPr>
-                        <m:ctrlPr>
-                          <a:rPr lang="en-US" b="0" i="1" smtClean="0">
-                            <a:latin typeface="Cambria Math" panose="02040503050406030204" pitchFamily="18" charset="0"/>
-                          </a:rPr>
-                        </m:ctrlPr>
-                      </m:dPr>
-                      <m:e>
-                        <m:sSup>
-                          <m:sSupPr>
-                            <m:ctrlPr>
-                              <a:rPr lang="en-US" b="0" i="1" smtClean="0">
-                                <a:latin typeface="Cambria Math" panose="02040503050406030204" pitchFamily="18" charset="0"/>
-                              </a:rPr>
-                            </m:ctrlPr>
-                          </m:sSupPr>
-                          <m:e>
-                            <m:r>
-                              <a:rPr lang="en-US" b="0" i="1" smtClean="0">
-                                <a:latin typeface="Cambria Math" panose="02040503050406030204" pitchFamily="18" charset="0"/>
-                              </a:rPr>
-                              <m:t>𝑛</m:t>
-                            </m:r>
-                          </m:e>
-                          <m:sup>
-                            <m:r>
-                              <a:rPr lang="en-US" b="0" i="1" smtClean="0">
-                                <a:latin typeface="Cambria Math" panose="02040503050406030204" pitchFamily="18" charset="0"/>
-                              </a:rPr>
-                              <m:t>2</m:t>
-                            </m:r>
-                          </m:sup>
-                        </m:sSup>
-                      </m:e>
-                    </m:d>
-                    <m:r>
-                      <a:rPr lang="en-US" b="0" i="1" smtClean="0">
-                        <a:latin typeface="Cambria Math" panose="02040503050406030204" pitchFamily="18" charset="0"/>
-                      </a:rPr>
-                      <m:t>𝑠𝑝𝑎𝑐𝑒</m:t>
-                    </m:r>
-                  </m:oMath>
-                </a14:m>
-                <a:endParaRPr lang="en-US" dirty="0"/>
-              </a:p>
-              <a:p>
-                <a:r>
-                  <a:rPr lang="en-US" dirty="0"/>
-                  <a:t>My Work:</a:t>
-                </a:r>
-              </a:p>
-              <a:p>
-                <a14:m>
-                  <m:oMath xmlns:m="http://schemas.openxmlformats.org/officeDocument/2006/math">
-                    <m:r>
-                      <a:rPr lang="en-US" b="0" i="1" smtClean="0">
-                        <a:latin typeface="Cambria Math" panose="02040503050406030204" pitchFamily="18" charset="0"/>
-                      </a:rPr>
-                      <m:t>𝑂</m:t>
-                    </m:r>
-                    <m:d>
-                      <m:dPr>
-                        <m:ctrlPr>
-                          <a:rPr lang="en-US" b="0" i="1" smtClean="0">
-                            <a:latin typeface="Cambria Math" panose="02040503050406030204" pitchFamily="18" charset="0"/>
-                          </a:rPr>
-                        </m:ctrlPr>
-                      </m:dPr>
-                      <m:e>
-                        <m:sSub>
-                          <m:sSubPr>
-                            <m:ctrlPr>
-                              <a:rPr lang="en-US" b="0" i="1" smtClean="0">
-                                <a:latin typeface="Cambria Math" panose="02040503050406030204" pitchFamily="18" charset="0"/>
-                              </a:rPr>
-                            </m:ctrlPr>
-                          </m:sSubPr>
-                          <m:e>
-                            <m:r>
-                              <a:rPr lang="en-US" b="0" i="1" smtClean="0">
-                                <a:latin typeface="Cambria Math" panose="02040503050406030204" pitchFamily="18" charset="0"/>
-                              </a:rPr>
-                              <m:t>𝑑</m:t>
-                            </m:r>
-                          </m:e>
-                          <m:sub>
-                            <m:r>
-                              <a:rPr lang="en-US" b="0" i="1" smtClean="0">
-                                <a:latin typeface="Cambria Math" panose="02040503050406030204" pitchFamily="18" charset="0"/>
-                              </a:rPr>
-                              <m:t>𝑚𝑎𝑥</m:t>
-                            </m:r>
-                          </m:sub>
-                        </m:sSub>
-                        <m:r>
-                          <a:rPr lang="en-US" b="0" i="1" smtClean="0">
-                            <a:latin typeface="Cambria Math" panose="02040503050406030204" pitchFamily="18" charset="0"/>
-                          </a:rPr>
-                          <m:t>+</m:t>
-                        </m:r>
-                        <m:sSub>
-                          <m:sSubPr>
-                            <m:ctrlPr>
-                              <a:rPr lang="en-US" b="0" i="1" smtClean="0">
-                                <a:latin typeface="Cambria Math" panose="02040503050406030204" pitchFamily="18" charset="0"/>
-                              </a:rPr>
-                            </m:ctrlPr>
-                          </m:sSubPr>
-                          <m:e>
-                            <m:r>
-                              <a:rPr lang="en-US" b="0" i="1" smtClean="0">
-                                <a:latin typeface="Cambria Math" panose="02040503050406030204" pitchFamily="18" charset="0"/>
-                              </a:rPr>
-                              <m:t>𝛿</m:t>
-                            </m:r>
-                          </m:e>
-                          <m:sub>
-                            <m:r>
-                              <a:rPr lang="en-US" b="0" i="1" smtClean="0">
-                                <a:latin typeface="Cambria Math" panose="02040503050406030204" pitchFamily="18" charset="0"/>
-                              </a:rPr>
-                              <m:t>𝑚𝑎𝑥</m:t>
-                            </m:r>
-                          </m:sub>
-                        </m:sSub>
-                      </m:e>
-                    </m:d>
-                    <m:r>
-                      <a:rPr lang="en-US" b="0" i="1" smtClean="0">
-                        <a:latin typeface="Cambria Math" panose="02040503050406030204" pitchFamily="18" charset="0"/>
-                      </a:rPr>
-                      <m:t> </m:t>
-                    </m:r>
-                    <m:r>
-                      <a:rPr lang="en-US" b="0" i="1" smtClean="0">
-                        <a:latin typeface="Cambria Math" panose="02040503050406030204" pitchFamily="18" charset="0"/>
-                      </a:rPr>
-                      <m:t>𝑝𝑒𝑟</m:t>
-                    </m:r>
-                    <m:r>
-                      <a:rPr lang="en-US" b="0" i="1" smtClean="0">
-                        <a:latin typeface="Cambria Math" panose="02040503050406030204" pitchFamily="18" charset="0"/>
-                      </a:rPr>
-                      <m:t> </m:t>
-                    </m:r>
-                    <m:r>
-                      <a:rPr lang="en-US" b="0" i="1" smtClean="0">
-                        <a:latin typeface="Cambria Math" panose="02040503050406030204" pitchFamily="18" charset="0"/>
-                      </a:rPr>
-                      <m:t>𝑜𝑛𝑒</m:t>
-                    </m:r>
-                    <m:r>
-                      <a:rPr lang="en-US" b="0" i="1" smtClean="0">
-                        <a:latin typeface="Cambria Math" panose="02040503050406030204" pitchFamily="18" charset="0"/>
-                      </a:rPr>
-                      <m:t> </m:t>
-                    </m:r>
-                    <m:r>
-                      <a:rPr lang="en-US" b="0" i="1" smtClean="0">
-                        <a:latin typeface="Cambria Math" panose="02040503050406030204" pitchFamily="18" charset="0"/>
-                      </a:rPr>
-                      <m:t>𝑜𝑝𝑒𝑟𝑎𝑡𝑖𝑜𝑛</m:t>
-                    </m:r>
-                    <m:r>
-                      <a:rPr lang="en-US" b="0" i="1" smtClean="0">
-                        <a:latin typeface="Cambria Math" panose="02040503050406030204" pitchFamily="18" charset="0"/>
-                      </a:rPr>
-                      <m:t>.</m:t>
-                    </m:r>
-                  </m:oMath>
-                </a14:m>
-                <a:endParaRPr lang="en-US" b="0" dirty="0"/>
-              </a:p>
-              <a:p>
-                <a:r>
-                  <a:rPr lang="en-US" dirty="0" err="1"/>
-                  <a:t>Adventage</a:t>
-                </a:r>
-                <a:r>
-                  <a:rPr lang="en-US" dirty="0"/>
-                  <a:t> – </a:t>
-                </a:r>
-                <a:r>
-                  <a:rPr lang="en-US" dirty="0" err="1"/>
-                  <a:t>Recompute</a:t>
-                </a:r>
-                <a:r>
-                  <a:rPr lang="en-US" dirty="0"/>
-                  <a:t> # of triangles in O(1) time, and than prepare for next update in</a:t>
-                </a:r>
-                <a14:m>
-                  <m:oMath xmlns:m="http://schemas.openxmlformats.org/officeDocument/2006/math">
-                    <m:r>
-                      <a:rPr lang="en-US" b="0" i="1" smtClean="0">
-                        <a:latin typeface="Cambria Math" panose="02040503050406030204" pitchFamily="18" charset="0"/>
-                      </a:rPr>
-                      <m:t>𝑂</m:t>
-                    </m:r>
-                    <m:d>
-                      <m:dPr>
-                        <m:ctrlPr>
-                          <a:rPr lang="en-US" b="0" i="1" smtClean="0">
-                            <a:latin typeface="Cambria Math" panose="02040503050406030204" pitchFamily="18" charset="0"/>
-                          </a:rPr>
-                        </m:ctrlPr>
-                      </m:dPr>
-                      <m:e>
-                        <m:sSub>
-                          <m:sSubPr>
-                            <m:ctrlPr>
-                              <a:rPr lang="en-US" b="0" i="1" smtClean="0">
-                                <a:latin typeface="Cambria Math" panose="02040503050406030204" pitchFamily="18" charset="0"/>
-                              </a:rPr>
-                            </m:ctrlPr>
-                          </m:sSubPr>
-                          <m:e>
-                            <m:r>
-                              <a:rPr lang="en-US" b="0" i="1" smtClean="0">
-                                <a:latin typeface="Cambria Math" panose="02040503050406030204" pitchFamily="18" charset="0"/>
-                              </a:rPr>
-                              <m:t>𝑑</m:t>
-                            </m:r>
-                          </m:e>
-                          <m:sub>
-                            <m:r>
-                              <a:rPr lang="en-US" b="0" i="1" smtClean="0">
-                                <a:latin typeface="Cambria Math" panose="02040503050406030204" pitchFamily="18" charset="0"/>
-                              </a:rPr>
-                              <m:t>𝑚𝑎𝑥</m:t>
-                            </m:r>
-                          </m:sub>
-                        </m:sSub>
-                        <m:r>
-                          <a:rPr lang="en-US" b="0" i="1" smtClean="0">
-                            <a:latin typeface="Cambria Math" panose="02040503050406030204" pitchFamily="18" charset="0"/>
-                          </a:rPr>
-                          <m:t>+</m:t>
-                        </m:r>
-                        <m:sSub>
-                          <m:sSubPr>
-                            <m:ctrlPr>
-                              <a:rPr lang="en-US" b="0" i="1" smtClean="0">
-                                <a:latin typeface="Cambria Math" panose="02040503050406030204" pitchFamily="18" charset="0"/>
-                              </a:rPr>
-                            </m:ctrlPr>
-                          </m:sSubPr>
-                          <m:e>
-                            <m:r>
-                              <a:rPr lang="en-US" b="0" i="1" smtClean="0">
-                                <a:latin typeface="Cambria Math" panose="02040503050406030204" pitchFamily="18" charset="0"/>
-                              </a:rPr>
-                              <m:t>𝛿</m:t>
-                            </m:r>
-                          </m:e>
-                          <m:sub>
-                            <m:r>
-                              <a:rPr lang="en-US" b="0" i="1" smtClean="0">
-                                <a:latin typeface="Cambria Math" panose="02040503050406030204" pitchFamily="18" charset="0"/>
-                              </a:rPr>
-                              <m:t>𝑚𝑎𝑥</m:t>
-                            </m:r>
-                          </m:sub>
-                        </m:sSub>
-                      </m:e>
-                    </m:d>
-                  </m:oMath>
-                </a14:m>
-                <a:r>
-                  <a:rPr lang="he-IL" dirty="0"/>
-                  <a:t> </a:t>
-                </a:r>
-                <a:r>
-                  <a:rPr lang="en-US" dirty="0"/>
-                  <a:t> time</a:t>
-                </a:r>
-              </a:p>
-              <a:p>
-                <a:r>
-                  <a:rPr lang="en-US" dirty="0" err="1"/>
-                  <a:t>Disadventage</a:t>
-                </a:r>
-                <a:r>
-                  <a:rPr lang="en-US" dirty="0"/>
-                  <a:t> - </a:t>
-                </a:r>
-                <a14:m>
-                  <m:oMath xmlns:m="http://schemas.openxmlformats.org/officeDocument/2006/math">
-                    <m:r>
-                      <a:rPr lang="en-US" b="0" i="1" smtClean="0">
-                        <a:latin typeface="Cambria Math" panose="02040503050406030204" pitchFamily="18" charset="0"/>
-                      </a:rPr>
-                      <m:t>𝑂</m:t>
-                    </m:r>
-                    <m:d>
-                      <m:dPr>
-                        <m:ctrlPr>
-                          <a:rPr lang="en-US" b="0" i="1" smtClean="0">
-                            <a:latin typeface="Cambria Math" panose="02040503050406030204" pitchFamily="18" charset="0"/>
-                          </a:rPr>
-                        </m:ctrlPr>
-                      </m:dPr>
-                      <m:e>
-                        <m:sSup>
-                          <m:sSupPr>
-                            <m:ctrlPr>
-                              <a:rPr lang="en-US" b="0" i="1" smtClean="0">
-                                <a:latin typeface="Cambria Math" panose="02040503050406030204" pitchFamily="18" charset="0"/>
-                              </a:rPr>
-                            </m:ctrlPr>
-                          </m:sSupPr>
-                          <m:e>
-                            <m:r>
-                              <a:rPr lang="en-US" b="0" i="1" smtClean="0">
-                                <a:latin typeface="Cambria Math" panose="02040503050406030204" pitchFamily="18" charset="0"/>
-                              </a:rPr>
-                              <m:t>𝑛</m:t>
-                            </m:r>
-                          </m:e>
-                          <m:sup>
-                            <m:r>
-                              <a:rPr lang="en-US" b="0" i="1" smtClean="0">
-                                <a:latin typeface="Cambria Math" panose="02040503050406030204" pitchFamily="18" charset="0"/>
-                              </a:rPr>
-                              <m:t>2</m:t>
-                            </m:r>
-                          </m:sup>
-                        </m:sSup>
-                      </m:e>
-                    </m:d>
-                    <m:r>
-                      <a:rPr lang="en-US" b="0" i="1" smtClean="0">
-                        <a:latin typeface="Cambria Math" panose="02040503050406030204" pitchFamily="18" charset="0"/>
-                      </a:rPr>
-                      <m:t> </m:t>
-                    </m:r>
-                    <m:r>
-                      <a:rPr lang="en-US" b="0" i="1" smtClean="0">
-                        <a:latin typeface="Cambria Math" panose="02040503050406030204" pitchFamily="18" charset="0"/>
-                      </a:rPr>
-                      <m:t>𝑠𝑝𝑎𝑐𝑒</m:t>
-                    </m:r>
-                    <m:r>
-                      <a:rPr lang="en-US" b="0" i="1" smtClean="0">
-                        <a:latin typeface="Cambria Math" panose="02040503050406030204" pitchFamily="18" charset="0"/>
-                      </a:rPr>
-                      <m:t>. </m:t>
-                    </m:r>
-                  </m:oMath>
-                </a14:m>
-                <a:endParaRPr lang="en-US" dirty="0"/>
-              </a:p>
-            </p:txBody>
-          </p:sp>
-        </mc:Choice>
-        <mc:Fallback>
-          <p:sp>
-            <p:nvSpPr>
-              <p:cNvPr id="3" name="Content Placeholder 2">
-                <a:extLst>
-                  <a:ext uri="{FF2B5EF4-FFF2-40B4-BE49-F238E27FC236}">
-                    <a16:creationId xmlns:a16="http://schemas.microsoft.com/office/drawing/2014/main" id="{20584FE0-D9AB-4361-AF3F-753A2153EFF5}"/>
-                  </a:ext>
-                </a:extLst>
-              </p:cNvPr>
-              <p:cNvSpPr>
-                <a:spLocks noGrp="1" noRot="1" noChangeAspect="1" noMove="1" noResize="1" noEditPoints="1" noAdjustHandles="1" noChangeArrowheads="1" noChangeShapeType="1" noTextEdit="1"/>
-              </p:cNvSpPr>
-              <p:nvPr>
-                <p:ph idx="1"/>
-              </p:nvPr>
-            </p:nvSpPr>
-            <p:spPr>
-              <a:xfrm>
-                <a:off x="838200" y="1518082"/>
-                <a:ext cx="10515600" cy="4974793"/>
-              </a:xfrm>
-              <a:blipFill>
-                <a:blip r:embed="rId2"/>
-                <a:stretch>
-                  <a:fillRect l="-1043" t="-1961" r="-638" b="-490"/>
-                </a:stretch>
-              </a:blipFill>
-            </p:spPr>
-            <p:txBody>
-              <a:bodyPr/>
-              <a:lstStyle/>
-              <a:p>
-                <a:r>
-                  <a:rPr lang="en-US">
-                    <a:noFill/>
-                  </a:rPr>
-                  <a:t> </a:t>
-                </a:r>
-              </a:p>
-            </p:txBody>
-          </p:sp>
-        </mc:Fallback>
-      </mc:AlternateContent>
-    </p:spTree>
-    <p:extLst>
-      <p:ext uri="{BB962C8B-B14F-4D97-AF65-F5344CB8AC3E}">
-        <p14:creationId xmlns:p14="http://schemas.microsoft.com/office/powerpoint/2010/main" val="3827094557"/>
-      </p:ext>
-    </p:extLst>
-  </p:cSld>
-  <p:clrMapOvr>
-    <a:masterClrMapping/>
-  </p:clrMapOvr>
-</p:sld>
-</file>
-
-<file path=ppt/slides/slide4.xml><?xml version="1.0" encoding="utf-8"?>
-<p:sld xmlns:a="http://schemas.openxmlformats.org/drawingml/2006/main" xmlns:r="http://schemas.openxmlformats.org/officeDocument/2006/relationships" xmlns:p="http://schemas.openxmlformats.org/presentationml/2006/main">
-  <p:cSld>
-    <p:spTree>
-      <p:nvGrpSpPr>
-        <p:cNvPr id="1" name=""/>
-        <p:cNvGrpSpPr/>
-        <p:nvPr/>
-      </p:nvGrpSpPr>
-      <p:grpSpPr>
-        <a:xfrm>
-          <a:off x="0" y="0"/>
-          <a:ext cx="0" cy="0"/>
-          <a:chOff x="0" y="0"/>
-          <a:chExt cx="0" cy="0"/>
-        </a:xfrm>
-      </p:grpSpPr>
-      <p:sp>
-        <p:nvSpPr>
-          <p:cNvPr id="2" name="Title 1">
-            <a:extLst>
-              <a:ext uri="{FF2B5EF4-FFF2-40B4-BE49-F238E27FC236}">
-                <a16:creationId xmlns:a16="http://schemas.microsoft.com/office/drawing/2014/main" id="{C301DE07-5D66-4861-A798-92EAF9A687E1}"/>
-              </a:ext>
-            </a:extLst>
-          </p:cNvPr>
-          <p:cNvSpPr>
-            <a:spLocks noGrp="1"/>
-          </p:cNvSpPr>
-          <p:nvPr>
-            <p:ph type="title"/>
-          </p:nvPr>
-        </p:nvSpPr>
-        <p:spPr/>
-        <p:txBody>
-          <a:bodyPr/>
-          <a:lstStyle/>
-          <a:p>
-            <a:r>
-              <a:rPr lang="en-US" dirty="0"/>
-              <a:t>Incremental - approximation</a:t>
+              <a:t>Incremental – Dynamic central approximation</a:t>
             </a:r>
           </a:p>
         </p:txBody>
@@ -5225,19 +4527,7 @@
                       <a:rPr lang="en-US" b="0" i="1" smtClean="0">
                         <a:latin typeface="Cambria Math" panose="02040503050406030204" pitchFamily="18" charset="0"/>
                       </a:rPr>
-                      <m:t>𝑡</m:t>
-                    </m:r>
-                    <m:r>
-                      <a:rPr lang="en-US" b="0" i="1" smtClean="0">
-                        <a:latin typeface="Cambria Math" panose="02040503050406030204" pitchFamily="18" charset="0"/>
-                      </a:rPr>
-                      <m:t>h</m:t>
-                    </m:r>
-                    <m:r>
-                      <a:rPr lang="en-US" b="0" i="1" smtClean="0">
-                        <a:latin typeface="Cambria Math" panose="02040503050406030204" pitchFamily="18" charset="0"/>
-                      </a:rPr>
-                      <m:t>𝑒</m:t>
+                      <m:t>𝑡h𝑒</m:t>
                     </m:r>
                     <m:r>
                       <a:rPr lang="en-US" b="0" i="1" smtClean="0">
@@ -5285,19 +4575,7 @@
                       <a:rPr lang="en-US" b="0" i="1" smtClean="0">
                         <a:latin typeface="Cambria Math" panose="02040503050406030204" pitchFamily="18" charset="0"/>
                       </a:rPr>
-                      <m:t>𝑡</m:t>
-                    </m:r>
-                    <m:r>
-                      <a:rPr lang="en-US" b="0" i="1" smtClean="0">
-                        <a:latin typeface="Cambria Math" panose="02040503050406030204" pitchFamily="18" charset="0"/>
-                      </a:rPr>
-                      <m:t>h</m:t>
-                    </m:r>
-                    <m:r>
-                      <a:rPr lang="en-US" b="0" i="1" smtClean="0">
-                        <a:latin typeface="Cambria Math" panose="02040503050406030204" pitchFamily="18" charset="0"/>
-                      </a:rPr>
-                      <m:t>𝑒</m:t>
+                      <m:t>𝑡h𝑒</m:t>
                     </m:r>
                     <m:r>
                       <a:rPr lang="en-US" b="0" i="1" smtClean="0">
@@ -5309,13 +4587,7 @@
                       <a:rPr lang="en-US" b="0" i="1" smtClean="0">
                         <a:latin typeface="Cambria Math" panose="02040503050406030204" pitchFamily="18" charset="0"/>
                       </a:rPr>
-                      <m:t>𝑔𝑟𝑎𝑝</m:t>
-                    </m:r>
-                    <m:r>
-                      <a:rPr lang="en-US" b="0" i="1" smtClean="0">
-                        <a:latin typeface="Cambria Math" panose="02040503050406030204" pitchFamily="18" charset="0"/>
-                      </a:rPr>
-                      <m:t>h</m:t>
+                      <m:t>𝑔𝑟𝑎𝑝h</m:t>
                     </m:r>
                     <m:r>
                       <a:rPr lang="en-US" b="0" i="1" smtClean="0">
@@ -5330,6 +4602,18 @@
               <a:p>
                 <a14:m>
                   <m:oMath xmlns:m="http://schemas.openxmlformats.org/officeDocument/2006/math">
+                    <m:r>
+                      <a:rPr lang="en-US" b="0" i="1" smtClean="0">
+                        <a:latin typeface="Cambria Math" panose="02040503050406030204" pitchFamily="18" charset="0"/>
+                      </a:rPr>
+                      <m:t>𝛼</m:t>
+                    </m:r>
+                    <m:r>
+                      <a:rPr lang="en-US" b="0" i="1" smtClean="0">
+                        <a:latin typeface="Cambria Math" panose="02040503050406030204" pitchFamily="18" charset="0"/>
+                      </a:rPr>
+                      <m:t>=</m:t>
+                    </m:r>
                     <m:f>
                       <m:fPr>
                         <m:ctrlPr>
@@ -5343,13 +4627,7 @@
                           <a:rPr lang="en-US" b="0" i="1" smtClean="0">
                             <a:latin typeface="Cambria Math" panose="02040503050406030204" pitchFamily="18" charset="0"/>
                           </a:rPr>
-                          <m:t>3</m:t>
-                        </m:r>
-                        <m:r>
-                          <a:rPr lang="en-US" b="0" i="1" smtClean="0">
-                            <a:latin typeface="Cambria Math" panose="02040503050406030204" pitchFamily="18" charset="0"/>
-                          </a:rPr>
-                          <m:t>∙#_</m:t>
+                          <m:t>3∙#_</m:t>
                         </m:r>
                         <m:r>
                           <a:rPr lang="en-US" b="0" i="1" smtClean="0">
@@ -5469,7 +4747,7 @@
 </p:sld>
 </file>
 
-<file path=ppt/slides/slide5.xml><?xml version="1.0" encoding="utf-8"?>
+<file path=ppt/slides/slide4.xml><?xml version="1.0" encoding="utf-8"?>
 <p:sld xmlns:a="http://schemas.openxmlformats.org/drawingml/2006/main" xmlns:r="http://schemas.openxmlformats.org/officeDocument/2006/relationships" xmlns:p="http://schemas.openxmlformats.org/presentationml/2006/main">
   <p:cSld>
     <p:spTree>
@@ -5491,7 +4769,7 @@
           <p:cNvPr id="2" name="Title 1">
             <a:extLst>
               <a:ext uri="{FF2B5EF4-FFF2-40B4-BE49-F238E27FC236}">
-                <a16:creationId xmlns:a16="http://schemas.microsoft.com/office/drawing/2014/main" id="{1C13CEDD-A727-4939-895A-BF0EDEAAE35D}"/>
+                <a16:creationId xmlns:a16="http://schemas.microsoft.com/office/drawing/2014/main" id="{A9CF26D0-F756-43BD-90D4-1AD9C6D6A1D2}"/>
               </a:ext>
             </a:extLst>
           </p:cNvPr>
@@ -5509,8 +4787,13 @@
           <a:p>
             <a:r>
               <a:rPr lang="en-US" dirty="0"/>
-              <a:t>Incremental – Persistent, Fully Functional</a:t>
-            </a:r>
+              <a:t>Triangle Counting – Dynamic </a:t>
+            </a:r>
+            <a:r>
+              <a:rPr lang="en-US" dirty="0" err="1"/>
+              <a:t>Centrelized</a:t>
+            </a:r>
+            <a:endParaRPr lang="en-US" dirty="0"/>
           </a:p>
         </p:txBody>
       </p:sp>
@@ -5521,7 +4804,7 @@
               <p:cNvPr id="3" name="Content Placeholder 2">
                 <a:extLst>
                   <a:ext uri="{FF2B5EF4-FFF2-40B4-BE49-F238E27FC236}">
-                    <a16:creationId xmlns:a16="http://schemas.microsoft.com/office/drawing/2014/main" id="{5C499BBD-B1F7-4881-8795-D4B89AD40FAF}"/>
+                    <a16:creationId xmlns:a16="http://schemas.microsoft.com/office/drawing/2014/main" id="{F5749065-7581-49E7-9A47-C4D8165EED4B}"/>
                   </a:ext>
                 </a:extLst>
               </p:cNvPr>
@@ -5534,431 +4817,9 @@
             </p:nvSpPr>
             <p:spPr/>
             <p:txBody>
-              <a:bodyPr>
-                <a:normAutofit lnSpcReduction="10000"/>
-              </a:bodyPr>
+              <a:bodyPr/>
               <a:lstStyle/>
               <a:p>
-                <a:r>
-                  <a:rPr lang="en-US" dirty="0"/>
-                  <a:t>No Previous results were found</a:t>
-                </a:r>
-              </a:p>
-              <a:p>
-                <a:r>
-                  <a:rPr lang="en-US" dirty="0"/>
-                  <a:t>My results, the minimum of:</a:t>
-                </a:r>
-              </a:p>
-              <a:p>
-                <a14:m>
-                  <m:oMath xmlns:m="http://schemas.openxmlformats.org/officeDocument/2006/math">
-                    <m:r>
-                      <a:rPr lang="en-US" b="0" i="1" smtClean="0">
-                        <a:latin typeface="Cambria Math" panose="02040503050406030204" pitchFamily="18" charset="0"/>
-                      </a:rPr>
-                      <m:t>𝑂</m:t>
-                    </m:r>
-                    <m:d>
-                      <m:dPr>
-                        <m:ctrlPr>
-                          <a:rPr lang="en-US" b="0" i="1" smtClean="0">
-                            <a:latin typeface="Cambria Math" panose="02040503050406030204" pitchFamily="18" charset="0"/>
-                          </a:rPr>
-                        </m:ctrlPr>
-                      </m:dPr>
-                      <m:e>
-                        <m:r>
-                          <m:rPr>
-                            <m:sty m:val="p"/>
-                          </m:rPr>
-                          <a:rPr lang="en-US" b="0" i="0" smtClean="0">
-                            <a:latin typeface="Cambria Math" panose="02040503050406030204" pitchFamily="18" charset="0"/>
-                          </a:rPr>
-                          <m:t>n</m:t>
-                        </m:r>
-                      </m:e>
-                    </m:d>
-                    <m:r>
-                      <a:rPr lang="en-US" b="0" i="0" smtClean="0">
-                        <a:latin typeface="Cambria Math" panose="02040503050406030204" pitchFamily="18" charset="0"/>
-                      </a:rPr>
-                      <m:t> </m:t>
-                    </m:r>
-                    <m:r>
-                      <m:rPr>
-                        <m:sty m:val="p"/>
-                      </m:rPr>
-                      <a:rPr lang="en-US" b="0" i="0" smtClean="0">
-                        <a:latin typeface="Cambria Math" panose="02040503050406030204" pitchFamily="18" charset="0"/>
-                      </a:rPr>
-                      <m:t>per</m:t>
-                    </m:r>
-                    <m:r>
-                      <a:rPr lang="en-US" b="0" i="0" smtClean="0">
-                        <a:latin typeface="Cambria Math" panose="02040503050406030204" pitchFamily="18" charset="0"/>
-                      </a:rPr>
-                      <m:t> </m:t>
-                    </m:r>
-                    <m:r>
-                      <m:rPr>
-                        <m:sty m:val="p"/>
-                      </m:rPr>
-                      <a:rPr lang="en-US" b="0" i="0" smtClean="0">
-                        <a:latin typeface="Cambria Math" panose="02040503050406030204" pitchFamily="18" charset="0"/>
-                      </a:rPr>
-                      <m:t>update</m:t>
-                    </m:r>
-                  </m:oMath>
-                </a14:m>
-                <a:endParaRPr lang="en-US" b="0" dirty="0"/>
-              </a:p>
-              <a:p>
-                <a14:m>
-                  <m:oMath xmlns:m="http://schemas.openxmlformats.org/officeDocument/2006/math">
-                    <m:r>
-                      <a:rPr lang="en-US" b="0" i="1" smtClean="0">
-                        <a:latin typeface="Cambria Math" panose="02040503050406030204" pitchFamily="18" charset="0"/>
-                      </a:rPr>
-                      <m:t>𝑂</m:t>
-                    </m:r>
-                    <m:d>
-                      <m:dPr>
-                        <m:ctrlPr>
-                          <a:rPr lang="en-US" b="0" i="1" smtClean="0">
-                            <a:latin typeface="Cambria Math" panose="02040503050406030204" pitchFamily="18" charset="0"/>
-                          </a:rPr>
-                        </m:ctrlPr>
-                      </m:dPr>
-                      <m:e>
-                        <m:sSubSup>
-                          <m:sSubSupPr>
-                            <m:ctrlPr>
-                              <a:rPr lang="en-US" b="0" i="1" smtClean="0">
-                                <a:latin typeface="Cambria Math" panose="02040503050406030204" pitchFamily="18" charset="0"/>
-                              </a:rPr>
-                            </m:ctrlPr>
-                          </m:sSubSupPr>
-                          <m:e>
-                            <m:r>
-                              <a:rPr lang="en-US" b="0" i="1" smtClean="0">
-                                <a:latin typeface="Cambria Math" panose="02040503050406030204" pitchFamily="18" charset="0"/>
-                              </a:rPr>
-                              <m:t>𝑑</m:t>
-                            </m:r>
-                          </m:e>
-                          <m:sub>
-                            <m:r>
-                              <a:rPr lang="en-US" b="0" i="1" smtClean="0">
-                                <a:latin typeface="Cambria Math" panose="02040503050406030204" pitchFamily="18" charset="0"/>
-                              </a:rPr>
-                              <m:t>𝑚𝑎𝑥</m:t>
-                            </m:r>
-                          </m:sub>
-                          <m:sup>
-                            <m:r>
-                              <a:rPr lang="en-US" b="0" i="1" smtClean="0">
-                                <a:latin typeface="Cambria Math" panose="02040503050406030204" pitchFamily="18" charset="0"/>
-                              </a:rPr>
-                              <m:t>2</m:t>
-                            </m:r>
-                          </m:sup>
-                        </m:sSubSup>
-                        <m:r>
-                          <a:rPr lang="en-US" b="0" i="1" smtClean="0">
-                            <a:latin typeface="Cambria Math" panose="02040503050406030204" pitchFamily="18" charset="0"/>
-                          </a:rPr>
-                          <m:t>+</m:t>
-                        </m:r>
-                        <m:sSubSup>
-                          <m:sSubSupPr>
-                            <m:ctrlPr>
-                              <a:rPr lang="en-US" b="0" i="1" smtClean="0">
-                                <a:latin typeface="Cambria Math" panose="02040503050406030204" pitchFamily="18" charset="0"/>
-                              </a:rPr>
-                            </m:ctrlPr>
-                          </m:sSubSupPr>
-                          <m:e>
-                            <m:r>
-                              <a:rPr lang="en-US" b="0" i="1" smtClean="0">
-                                <a:latin typeface="Cambria Math" panose="02040503050406030204" pitchFamily="18" charset="0"/>
-                              </a:rPr>
-                              <m:t>𝛿</m:t>
-                            </m:r>
-                          </m:e>
-                          <m:sub>
-                            <m:r>
-                              <a:rPr lang="en-US" b="0" i="1" smtClean="0">
-                                <a:latin typeface="Cambria Math" panose="02040503050406030204" pitchFamily="18" charset="0"/>
-                              </a:rPr>
-                              <m:t>𝑚𝑎𝑥</m:t>
-                            </m:r>
-                          </m:sub>
-                          <m:sup>
-                            <m:r>
-                              <a:rPr lang="en-US" b="0" i="1" smtClean="0">
-                                <a:latin typeface="Cambria Math" panose="02040503050406030204" pitchFamily="18" charset="0"/>
-                              </a:rPr>
-                              <m:t>2</m:t>
-                            </m:r>
-                          </m:sup>
-                        </m:sSubSup>
-                        <m:r>
-                          <a:rPr lang="en-US" b="0" i="1" smtClean="0">
-                            <a:latin typeface="Cambria Math" panose="02040503050406030204" pitchFamily="18" charset="0"/>
-                          </a:rPr>
-                          <m:t>+</m:t>
-                        </m:r>
-                        <m:func>
-                          <m:funcPr>
-                            <m:ctrlPr>
-                              <a:rPr lang="en-US" b="0" i="1" smtClean="0">
-                                <a:latin typeface="Cambria Math" panose="02040503050406030204" pitchFamily="18" charset="0"/>
-                              </a:rPr>
-                            </m:ctrlPr>
-                          </m:funcPr>
-                          <m:fName>
-                            <m:r>
-                              <m:rPr>
-                                <m:sty m:val="p"/>
-                              </m:rPr>
-                              <a:rPr lang="en-US" b="0" i="0" smtClean="0">
-                                <a:latin typeface="Cambria Math" panose="02040503050406030204" pitchFamily="18" charset="0"/>
-                              </a:rPr>
-                              <m:t>log</m:t>
-                            </m:r>
-                          </m:fName>
-                          <m:e>
-                            <m:d>
-                              <m:dPr>
-                                <m:ctrlPr>
-                                  <a:rPr lang="en-US" b="0" i="1" smtClean="0">
-                                    <a:latin typeface="Cambria Math" panose="02040503050406030204" pitchFamily="18" charset="0"/>
-                                  </a:rPr>
-                                </m:ctrlPr>
-                              </m:dPr>
-                              <m:e>
-                                <m:r>
-                                  <a:rPr lang="en-US" b="0" i="1" smtClean="0">
-                                    <a:latin typeface="Cambria Math" panose="02040503050406030204" pitchFamily="18" charset="0"/>
-                                  </a:rPr>
-                                  <m:t>𝑛</m:t>
-                                </m:r>
-                              </m:e>
-                            </m:d>
-                          </m:e>
-                        </m:func>
-                      </m:e>
-                    </m:d>
-                    <m:r>
-                      <a:rPr lang="en-US" b="0" i="1" smtClean="0">
-                        <a:latin typeface="Cambria Math" panose="02040503050406030204" pitchFamily="18" charset="0"/>
-                      </a:rPr>
-                      <m:t> </m:t>
-                    </m:r>
-                    <m:r>
-                      <a:rPr lang="en-US" b="0" i="1" smtClean="0">
-                        <a:latin typeface="Cambria Math" panose="02040503050406030204" pitchFamily="18" charset="0"/>
-                      </a:rPr>
-                      <m:t>𝑝𝑒𝑟</m:t>
-                    </m:r>
-                    <m:r>
-                      <a:rPr lang="en-US" b="0" i="1" smtClean="0">
-                        <a:latin typeface="Cambria Math" panose="02040503050406030204" pitchFamily="18" charset="0"/>
-                      </a:rPr>
-                      <m:t> </m:t>
-                    </m:r>
-                    <m:r>
-                      <a:rPr lang="en-US" b="0" i="1" smtClean="0">
-                        <a:latin typeface="Cambria Math" panose="02040503050406030204" pitchFamily="18" charset="0"/>
-                      </a:rPr>
-                      <m:t>𝑢𝑝𝑑𝑎𝑡𝑒</m:t>
-                    </m:r>
-                  </m:oMath>
-                </a14:m>
-                <a:endParaRPr lang="en-US" b="0" dirty="0"/>
-              </a:p>
-              <a:p>
-                <a14:m>
-                  <m:oMath xmlns:m="http://schemas.openxmlformats.org/officeDocument/2006/math">
-                    <m:r>
-                      <a:rPr lang="en-US" b="0" i="1" smtClean="0">
-                        <a:latin typeface="Cambria Math" panose="02040503050406030204" pitchFamily="18" charset="0"/>
-                      </a:rPr>
-                      <m:t>𝑂</m:t>
-                    </m:r>
-                    <m:d>
-                      <m:dPr>
-                        <m:ctrlPr>
-                          <a:rPr lang="en-US" b="0" i="1" smtClean="0">
-                            <a:latin typeface="Cambria Math" panose="02040503050406030204" pitchFamily="18" charset="0"/>
-                          </a:rPr>
-                        </m:ctrlPr>
-                      </m:dPr>
-                      <m:e>
-                        <m:d>
-                          <m:dPr>
-                            <m:ctrlPr>
-                              <a:rPr lang="en-US" b="0" i="1" smtClean="0">
-                                <a:latin typeface="Cambria Math" panose="02040503050406030204" pitchFamily="18" charset="0"/>
-                              </a:rPr>
-                            </m:ctrlPr>
-                          </m:dPr>
-                          <m:e>
-                            <m:sSub>
-                              <m:sSubPr>
-                                <m:ctrlPr>
-                                  <a:rPr lang="en-US" b="0" i="1" smtClean="0">
-                                    <a:latin typeface="Cambria Math" panose="02040503050406030204" pitchFamily="18" charset="0"/>
-                                  </a:rPr>
-                                </m:ctrlPr>
-                              </m:sSubPr>
-                              <m:e>
-                                <m:r>
-                                  <a:rPr lang="en-US" b="0" i="1" smtClean="0">
-                                    <a:latin typeface="Cambria Math" panose="02040503050406030204" pitchFamily="18" charset="0"/>
-                                  </a:rPr>
-                                  <m:t>𝑑</m:t>
-                                </m:r>
-                              </m:e>
-                              <m:sub>
-                                <m:r>
-                                  <a:rPr lang="en-US" b="0" i="1" smtClean="0">
-                                    <a:latin typeface="Cambria Math" panose="02040503050406030204" pitchFamily="18" charset="0"/>
-                                  </a:rPr>
-                                  <m:t>𝑚𝑎𝑥</m:t>
-                                </m:r>
-                              </m:sub>
-                            </m:sSub>
-                            <m:r>
-                              <a:rPr lang="en-US" b="0" i="1" smtClean="0">
-                                <a:latin typeface="Cambria Math" panose="02040503050406030204" pitchFamily="18" charset="0"/>
-                              </a:rPr>
-                              <m:t>+</m:t>
-                            </m:r>
-                            <m:sSub>
-                              <m:sSubPr>
-                                <m:ctrlPr>
-                                  <a:rPr lang="en-US" b="0" i="1" smtClean="0">
-                                    <a:latin typeface="Cambria Math" panose="02040503050406030204" pitchFamily="18" charset="0"/>
-                                  </a:rPr>
-                                </m:ctrlPr>
-                              </m:sSubPr>
-                              <m:e>
-                                <m:r>
-                                  <a:rPr lang="en-US" b="0" i="1" smtClean="0">
-                                    <a:latin typeface="Cambria Math" panose="02040503050406030204" pitchFamily="18" charset="0"/>
-                                  </a:rPr>
-                                  <m:t>𝑑</m:t>
-                                </m:r>
-                              </m:e>
-                              <m:sub>
-                                <m:r>
-                                  <a:rPr lang="en-US" b="0" i="1" smtClean="0">
-                                    <a:latin typeface="Cambria Math" panose="02040503050406030204" pitchFamily="18" charset="0"/>
-                                  </a:rPr>
-                                  <m:t>𝑚𝑎𝑥</m:t>
-                                </m:r>
-                              </m:sub>
-                            </m:sSub>
-                          </m:e>
-                        </m:d>
-                        <m:func>
-                          <m:funcPr>
-                            <m:ctrlPr>
-                              <a:rPr lang="en-US" b="0" i="1" smtClean="0">
-                                <a:latin typeface="Cambria Math" panose="02040503050406030204" pitchFamily="18" charset="0"/>
-                              </a:rPr>
-                            </m:ctrlPr>
-                          </m:funcPr>
-                          <m:fName>
-                            <m:r>
-                              <m:rPr>
-                                <m:sty m:val="p"/>
-                              </m:rPr>
-                              <a:rPr lang="en-US" b="0" i="0" smtClean="0">
-                                <a:latin typeface="Cambria Math" panose="02040503050406030204" pitchFamily="18" charset="0"/>
-                              </a:rPr>
-                              <m:t>log</m:t>
-                            </m:r>
-                          </m:fName>
-                          <m:e>
-                            <m:d>
-                              <m:dPr>
-                                <m:ctrlPr>
-                                  <a:rPr lang="en-US" b="0" i="1" smtClean="0">
-                                    <a:latin typeface="Cambria Math" panose="02040503050406030204" pitchFamily="18" charset="0"/>
-                                  </a:rPr>
-                                </m:ctrlPr>
-                              </m:dPr>
-                              <m:e>
-                                <m:r>
-                                  <a:rPr lang="en-US" b="0" i="1" smtClean="0">
-                                    <a:latin typeface="Cambria Math" panose="02040503050406030204" pitchFamily="18" charset="0"/>
-                                  </a:rPr>
-                                  <m:t>𝑛</m:t>
-                                </m:r>
-                              </m:e>
-                            </m:d>
-                          </m:e>
-                        </m:func>
-                      </m:e>
-                    </m:d>
-                    <m:r>
-                      <a:rPr lang="en-US" b="0" i="1" smtClean="0">
-                        <a:latin typeface="Cambria Math" panose="02040503050406030204" pitchFamily="18" charset="0"/>
-                      </a:rPr>
-                      <m:t> </m:t>
-                    </m:r>
-                    <m:r>
-                      <a:rPr lang="en-US" b="0" i="1" smtClean="0">
-                        <a:latin typeface="Cambria Math" panose="02040503050406030204" pitchFamily="18" charset="0"/>
-                      </a:rPr>
-                      <m:t>𝑝𝑒𝑟</m:t>
-                    </m:r>
-                    <m:r>
-                      <a:rPr lang="en-US" b="0" i="1" smtClean="0">
-                        <a:latin typeface="Cambria Math" panose="02040503050406030204" pitchFamily="18" charset="0"/>
-                      </a:rPr>
-                      <m:t> </m:t>
-                    </m:r>
-                    <m:r>
-                      <a:rPr lang="en-US" b="0" i="1" smtClean="0">
-                        <a:latin typeface="Cambria Math" panose="02040503050406030204" pitchFamily="18" charset="0"/>
-                      </a:rPr>
-                      <m:t>𝑢𝑝𝑑𝑎𝑡𝑒</m:t>
-                    </m:r>
-                  </m:oMath>
-                </a14:m>
-                <a:endParaRPr lang="en-US" dirty="0"/>
-              </a:p>
-              <a:p>
-                <a:r>
-                  <a:rPr lang="en-US" dirty="0" err="1"/>
-                  <a:t>Adventage</a:t>
-                </a:r>
-                <a:r>
-                  <a:rPr lang="en-US" dirty="0"/>
-                  <a:t> – Persistent, fully functional</a:t>
-                </a:r>
-              </a:p>
-              <a:p>
-                <a:r>
-                  <a:rPr lang="en-US" dirty="0" err="1"/>
-                  <a:t>Adventage</a:t>
-                </a:r>
-                <a:r>
-                  <a:rPr lang="en-US" dirty="0"/>
-                  <a:t> – </a:t>
-                </a:r>
-                <a:r>
-                  <a:rPr lang="en-US" dirty="0" err="1"/>
-                  <a:t>Recompute</a:t>
-                </a:r>
-                <a:r>
-                  <a:rPr lang="en-US" dirty="0"/>
-                  <a:t> # of triangles in O(1) time, and than prepare for next update in</a:t>
-                </a:r>
                 <a14:m>
                   <m:oMath xmlns:m="http://schemas.openxmlformats.org/officeDocument/2006/math">
                     <m:r>
@@ -6001,61 +4862,201 @@
                             </m:r>
                           </m:sub>
                         </m:sSub>
+                      </m:e>
+                    </m:d>
+                    <m:r>
+                      <a:rPr lang="en-US" b="0" i="1" smtClean="0">
+                        <a:latin typeface="Cambria Math" panose="02040503050406030204" pitchFamily="18" charset="0"/>
+                      </a:rPr>
+                      <m:t> </m:t>
+                    </m:r>
+                    <m:r>
+                      <a:rPr lang="en-US" b="0" i="1" smtClean="0">
+                        <a:latin typeface="Cambria Math" panose="02040503050406030204" pitchFamily="18" charset="0"/>
+                      </a:rPr>
+                      <m:t>𝑝𝑒𝑟</m:t>
+                    </m:r>
+                    <m:r>
+                      <a:rPr lang="en-US" b="0" i="1" smtClean="0">
+                        <a:latin typeface="Cambria Math" panose="02040503050406030204" pitchFamily="18" charset="0"/>
+                      </a:rPr>
+                      <m:t> </m:t>
+                    </m:r>
+                    <m:r>
+                      <a:rPr lang="en-US" b="0" i="1" smtClean="0">
+                        <a:latin typeface="Cambria Math" panose="02040503050406030204" pitchFamily="18" charset="0"/>
+                      </a:rPr>
+                      <m:t>𝑢𝑝𝑑𝑎𝑡𝑒</m:t>
+                    </m:r>
+                    <m:r>
+                      <a:rPr lang="en-US" b="0" i="1" smtClean="0">
+                        <a:latin typeface="Cambria Math" panose="02040503050406030204" pitchFamily="18" charset="0"/>
+                      </a:rPr>
+                      <m:t>,  </m:t>
+                    </m:r>
+                    <m:r>
+                      <a:rPr lang="en-US" b="0" i="1" smtClean="0">
+                        <a:latin typeface="Cambria Math" panose="02040503050406030204" pitchFamily="18" charset="0"/>
+                      </a:rPr>
+                      <m:t>𝑎𝑠𝑠𝑢𝑚𝑒𝑠</m:t>
+                    </m:r>
+                    <m:r>
+                      <a:rPr lang="en-US" b="0" i="1" smtClean="0">
+                        <a:latin typeface="Cambria Math" panose="02040503050406030204" pitchFamily="18" charset="0"/>
+                      </a:rPr>
+                      <m:t> </m:t>
+                    </m:r>
+                    <m:r>
+                      <a:rPr lang="en-US" b="0" i="1" smtClean="0">
+                        <a:latin typeface="Cambria Math" panose="02040503050406030204" pitchFamily="18" charset="0"/>
+                      </a:rPr>
+                      <m:t>𝑂</m:t>
+                    </m:r>
+                    <m:d>
+                      <m:dPr>
+                        <m:ctrlPr>
+                          <a:rPr lang="en-US" b="0" i="1" smtClean="0">
+                            <a:latin typeface="Cambria Math" panose="02040503050406030204" pitchFamily="18" charset="0"/>
+                          </a:rPr>
+                        </m:ctrlPr>
+                      </m:dPr>
+                      <m:e>
                         <m:r>
                           <a:rPr lang="en-US" b="0" i="1" smtClean="0">
                             <a:latin typeface="Cambria Math" panose="02040503050406030204" pitchFamily="18" charset="0"/>
                           </a:rPr>
-                          <m:t>+</m:t>
+                          <m:t>1</m:t>
                         </m:r>
-                        <m:sSub>
-                          <m:sSubPr>
-                            <m:ctrlPr>
-                              <a:rPr lang="en-US" b="0" i="1" smtClean="0">
-                                <a:latin typeface="Cambria Math" panose="02040503050406030204" pitchFamily="18" charset="0"/>
-                              </a:rPr>
-                            </m:ctrlPr>
-                          </m:sSubPr>
-                          <m:e>
-                            <m:r>
-                              <a:rPr lang="en-US" b="0" i="1" smtClean="0">
-                                <a:latin typeface="Cambria Math" panose="02040503050406030204" pitchFamily="18" charset="0"/>
-                              </a:rPr>
-                              <m:t>𝛿</m:t>
-                            </m:r>
-                          </m:e>
-                          <m:sub>
-                            <m:r>
-                              <a:rPr lang="en-US" b="0" i="1" smtClean="0">
-                                <a:latin typeface="Cambria Math" panose="02040503050406030204" pitchFamily="18" charset="0"/>
-                              </a:rPr>
-                              <m:t>𝑚𝑎𝑥</m:t>
-                            </m:r>
-                          </m:sub>
-                        </m:sSub>
                       </m:e>
                     </m:d>
+                    <m:r>
+                      <a:rPr lang="en-US" b="0" i="1" smtClean="0">
+                        <a:latin typeface="Cambria Math" panose="02040503050406030204" pitchFamily="18" charset="0"/>
+                      </a:rPr>
+                      <m:t> </m:t>
+                    </m:r>
+                    <m:r>
+                      <a:rPr lang="en-US" b="0" i="1" smtClean="0">
+                        <a:latin typeface="Cambria Math" panose="02040503050406030204" pitchFamily="18" charset="0"/>
+                      </a:rPr>
+                      <m:t>𝑒𝑑𝑔𝑒</m:t>
+                    </m:r>
+                    <m:r>
+                      <a:rPr lang="en-US" b="0" i="1" smtClean="0">
+                        <a:latin typeface="Cambria Math" panose="02040503050406030204" pitchFamily="18" charset="0"/>
+                      </a:rPr>
+                      <m:t> </m:t>
+                    </m:r>
+                    <m:r>
+                      <a:rPr lang="en-US" b="0" i="1" smtClean="0">
+                        <a:latin typeface="Cambria Math" panose="02040503050406030204" pitchFamily="18" charset="0"/>
+                      </a:rPr>
+                      <m:t>𝑒𝑥𝑖𝑠𝑡𝑎𝑛𝑐𝑒</m:t>
+                    </m:r>
+                    <m:r>
+                      <a:rPr lang="en-US" b="0" i="1" smtClean="0">
+                        <a:latin typeface="Cambria Math" panose="02040503050406030204" pitchFamily="18" charset="0"/>
+                      </a:rPr>
+                      <m:t> </m:t>
+                    </m:r>
+                    <m:r>
+                      <a:rPr lang="en-US" b="0" i="1" smtClean="0">
+                        <a:latin typeface="Cambria Math" panose="02040503050406030204" pitchFamily="18" charset="0"/>
+                      </a:rPr>
+                      <m:t>𝑐h𝑒𝑐𝑘𝑖𝑛𝑔</m:t>
+                    </m:r>
                   </m:oMath>
                 </a14:m>
-                <a:r>
-                  <a:rPr lang="he-IL" dirty="0"/>
-                  <a:t> </a:t>
-                </a:r>
-                <a:r>
-                  <a:rPr lang="en-US" dirty="0"/>
-                  <a:t> time</a:t>
-                </a:r>
+                <a:endParaRPr lang="en-US" dirty="0"/>
               </a:p>
               <a:p>
-                <a:r>
-                  <a:rPr lang="en-US" dirty="0" err="1"/>
-                  <a:t>Disadventage</a:t>
-                </a:r>
-                <a:r>
-                  <a:rPr lang="en-US" dirty="0"/>
-                  <a:t> - </a:t>
-                </a:r>
                 <a14:m>
                   <m:oMath xmlns:m="http://schemas.openxmlformats.org/officeDocument/2006/math">
+                    <m:r>
+                      <a:rPr lang="en-US" b="0" i="1" smtClean="0">
+                        <a:latin typeface="Cambria Math" panose="02040503050406030204" pitchFamily="18" charset="0"/>
+                      </a:rPr>
+                      <m:t>𝑂</m:t>
+                    </m:r>
+                    <m:d>
+                      <m:dPr>
+                        <m:ctrlPr>
+                          <a:rPr lang="en-US" b="0" i="1" smtClean="0">
+                            <a:latin typeface="Cambria Math" panose="02040503050406030204" pitchFamily="18" charset="0"/>
+                          </a:rPr>
+                        </m:ctrlPr>
+                      </m:dPr>
+                      <m:e>
+                        <m:r>
+                          <a:rPr lang="en-US" b="0" i="1" smtClean="0">
+                            <a:latin typeface="Cambria Math" panose="02040503050406030204" pitchFamily="18" charset="0"/>
+                          </a:rPr>
+                          <m:t>1</m:t>
+                        </m:r>
+                      </m:e>
+                    </m:d>
+                    <m:r>
+                      <a:rPr lang="en-US" b="0" i="1" smtClean="0">
+                        <a:latin typeface="Cambria Math" panose="02040503050406030204" pitchFamily="18" charset="0"/>
+                      </a:rPr>
+                      <m:t> </m:t>
+                    </m:r>
+                    <m:r>
+                      <a:rPr lang="en-US" b="0" i="1" smtClean="0">
+                        <a:latin typeface="Cambria Math" panose="02040503050406030204" pitchFamily="18" charset="0"/>
+                      </a:rPr>
+                      <m:t>𝑒𝑑𝑔𝑒</m:t>
+                    </m:r>
+                    <m:r>
+                      <a:rPr lang="en-US" b="0" i="1" smtClean="0">
+                        <a:latin typeface="Cambria Math" panose="02040503050406030204" pitchFamily="18" charset="0"/>
+                      </a:rPr>
+                      <m:t> </m:t>
+                    </m:r>
+                    <m:r>
+                      <a:rPr lang="en-US" b="0" i="1" smtClean="0">
+                        <a:latin typeface="Cambria Math" panose="02040503050406030204" pitchFamily="18" charset="0"/>
+                      </a:rPr>
+                      <m:t>𝑒𝑥𝑖𝑠𝑡𝑎𝑛𝑐𝑒</m:t>
+                    </m:r>
+                    <m:r>
+                      <a:rPr lang="en-US" b="0" i="1" smtClean="0">
+                        <a:latin typeface="Cambria Math" panose="02040503050406030204" pitchFamily="18" charset="0"/>
+                      </a:rPr>
+                      <m:t>:</m:t>
+                    </m:r>
+                  </m:oMath>
+                </a14:m>
+                <a:endParaRPr lang="en-US" b="0" dirty="0"/>
+              </a:p>
+              <a:p>
+                <a:pPr lvl="1"/>
+                <a14:m>
+                  <m:oMath xmlns:m="http://schemas.openxmlformats.org/officeDocument/2006/math">
+                    <m:r>
+                      <a:rPr lang="en-US" b="0" i="1" smtClean="0">
+                        <a:latin typeface="Cambria Math" panose="02040503050406030204" pitchFamily="18" charset="0"/>
+                      </a:rPr>
+                      <m:t>𝐴𝑑𝑗𝑎𝑐𝑒𝑛𝑡</m:t>
+                    </m:r>
+                    <m:r>
+                      <a:rPr lang="en-US" b="0" i="1" smtClean="0">
+                        <a:latin typeface="Cambria Math" panose="02040503050406030204" pitchFamily="18" charset="0"/>
+                      </a:rPr>
+                      <m:t> </m:t>
+                    </m:r>
+                    <m:r>
+                      <a:rPr lang="en-US" b="0" i="1" smtClean="0">
+                        <a:latin typeface="Cambria Math" panose="02040503050406030204" pitchFamily="18" charset="0"/>
+                      </a:rPr>
+                      <m:t>𝑀𝑎𝑡𝑟𝑖𝑥</m:t>
+                    </m:r>
+                    <m:r>
+                      <a:rPr lang="en-US" b="0" i="1" smtClean="0">
+                        <a:latin typeface="Cambria Math" panose="02040503050406030204" pitchFamily="18" charset="0"/>
+                      </a:rPr>
+                      <m:t>, </m:t>
+                    </m:r>
                     <m:r>
                       <a:rPr lang="en-US" b="0" i="1" smtClean="0">
                         <a:latin typeface="Cambria Math" panose="02040503050406030204" pitchFamily="18" charset="0"/>
@@ -6110,17 +5111,86 @@
                       </a:rPr>
                       <m:t>𝑠𝑝𝑎𝑐𝑒</m:t>
                     </m:r>
-                    <m:r>
-                      <a:rPr lang="en-US" b="0" i="1" smtClean="0">
-                        <a:latin typeface="Cambria Math" panose="02040503050406030204" pitchFamily="18" charset="0"/>
-                      </a:rPr>
-                      <m:t>. </m:t>
-                    </m:r>
                   </m:oMath>
                 </a14:m>
                 <a:endParaRPr lang="en-US" dirty="0"/>
               </a:p>
               <a:p>
+                <a:pPr lvl="1"/>
+                <a14:m>
+                  <m:oMath xmlns:m="http://schemas.openxmlformats.org/officeDocument/2006/math">
+                    <m:r>
+                      <a:rPr lang="en-US" b="0" i="1" smtClean="0">
+                        <a:latin typeface="Cambria Math" panose="02040503050406030204" pitchFamily="18" charset="0"/>
+                      </a:rPr>
+                      <m:t>𝑃𝑒𝑟𝑓𝑒𝑐𝑡</m:t>
+                    </m:r>
+                    <m:r>
+                      <a:rPr lang="en-US" b="0" i="1" smtClean="0">
+                        <a:latin typeface="Cambria Math" panose="02040503050406030204" pitchFamily="18" charset="0"/>
+                      </a:rPr>
+                      <m:t> </m:t>
+                    </m:r>
+                    <m:r>
+                      <a:rPr lang="en-US" b="0" i="1" smtClean="0">
+                        <a:latin typeface="Cambria Math" panose="02040503050406030204" pitchFamily="18" charset="0"/>
+                      </a:rPr>
+                      <m:t>𝐻𝑎𝑠h𝑖𝑛𝑔</m:t>
+                    </m:r>
+                    <m:r>
+                      <a:rPr lang="en-US" b="0" i="1" smtClean="0">
+                        <a:latin typeface="Cambria Math" panose="02040503050406030204" pitchFamily="18" charset="0"/>
+                      </a:rPr>
+                      <m:t>, </m:t>
+                    </m:r>
+                    <m:r>
+                      <a:rPr lang="en-US" b="0" i="1" smtClean="0">
+                        <a:latin typeface="Cambria Math" panose="02040503050406030204" pitchFamily="18" charset="0"/>
+                      </a:rPr>
+                      <m:t>𝑚𝑎𝑘𝑒𝑠</m:t>
+                    </m:r>
+                    <m:r>
+                      <a:rPr lang="en-US" b="0" i="1" smtClean="0">
+                        <a:latin typeface="Cambria Math" panose="02040503050406030204" pitchFamily="18" charset="0"/>
+                      </a:rPr>
+                      <m:t> </m:t>
+                    </m:r>
+                    <m:r>
+                      <a:rPr lang="en-US" b="0" i="1" smtClean="0">
+                        <a:latin typeface="Cambria Math" panose="02040503050406030204" pitchFamily="18" charset="0"/>
+                      </a:rPr>
+                      <m:t>𝑡h𝑒</m:t>
+                    </m:r>
+                    <m:r>
+                      <a:rPr lang="en-US" b="0" i="1" smtClean="0">
+                        <a:latin typeface="Cambria Math" panose="02040503050406030204" pitchFamily="18" charset="0"/>
+                      </a:rPr>
+                      <m:t> </m:t>
+                    </m:r>
+                    <m:r>
+                      <a:rPr lang="en-US" b="0" i="1" smtClean="0">
+                        <a:latin typeface="Cambria Math" panose="02040503050406030204" pitchFamily="18" charset="0"/>
+                      </a:rPr>
+                      <m:t>𝑐𝑜𝑚𝑝𝑙𝑒𝑥𝑖𝑡𝑦</m:t>
+                    </m:r>
+                    <m:r>
+                      <a:rPr lang="en-US" b="0" i="1" smtClean="0">
+                        <a:latin typeface="Cambria Math" panose="02040503050406030204" pitchFamily="18" charset="0"/>
+                      </a:rPr>
+                      <m:t> </m:t>
+                    </m:r>
+                    <m:r>
+                      <a:rPr lang="en-US" b="0" i="1" smtClean="0">
+                        <a:latin typeface="Cambria Math" panose="02040503050406030204" pitchFamily="18" charset="0"/>
+                      </a:rPr>
+                      <m:t>𝑝𝑟𝑜𝑏𝑎𝑏𝑎𝑙𝑖𝑠𝑡𝑖𝑐</m:t>
+                    </m:r>
+                  </m:oMath>
+                </a14:m>
+                <a:endParaRPr lang="en-US" dirty="0"/>
+              </a:p>
+              <a:p>
+                <a:pPr lvl="1"/>
                 <a:endParaRPr lang="en-US" dirty="0"/>
               </a:p>
             </p:txBody>
@@ -6132,7 +5202,7 @@
               <p:cNvPr id="3" name="Content Placeholder 2">
                 <a:extLst>
                   <a:ext uri="{FF2B5EF4-FFF2-40B4-BE49-F238E27FC236}">
-                    <a16:creationId xmlns:a16="http://schemas.microsoft.com/office/drawing/2014/main" id="{5C499BBD-B1F7-4881-8795-D4B89AD40FAF}"/>
+                    <a16:creationId xmlns:a16="http://schemas.microsoft.com/office/drawing/2014/main" id="{F5749065-7581-49E7-9A47-C4D8165EED4B}"/>
                   </a:ext>
                 </a:extLst>
               </p:cNvPr>
@@ -6147,7 +5217,7 @@
               <a:blipFill>
                 <a:blip r:embed="rId2"/>
                 <a:stretch>
-                  <a:fillRect l="-1043" t="-3081" r="-638" b="-1401"/>
+                  <a:fillRect/>
                 </a:stretch>
               </a:blipFill>
             </p:spPr>
@@ -6169,7 +5239,394 @@
     </p:spTree>
     <p:extLst>
       <p:ext uri="{BB962C8B-B14F-4D97-AF65-F5344CB8AC3E}">
-        <p14:creationId xmlns:p14="http://schemas.microsoft.com/office/powerpoint/2010/main" val="3315448653"/>
+        <p14:creationId xmlns:p14="http://schemas.microsoft.com/office/powerpoint/2010/main" val="3435416550"/>
+      </p:ext>
+    </p:extLst>
+  </p:cSld>
+  <p:clrMapOvr>
+    <a:masterClrMapping/>
+  </p:clrMapOvr>
+</p:sld>
+</file>
+
+<file path=ppt/slides/slide5.xml><?xml version="1.0" encoding="utf-8"?>
+<p:sld xmlns:a="http://schemas.openxmlformats.org/drawingml/2006/main" xmlns:r="http://schemas.openxmlformats.org/officeDocument/2006/relationships" xmlns:p="http://schemas.openxmlformats.org/presentationml/2006/main">
+  <p:cSld>
+    <p:spTree>
+      <p:nvGrpSpPr>
+        <p:cNvPr id="1" name=""/>
+        <p:cNvGrpSpPr/>
+        <p:nvPr/>
+      </p:nvGrpSpPr>
+      <p:grpSpPr>
+        <a:xfrm>
+          <a:off x="0" y="0"/>
+          <a:ext cx="0" cy="0"/>
+          <a:chOff x="0" y="0"/>
+          <a:chExt cx="0" cy="0"/>
+        </a:xfrm>
+      </p:grpSpPr>
+      <p:sp>
+        <p:nvSpPr>
+          <p:cNvPr id="2" name="Title 1">
+            <a:extLst>
+              <a:ext uri="{FF2B5EF4-FFF2-40B4-BE49-F238E27FC236}">
+                <a16:creationId xmlns:a16="http://schemas.microsoft.com/office/drawing/2014/main" id="{D82751CC-0F98-46E6-9843-C818F5E446A4}"/>
+              </a:ext>
+            </a:extLst>
+          </p:cNvPr>
+          <p:cNvSpPr>
+            <a:spLocks noGrp="1"/>
+          </p:cNvSpPr>
+          <p:nvPr>
+            <p:ph type="title"/>
+          </p:nvPr>
+        </p:nvSpPr>
+        <p:spPr/>
+        <p:txBody>
+          <a:bodyPr/>
+          <a:lstStyle/>
+          <a:p>
+            <a:r>
+              <a:rPr lang="en-US" dirty="0"/>
+              <a:t>Triangle Counting – Dynamic + </a:t>
+            </a:r>
+            <a:r>
+              <a:rPr lang="en-US" dirty="0" err="1"/>
+              <a:t>Centrelized</a:t>
+            </a:r>
+            <a:r>
+              <a:rPr lang="en-US" dirty="0"/>
+              <a:t> + </a:t>
+            </a:r>
+            <a:r>
+              <a:rPr lang="en-US" b="1" dirty="0"/>
+              <a:t>Persistent</a:t>
+            </a:r>
+          </a:p>
+        </p:txBody>
+      </p:sp>
+      <mc:AlternateContent xmlns:mc="http://schemas.openxmlformats.org/markup-compatibility/2006">
+        <mc:Choice xmlns:a14="http://schemas.microsoft.com/office/drawing/2010/main" Requires="a14">
+          <p:sp>
+            <p:nvSpPr>
+              <p:cNvPr id="3" name="Content Placeholder 2">
+                <a:extLst>
+                  <a:ext uri="{FF2B5EF4-FFF2-40B4-BE49-F238E27FC236}">
+                    <a16:creationId xmlns:a16="http://schemas.microsoft.com/office/drawing/2014/main" id="{2A5C7BF6-E60F-42B5-94D4-91874B90B7E4}"/>
+                  </a:ext>
+                </a:extLst>
+              </p:cNvPr>
+              <p:cNvSpPr>
+                <a:spLocks noGrp="1"/>
+              </p:cNvSpPr>
+              <p:nvPr>
+                <p:ph idx="1"/>
+              </p:nvPr>
+            </p:nvSpPr>
+            <p:spPr/>
+            <p:txBody>
+              <a:bodyPr/>
+              <a:lstStyle/>
+              <a:p>
+                <a14:m>
+                  <m:oMath xmlns:m="http://schemas.openxmlformats.org/officeDocument/2006/math">
+                    <m:r>
+                      <a:rPr lang="en-US" b="0" i="1" smtClean="0">
+                        <a:latin typeface="Cambria Math" panose="02040503050406030204" pitchFamily="18" charset="0"/>
+                      </a:rPr>
+                      <m:t>𝑂</m:t>
+                    </m:r>
+                    <m:d>
+                      <m:dPr>
+                        <m:ctrlPr>
+                          <a:rPr lang="en-US" b="0" i="1" smtClean="0">
+                            <a:latin typeface="Cambria Math" panose="02040503050406030204" pitchFamily="18" charset="0"/>
+                          </a:rPr>
+                        </m:ctrlPr>
+                      </m:dPr>
+                      <m:e>
+                        <m:sSub>
+                          <m:sSubPr>
+                            <m:ctrlPr>
+                              <a:rPr lang="en-US" b="0" i="0" smtClean="0">
+                                <a:latin typeface="Cambria Math" panose="02040503050406030204" pitchFamily="18" charset="0"/>
+                              </a:rPr>
+                            </m:ctrlPr>
+                          </m:sSubPr>
+                          <m:e>
+                            <m:r>
+                              <m:rPr>
+                                <m:sty m:val="p"/>
+                              </m:rPr>
+                              <a:rPr lang="en-US" b="0" i="0" smtClean="0">
+                                <a:latin typeface="Cambria Math" panose="02040503050406030204" pitchFamily="18" charset="0"/>
+                              </a:rPr>
+                              <m:t>d</m:t>
+                            </m:r>
+                          </m:e>
+                          <m:sub>
+                            <m:r>
+                              <m:rPr>
+                                <m:sty m:val="p"/>
+                              </m:rPr>
+                              <a:rPr lang="en-US" b="0" i="0" smtClean="0">
+                                <a:latin typeface="Cambria Math" panose="02040503050406030204" pitchFamily="18" charset="0"/>
+                              </a:rPr>
+                              <m:t>max</m:t>
+                            </m:r>
+                          </m:sub>
+                        </m:sSub>
+                        <m:r>
+                          <a:rPr lang="en-US" b="0" i="1" smtClean="0">
+                            <a:latin typeface="Cambria Math" panose="02040503050406030204" pitchFamily="18" charset="0"/>
+                          </a:rPr>
+                          <m:t>∙</m:t>
+                        </m:r>
+                        <m:r>
+                          <m:rPr>
+                            <m:sty m:val="p"/>
+                          </m:rPr>
+                          <a:rPr lang="en-US" b="0" i="0" smtClean="0">
+                            <a:latin typeface="Cambria Math" panose="02040503050406030204" pitchFamily="18" charset="0"/>
+                          </a:rPr>
+                          <m:t>log</m:t>
+                        </m:r>
+                        <m:r>
+                          <a:rPr lang="en-US" b="0" i="1" smtClean="0">
+                            <a:latin typeface="Cambria Math" panose="02040503050406030204" pitchFamily="18" charset="0"/>
+                          </a:rPr>
+                          <m:t>⁡(</m:t>
+                        </m:r>
+                        <m:r>
+                          <a:rPr lang="en-US" b="0" i="1" smtClean="0">
+                            <a:latin typeface="Cambria Math" panose="02040503050406030204" pitchFamily="18" charset="0"/>
+                          </a:rPr>
+                          <m:t>𝑛</m:t>
+                        </m:r>
+                        <m:r>
+                          <a:rPr lang="en-US" b="0" i="1" smtClean="0">
+                            <a:latin typeface="Cambria Math" panose="02040503050406030204" pitchFamily="18" charset="0"/>
+                          </a:rPr>
+                          <m:t>)</m:t>
+                        </m:r>
+                      </m:e>
+                    </m:d>
+                    <m:r>
+                      <a:rPr lang="en-US" b="0" i="1" smtClean="0">
+                        <a:latin typeface="Cambria Math" panose="02040503050406030204" pitchFamily="18" charset="0"/>
+                      </a:rPr>
+                      <m:t> </m:t>
+                    </m:r>
+                    <m:r>
+                      <a:rPr lang="en-US" b="0" i="1" smtClean="0">
+                        <a:latin typeface="Cambria Math" panose="02040503050406030204" pitchFamily="18" charset="0"/>
+                      </a:rPr>
+                      <m:t>𝑝𝑒𝑟</m:t>
+                    </m:r>
+                    <m:r>
+                      <a:rPr lang="en-US" b="0" i="1" smtClean="0">
+                        <a:latin typeface="Cambria Math" panose="02040503050406030204" pitchFamily="18" charset="0"/>
+                      </a:rPr>
+                      <m:t> </m:t>
+                    </m:r>
+                    <m:r>
+                      <a:rPr lang="en-US" b="0" i="1" smtClean="0">
+                        <a:latin typeface="Cambria Math" panose="02040503050406030204" pitchFamily="18" charset="0"/>
+                      </a:rPr>
+                      <m:t>𝑢𝑝𝑑𝑎𝑡𝑒</m:t>
+                    </m:r>
+                  </m:oMath>
+                </a14:m>
+                <a:endParaRPr lang="en-US" dirty="0"/>
+              </a:p>
+              <a:p>
+                <a14:m>
+                  <m:oMath xmlns:m="http://schemas.openxmlformats.org/officeDocument/2006/math">
+                    <m:r>
+                      <a:rPr lang="en-US" b="0" i="1" smtClean="0">
+                        <a:latin typeface="Cambria Math" panose="02040503050406030204" pitchFamily="18" charset="0"/>
+                      </a:rPr>
+                      <m:t>𝐼𝑛𝑓𝑖𝑛𝑖𝑡𝑒</m:t>
+                    </m:r>
+                    <m:r>
+                      <a:rPr lang="en-US" b="0" i="1" smtClean="0">
+                        <a:latin typeface="Cambria Math" panose="02040503050406030204" pitchFamily="18" charset="0"/>
+                      </a:rPr>
+                      <m:t> </m:t>
+                    </m:r>
+                    <m:r>
+                      <a:rPr lang="en-US" b="0" i="1" smtClean="0">
+                        <a:latin typeface="Cambria Math" panose="02040503050406030204" pitchFamily="18" charset="0"/>
+                      </a:rPr>
+                      <m:t>𝑛𝑢𝑚𝑏𝑒𝑟</m:t>
+                    </m:r>
+                    <m:r>
+                      <a:rPr lang="en-US" b="0" i="1" smtClean="0">
+                        <a:latin typeface="Cambria Math" panose="02040503050406030204" pitchFamily="18" charset="0"/>
+                      </a:rPr>
+                      <m:t> </m:t>
+                    </m:r>
+                    <m:r>
+                      <a:rPr lang="en-US" b="0" i="1" smtClean="0">
+                        <a:latin typeface="Cambria Math" panose="02040503050406030204" pitchFamily="18" charset="0"/>
+                      </a:rPr>
+                      <m:t>𝑜𝑓</m:t>
+                    </m:r>
+                    <m:r>
+                      <a:rPr lang="en-US" b="0" i="1" smtClean="0">
+                        <a:latin typeface="Cambria Math" panose="02040503050406030204" pitchFamily="18" charset="0"/>
+                      </a:rPr>
+                      <m:t> </m:t>
+                    </m:r>
+                    <m:r>
+                      <a:rPr lang="en-US" b="0" i="1" smtClean="0">
+                        <a:latin typeface="Cambria Math" panose="02040503050406030204" pitchFamily="18" charset="0"/>
+                      </a:rPr>
+                      <m:t>𝑣𝑒𝑟𝑡𝑖𝑐𝑒𝑠</m:t>
+                    </m:r>
+                    <m:r>
+                      <a:rPr lang="en-US" b="0" i="1" smtClean="0">
+                        <a:latin typeface="Cambria Math" panose="02040503050406030204" pitchFamily="18" charset="0"/>
+                      </a:rPr>
+                      <m:t> −</m:t>
+                    </m:r>
+                    <m:r>
+                      <a:rPr lang="en-US" b="0" i="1" smtClean="0">
+                        <a:latin typeface="Cambria Math" panose="02040503050406030204" pitchFamily="18" charset="0"/>
+                      </a:rPr>
+                      <m:t>𝐴𝑢𝑡𝑜𝑚𝑎𝑡𝑖𝑐</m:t>
+                    </m:r>
+                    <m:r>
+                      <a:rPr lang="en-US" b="0" i="1" smtClean="0">
+                        <a:latin typeface="Cambria Math" panose="02040503050406030204" pitchFamily="18" charset="0"/>
+                      </a:rPr>
+                      <m:t> </m:t>
+                    </m:r>
+                    <m:r>
+                      <a:rPr lang="en-US" b="0" i="1" smtClean="0">
+                        <a:latin typeface="Cambria Math" panose="02040503050406030204" pitchFamily="18" charset="0"/>
+                      </a:rPr>
+                      <m:t>𝑣𝑒𝑟𝑡𝑖𝑐𝑒𝑠</m:t>
+                    </m:r>
+                    <m:r>
+                      <a:rPr lang="en-US" b="0" i="1" smtClean="0">
+                        <a:latin typeface="Cambria Math" panose="02040503050406030204" pitchFamily="18" charset="0"/>
+                      </a:rPr>
+                      <m:t> </m:t>
+                    </m:r>
+                    <m:r>
+                      <a:rPr lang="en-US" b="0" i="1" smtClean="0">
+                        <a:latin typeface="Cambria Math" panose="02040503050406030204" pitchFamily="18" charset="0"/>
+                      </a:rPr>
+                      <m:t>𝑎𝑑𝑑𝑖𝑡𝑖𝑜𝑛</m:t>
+                    </m:r>
+                  </m:oMath>
+                </a14:m>
+                <a:endParaRPr lang="en-US" b="0" dirty="0"/>
+              </a:p>
+              <a:p>
+                <a14:m>
+                  <m:oMath xmlns:m="http://schemas.openxmlformats.org/officeDocument/2006/math">
+                    <m:r>
+                      <a:rPr lang="en-US" b="0" i="1" smtClean="0">
+                        <a:latin typeface="Cambria Math" panose="02040503050406030204" pitchFamily="18" charset="0"/>
+                      </a:rPr>
+                      <m:t>𝐹𝑢𝑙𝑙𝑦</m:t>
+                    </m:r>
+                    <m:r>
+                      <a:rPr lang="en-US" b="0" i="1" smtClean="0">
+                        <a:latin typeface="Cambria Math" panose="02040503050406030204" pitchFamily="18" charset="0"/>
+                      </a:rPr>
+                      <m:t> </m:t>
+                    </m:r>
+                    <m:r>
+                      <a:rPr lang="en-US" b="0" i="1" smtClean="0">
+                        <a:latin typeface="Cambria Math" panose="02040503050406030204" pitchFamily="18" charset="0"/>
+                      </a:rPr>
+                      <m:t>𝑓𝑢𝑛𝑐𝑡𝑖𝑜𝑛𝑎𝑙</m:t>
+                    </m:r>
+                    <m:r>
+                      <a:rPr lang="en-US" b="0" i="1" smtClean="0">
+                        <a:latin typeface="Cambria Math" panose="02040503050406030204" pitchFamily="18" charset="0"/>
+                      </a:rPr>
+                      <m:t> −</m:t>
+                    </m:r>
+                    <m:r>
+                      <a:rPr lang="en-US" b="0" i="1" smtClean="0">
+                        <a:latin typeface="Cambria Math" panose="02040503050406030204" pitchFamily="18" charset="0"/>
+                      </a:rPr>
+                      <m:t>𝑠𝑢𝑝𝑝𝑜𝑟𝑡𝑠</m:t>
+                    </m:r>
+                    <m:r>
+                      <a:rPr lang="en-US" b="0" i="1" smtClean="0">
+                        <a:latin typeface="Cambria Math" panose="02040503050406030204" pitchFamily="18" charset="0"/>
+                      </a:rPr>
+                      <m:t> </m:t>
+                    </m:r>
+                    <m:r>
+                      <a:rPr lang="en-US" b="0" i="1" smtClean="0">
+                        <a:latin typeface="Cambria Math" panose="02040503050406030204" pitchFamily="18" charset="0"/>
+                      </a:rPr>
+                      <m:t>𝑝𝑒𝑟𝑠𝑖𝑠𝑡𝑒𝑛𝑐𝑦</m:t>
+                    </m:r>
+                    <m:r>
+                      <a:rPr lang="en-US" b="0" i="1" smtClean="0">
+                        <a:latin typeface="Cambria Math" panose="02040503050406030204" pitchFamily="18" charset="0"/>
+                      </a:rPr>
+                      <m:t>(!)</m:t>
+                    </m:r>
+                  </m:oMath>
+                </a14:m>
+                <a:endParaRPr lang="en-US" dirty="0"/>
+              </a:p>
+            </p:txBody>
+          </p:sp>
+        </mc:Choice>
+        <mc:Fallback>
+          <p:sp>
+            <p:nvSpPr>
+              <p:cNvPr id="3" name="Content Placeholder 2">
+                <a:extLst>
+                  <a:ext uri="{FF2B5EF4-FFF2-40B4-BE49-F238E27FC236}">
+                    <a16:creationId xmlns:a16="http://schemas.microsoft.com/office/drawing/2014/main" id="{2A5C7BF6-E60F-42B5-94D4-91874B90B7E4}"/>
+                  </a:ext>
+                </a:extLst>
+              </p:cNvPr>
+              <p:cNvSpPr>
+                <a:spLocks noGrp="1" noRot="1" noChangeAspect="1" noMove="1" noResize="1" noEditPoints="1" noAdjustHandles="1" noChangeArrowheads="1" noChangeShapeType="1" noTextEdit="1"/>
+              </p:cNvSpPr>
+              <p:nvPr>
+                <p:ph idx="1"/>
+              </p:nvPr>
+            </p:nvSpPr>
+            <p:spPr>
+              <a:blipFill>
+                <a:blip r:embed="rId2"/>
+                <a:stretch>
+                  <a:fillRect/>
+                </a:stretch>
+              </a:blipFill>
+            </p:spPr>
+            <p:txBody>
+              <a:bodyPr/>
+              <a:lstStyle/>
+              <a:p>
+                <a:r>
+                  <a:rPr lang="en-US">
+                    <a:noFill/>
+                  </a:rPr>
+                  <a:t> </a:t>
+                </a:r>
+              </a:p>
+            </p:txBody>
+          </p:sp>
+        </mc:Fallback>
+      </mc:AlternateContent>
+    </p:spTree>
+    <p:extLst>
+      <p:ext uri="{BB962C8B-B14F-4D97-AF65-F5344CB8AC3E}">
+        <p14:creationId xmlns:p14="http://schemas.microsoft.com/office/powerpoint/2010/main" val="1380273556"/>
       </p:ext>
     </p:extLst>
   </p:cSld>

--- a/Triangle Counting Results.pptx
+++ b/Triangle Counting Results.pptx
@@ -14187,7 +14187,7 @@
           <a:p>
             <a:fld id="{5D3F1561-EB4D-40E9-BD7E-156F9148B745}" type="datetimeFigureOut">
               <a:rPr lang="en-US" smtClean="0"/>
-              <a:t>11/14/2017</a:t>
+              <a:t>11/17/2017</a:t>
             </a:fld>
             <a:endParaRPr lang="en-US"/>
           </a:p>
@@ -14385,7 +14385,7 @@
           <a:p>
             <a:fld id="{5D3F1561-EB4D-40E9-BD7E-156F9148B745}" type="datetimeFigureOut">
               <a:rPr lang="en-US" smtClean="0"/>
-              <a:t>11/14/2017</a:t>
+              <a:t>11/17/2017</a:t>
             </a:fld>
             <a:endParaRPr lang="en-US"/>
           </a:p>
@@ -14593,7 +14593,7 @@
           <a:p>
             <a:fld id="{5D3F1561-EB4D-40E9-BD7E-156F9148B745}" type="datetimeFigureOut">
               <a:rPr lang="en-US" smtClean="0"/>
-              <a:t>11/14/2017</a:t>
+              <a:t>11/17/2017</a:t>
             </a:fld>
             <a:endParaRPr lang="en-US"/>
           </a:p>
@@ -14791,7 +14791,7 @@
           <a:p>
             <a:fld id="{5D3F1561-EB4D-40E9-BD7E-156F9148B745}" type="datetimeFigureOut">
               <a:rPr lang="en-US" smtClean="0"/>
-              <a:t>11/14/2017</a:t>
+              <a:t>11/17/2017</a:t>
             </a:fld>
             <a:endParaRPr lang="en-US"/>
           </a:p>
@@ -15066,7 +15066,7 @@
           <a:p>
             <a:fld id="{5D3F1561-EB4D-40E9-BD7E-156F9148B745}" type="datetimeFigureOut">
               <a:rPr lang="en-US" smtClean="0"/>
-              <a:t>11/14/2017</a:t>
+              <a:t>11/17/2017</a:t>
             </a:fld>
             <a:endParaRPr lang="en-US"/>
           </a:p>
@@ -15331,7 +15331,7 @@
           <a:p>
             <a:fld id="{5D3F1561-EB4D-40E9-BD7E-156F9148B745}" type="datetimeFigureOut">
               <a:rPr lang="en-US" smtClean="0"/>
-              <a:t>11/14/2017</a:t>
+              <a:t>11/17/2017</a:t>
             </a:fld>
             <a:endParaRPr lang="en-US"/>
           </a:p>
@@ -15743,7 +15743,7 @@
           <a:p>
             <a:fld id="{5D3F1561-EB4D-40E9-BD7E-156F9148B745}" type="datetimeFigureOut">
               <a:rPr lang="en-US" smtClean="0"/>
-              <a:t>11/14/2017</a:t>
+              <a:t>11/17/2017</a:t>
             </a:fld>
             <a:endParaRPr lang="en-US"/>
           </a:p>
@@ -15884,7 +15884,7 @@
           <a:p>
             <a:fld id="{5D3F1561-EB4D-40E9-BD7E-156F9148B745}" type="datetimeFigureOut">
               <a:rPr lang="en-US" smtClean="0"/>
-              <a:t>11/14/2017</a:t>
+              <a:t>11/17/2017</a:t>
             </a:fld>
             <a:endParaRPr lang="en-US"/>
           </a:p>
@@ -15997,7 +15997,7 @@
           <a:p>
             <a:fld id="{5D3F1561-EB4D-40E9-BD7E-156F9148B745}" type="datetimeFigureOut">
               <a:rPr lang="en-US" smtClean="0"/>
-              <a:t>11/14/2017</a:t>
+              <a:t>11/17/2017</a:t>
             </a:fld>
             <a:endParaRPr lang="en-US"/>
           </a:p>
@@ -16308,7 +16308,7 @@
           <a:p>
             <a:fld id="{5D3F1561-EB4D-40E9-BD7E-156F9148B745}" type="datetimeFigureOut">
               <a:rPr lang="en-US" smtClean="0"/>
-              <a:t>11/14/2017</a:t>
+              <a:t>11/17/2017</a:t>
             </a:fld>
             <a:endParaRPr lang="en-US"/>
           </a:p>
@@ -16596,7 +16596,7 @@
           <a:p>
             <a:fld id="{5D3F1561-EB4D-40E9-BD7E-156F9148B745}" type="datetimeFigureOut">
               <a:rPr lang="en-US" smtClean="0"/>
-              <a:t>11/14/2017</a:t>
+              <a:t>11/17/2017</a:t>
             </a:fld>
             <a:endParaRPr lang="en-US"/>
           </a:p>
@@ -16860,7 +16860,7 @@
           <a:p>
             <a:fld id="{5D3F1561-EB4D-40E9-BD7E-156F9148B745}" type="datetimeFigureOut">
               <a:rPr lang="en-US" smtClean="0"/>
-              <a:t>11/14/2017</a:t>
+              <a:t>11/17/2017</a:t>
             </a:fld>
             <a:endParaRPr lang="en-US"/>
           </a:p>
@@ -29489,14 +29489,14 @@
               <p:nvPr>
                 <p:extLst>
                   <p:ext uri="{D42A27DB-BD31-4B8C-83A1-F6EECF244321}">
-                    <p14:modId xmlns:p14="http://schemas.microsoft.com/office/powerpoint/2010/main" val="1147520456"/>
+                    <p14:modId xmlns:p14="http://schemas.microsoft.com/office/powerpoint/2010/main" val="2748628992"/>
                   </p:ext>
                 </p:extLst>
               </p:nvPr>
             </p:nvGraphicFramePr>
             <p:xfrm>
-              <a:off x="521854" y="1690688"/>
-              <a:ext cx="11148291" cy="4802190"/>
+              <a:off x="521854" y="1601911"/>
+              <a:ext cx="11148291" cy="4730066"/>
             </p:xfrm>
             <a:graphic>
               <a:graphicData uri="http://schemas.openxmlformats.org/drawingml/2006/table">
@@ -30894,7 +30894,687 @@
                       </a:ext>
                     </a:extLst>
                   </a:tr>
-                  <a:tr h="800365">
+                  <a:tr h="764303">
+                    <a:tc>
+                      <a:txBody>
+                        <a:bodyPr/>
+                        <a:lstStyle/>
+                        <a:p>
+                          <a:pPr algn="ctr"/>
+                          <a14:m>
+                            <m:oMathPara xmlns:m="http://schemas.openxmlformats.org/officeDocument/2006/math">
+                              <m:oMathParaPr>
+                                <m:jc m:val="centerGroup"/>
+                              </m:oMathParaPr>
+                              <m:oMath xmlns:m="http://schemas.openxmlformats.org/officeDocument/2006/math">
+                                <m:sSup>
+                                  <m:sSupPr>
+                                    <m:ctrlPr>
+                                      <a:rPr lang="en-US" sz="2000" b="0" i="1" smtClean="0">
+                                        <a:latin typeface="Cambria Math" panose="02040503050406030204" pitchFamily="18" charset="0"/>
+                                      </a:rPr>
+                                    </m:ctrlPr>
+                                  </m:sSupPr>
+                                  <m:e>
+                                    <m:r>
+                                      <a:rPr lang="en-US" sz="2000" b="0" i="1" smtClean="0">
+                                        <a:latin typeface="Cambria Math" panose="02040503050406030204" pitchFamily="18" charset="0"/>
+                                      </a:rPr>
+                                      <m:t>10</m:t>
+                                    </m:r>
+                                  </m:e>
+                                  <m:sup>
+                                    <m:r>
+                                      <a:rPr lang="en-US" sz="2000" b="0" i="1" smtClean="0">
+                                        <a:latin typeface="Cambria Math" panose="02040503050406030204" pitchFamily="18" charset="0"/>
+                                      </a:rPr>
+                                      <m:t>5</m:t>
+                                    </m:r>
+                                  </m:sup>
+                                </m:sSup>
+                              </m:oMath>
+                            </m:oMathPara>
+                          </a14:m>
+                          <a:endParaRPr lang="en-US" sz="2000" b="0" dirty="0"/>
+                        </a:p>
+                      </a:txBody>
+                      <a:tcPr anchor="ctr">
+                        <a:lnL w="12700" cap="flat" cmpd="sng" algn="ctr">
+                          <a:solidFill>
+                            <a:schemeClr val="accent1">
+                              <a:lumMod val="50000"/>
+                            </a:schemeClr>
+                          </a:solidFill>
+                          <a:prstDash val="solid"/>
+                          <a:round/>
+                          <a:headEnd type="none" w="med" len="med"/>
+                          <a:tailEnd type="none" w="med" len="med"/>
+                        </a:lnL>
+                        <a:lnR w="12700" cap="flat" cmpd="sng" algn="ctr">
+                          <a:solidFill>
+                            <a:schemeClr val="accent1">
+                              <a:lumMod val="50000"/>
+                            </a:schemeClr>
+                          </a:solidFill>
+                          <a:prstDash val="solid"/>
+                          <a:round/>
+                          <a:headEnd type="none" w="med" len="med"/>
+                          <a:tailEnd type="none" w="med" len="med"/>
+                        </a:lnR>
+                        <a:lnT w="12700" cap="flat" cmpd="sng" algn="ctr">
+                          <a:solidFill>
+                            <a:schemeClr val="accent1">
+                              <a:lumMod val="50000"/>
+                            </a:schemeClr>
+                          </a:solidFill>
+                          <a:prstDash val="solid"/>
+                          <a:round/>
+                          <a:headEnd type="none" w="med" len="med"/>
+                          <a:tailEnd type="none" w="med" len="med"/>
+                        </a:lnT>
+                        <a:lnB w="12700" cap="flat" cmpd="sng" algn="ctr">
+                          <a:solidFill>
+                            <a:schemeClr val="accent1">
+                              <a:lumMod val="50000"/>
+                            </a:schemeClr>
+                          </a:solidFill>
+                          <a:prstDash val="solid"/>
+                          <a:round/>
+                          <a:headEnd type="none" w="med" len="med"/>
+                          <a:tailEnd type="none" w="med" len="med"/>
+                        </a:lnB>
+                      </a:tcPr>
+                    </a:tc>
+                    <a:tc>
+                      <a:txBody>
+                        <a:bodyPr/>
+                        <a:lstStyle/>
+                        <a:p>
+                          <a:pPr algn="ctr"/>
+                          <a14:m>
+                            <m:oMathPara xmlns:m="http://schemas.openxmlformats.org/officeDocument/2006/math">
+                              <m:oMathParaPr>
+                                <m:jc m:val="centerGroup"/>
+                              </m:oMathParaPr>
+                              <m:oMath xmlns:m="http://schemas.openxmlformats.org/officeDocument/2006/math">
+                                <m:sSup>
+                                  <m:sSupPr>
+                                    <m:ctrlPr>
+                                      <a:rPr lang="he-IL" sz="2000" b="0" i="1" smtClean="0">
+                                        <a:latin typeface="Cambria Math" panose="02040503050406030204" pitchFamily="18" charset="0"/>
+                                      </a:rPr>
+                                    </m:ctrlPr>
+                                  </m:sSupPr>
+                                  <m:e>
+                                    <m:r>
+                                      <a:rPr lang="he-IL" sz="2000" b="0" i="1" smtClean="0">
+                                        <a:latin typeface="Cambria Math" panose="02040503050406030204" pitchFamily="18" charset="0"/>
+                                      </a:rPr>
+                                      <m:t>10</m:t>
+                                    </m:r>
+                                  </m:e>
+                                  <m:sup>
+                                    <m:r>
+                                      <a:rPr lang="he-IL" sz="2000" b="0" i="1" smtClean="0">
+                                        <a:latin typeface="Cambria Math" panose="02040503050406030204" pitchFamily="18" charset="0"/>
+                                      </a:rPr>
+                                      <m:t>6</m:t>
+                                    </m:r>
+                                  </m:sup>
+                                </m:sSup>
+                              </m:oMath>
+                            </m:oMathPara>
+                          </a14:m>
+                          <a:endParaRPr lang="en-US" sz="2000" b="0" dirty="0"/>
+                        </a:p>
+                      </a:txBody>
+                      <a:tcPr anchor="ctr">
+                        <a:lnL w="12700" cap="flat" cmpd="sng" algn="ctr">
+                          <a:solidFill>
+                            <a:schemeClr val="accent1">
+                              <a:lumMod val="50000"/>
+                            </a:schemeClr>
+                          </a:solidFill>
+                          <a:prstDash val="solid"/>
+                          <a:round/>
+                          <a:headEnd type="none" w="med" len="med"/>
+                          <a:tailEnd type="none" w="med" len="med"/>
+                        </a:lnL>
+                        <a:lnR w="12700" cap="flat" cmpd="sng" algn="ctr">
+                          <a:solidFill>
+                            <a:schemeClr val="accent1">
+                              <a:lumMod val="50000"/>
+                            </a:schemeClr>
+                          </a:solidFill>
+                          <a:prstDash val="solid"/>
+                          <a:round/>
+                          <a:headEnd type="none" w="med" len="med"/>
+                          <a:tailEnd type="none" w="med" len="med"/>
+                        </a:lnR>
+                        <a:lnT w="12700" cap="flat" cmpd="sng" algn="ctr">
+                          <a:solidFill>
+                            <a:schemeClr val="accent1">
+                              <a:lumMod val="50000"/>
+                            </a:schemeClr>
+                          </a:solidFill>
+                          <a:prstDash val="solid"/>
+                          <a:round/>
+                          <a:headEnd type="none" w="med" len="med"/>
+                          <a:tailEnd type="none" w="med" len="med"/>
+                        </a:lnT>
+                        <a:lnB w="12700" cap="flat" cmpd="sng" algn="ctr">
+                          <a:solidFill>
+                            <a:schemeClr val="accent1">
+                              <a:lumMod val="50000"/>
+                            </a:schemeClr>
+                          </a:solidFill>
+                          <a:prstDash val="solid"/>
+                          <a:round/>
+                          <a:headEnd type="none" w="med" len="med"/>
+                          <a:tailEnd type="none" w="med" len="med"/>
+                        </a:lnB>
+                      </a:tcPr>
+                    </a:tc>
+                    <a:tc>
+                      <a:txBody>
+                        <a:bodyPr/>
+                        <a:lstStyle/>
+                        <a:p>
+                          <a:pPr algn="ctr"/>
+                          <a14:m>
+                            <m:oMathPara xmlns:m="http://schemas.openxmlformats.org/officeDocument/2006/math">
+                              <m:oMathParaPr>
+                                <m:jc m:val="centerGroup"/>
+                              </m:oMathParaPr>
+                              <m:oMath xmlns:m="http://schemas.openxmlformats.org/officeDocument/2006/math">
+                                <m:sSup>
+                                  <m:sSupPr>
+                                    <m:ctrlPr>
+                                      <a:rPr lang="en-US" sz="2000" b="0" i="1" smtClean="0">
+                                        <a:latin typeface="Cambria Math" panose="02040503050406030204" pitchFamily="18" charset="0"/>
+                                      </a:rPr>
+                                    </m:ctrlPr>
+                                  </m:sSupPr>
+                                  <m:e>
+                                    <m:r>
+                                      <a:rPr lang="en-US" sz="2000" b="0" i="1" smtClean="0">
+                                        <a:latin typeface="Cambria Math" panose="02040503050406030204" pitchFamily="18" charset="0"/>
+                                      </a:rPr>
+                                      <m:t>10</m:t>
+                                    </m:r>
+                                  </m:e>
+                                  <m:sup>
+                                    <m:r>
+                                      <a:rPr lang="en-US" sz="2000" b="0" i="1" smtClean="0">
+                                        <a:latin typeface="Cambria Math" panose="02040503050406030204" pitchFamily="18" charset="0"/>
+                                      </a:rPr>
+                                      <m:t>4</m:t>
+                                    </m:r>
+                                  </m:sup>
+                                </m:sSup>
+                              </m:oMath>
+                            </m:oMathPara>
+                          </a14:m>
+                          <a:endParaRPr lang="en-US" sz="2000" b="0" dirty="0"/>
+                        </a:p>
+                      </a:txBody>
+                      <a:tcPr anchor="ctr">
+                        <a:lnL w="12700" cap="flat" cmpd="sng" algn="ctr">
+                          <a:solidFill>
+                            <a:schemeClr val="accent1">
+                              <a:lumMod val="50000"/>
+                            </a:schemeClr>
+                          </a:solidFill>
+                          <a:prstDash val="solid"/>
+                          <a:round/>
+                          <a:headEnd type="none" w="med" len="med"/>
+                          <a:tailEnd type="none" w="med" len="med"/>
+                        </a:lnL>
+                        <a:lnR w="12700" cap="flat" cmpd="sng" algn="ctr">
+                          <a:solidFill>
+                            <a:schemeClr val="accent1">
+                              <a:lumMod val="50000"/>
+                            </a:schemeClr>
+                          </a:solidFill>
+                          <a:prstDash val="solid"/>
+                          <a:round/>
+                          <a:headEnd type="none" w="med" len="med"/>
+                          <a:tailEnd type="none" w="med" len="med"/>
+                        </a:lnR>
+                        <a:lnT w="12700" cap="flat" cmpd="sng" algn="ctr">
+                          <a:solidFill>
+                            <a:schemeClr val="accent1">
+                              <a:lumMod val="50000"/>
+                            </a:schemeClr>
+                          </a:solidFill>
+                          <a:prstDash val="solid"/>
+                          <a:round/>
+                          <a:headEnd type="none" w="med" len="med"/>
+                          <a:tailEnd type="none" w="med" len="med"/>
+                        </a:lnT>
+                        <a:lnB w="12700" cap="flat" cmpd="sng" algn="ctr">
+                          <a:solidFill>
+                            <a:schemeClr val="accent1">
+                              <a:lumMod val="50000"/>
+                            </a:schemeClr>
+                          </a:solidFill>
+                          <a:prstDash val="solid"/>
+                          <a:round/>
+                          <a:headEnd type="none" w="med" len="med"/>
+                          <a:tailEnd type="none" w="med" len="med"/>
+                        </a:lnB>
+                      </a:tcPr>
+                    </a:tc>
+                    <a:tc>
+                      <a:txBody>
+                        <a:bodyPr/>
+                        <a:lstStyle/>
+                        <a:p>
+                          <a:pPr algn="ctr"/>
+                          <a14:m>
+                            <m:oMathPara xmlns:m="http://schemas.openxmlformats.org/officeDocument/2006/math">
+                              <m:oMathParaPr>
+                                <m:jc m:val="centerGroup"/>
+                              </m:oMathParaPr>
+                              <m:oMath xmlns:m="http://schemas.openxmlformats.org/officeDocument/2006/math">
+                                <m:r>
+                                  <a:rPr lang="en-US" sz="2000" b="0" i="1" smtClean="0">
+                                    <a:latin typeface="Cambria Math" panose="02040503050406030204" pitchFamily="18" charset="0"/>
+                                  </a:rPr>
+                                  <m:t>10576</m:t>
+                                </m:r>
+                              </m:oMath>
+                            </m:oMathPara>
+                          </a14:m>
+                          <a:endParaRPr lang="en-US" sz="2000" b="0" dirty="0"/>
+                        </a:p>
+                      </a:txBody>
+                      <a:tcPr anchor="ctr">
+                        <a:lnL w="12700" cap="flat" cmpd="sng" algn="ctr">
+                          <a:solidFill>
+                            <a:schemeClr val="accent1">
+                              <a:lumMod val="50000"/>
+                            </a:schemeClr>
+                          </a:solidFill>
+                          <a:prstDash val="solid"/>
+                          <a:round/>
+                          <a:headEnd type="none" w="med" len="med"/>
+                          <a:tailEnd type="none" w="med" len="med"/>
+                        </a:lnL>
+                        <a:lnR w="12700" cap="flat" cmpd="sng" algn="ctr">
+                          <a:solidFill>
+                            <a:schemeClr val="accent1">
+                              <a:lumMod val="50000"/>
+                            </a:schemeClr>
+                          </a:solidFill>
+                          <a:prstDash val="solid"/>
+                          <a:round/>
+                          <a:headEnd type="none" w="med" len="med"/>
+                          <a:tailEnd type="none" w="med" len="med"/>
+                        </a:lnR>
+                        <a:lnT w="12700" cap="flat" cmpd="sng" algn="ctr">
+                          <a:solidFill>
+                            <a:schemeClr val="accent1">
+                              <a:lumMod val="50000"/>
+                            </a:schemeClr>
+                          </a:solidFill>
+                          <a:prstDash val="solid"/>
+                          <a:round/>
+                          <a:headEnd type="none" w="med" len="med"/>
+                          <a:tailEnd type="none" w="med" len="med"/>
+                        </a:lnT>
+                        <a:lnB w="12700" cap="flat" cmpd="sng" algn="ctr">
+                          <a:solidFill>
+                            <a:schemeClr val="accent1">
+                              <a:lumMod val="50000"/>
+                            </a:schemeClr>
+                          </a:solidFill>
+                          <a:prstDash val="solid"/>
+                          <a:round/>
+                          <a:headEnd type="none" w="med" len="med"/>
+                          <a:tailEnd type="none" w="med" len="med"/>
+                        </a:lnB>
+                      </a:tcPr>
+                    </a:tc>
+                    <a:tc>
+                      <a:txBody>
+                        <a:bodyPr/>
+                        <a:lstStyle/>
+                        <a:p>
+                          <a:pPr algn="ctr"/>
+                          <a14:m>
+                            <m:oMathPara xmlns:m="http://schemas.openxmlformats.org/officeDocument/2006/math">
+                              <m:oMathParaPr>
+                                <m:jc m:val="centerGroup"/>
+                              </m:oMathParaPr>
+                              <m:oMath xmlns:m="http://schemas.openxmlformats.org/officeDocument/2006/math">
+                                <m:r>
+                                  <a:rPr lang="en-US" sz="2000" b="0" i="1" smtClean="0">
+                                    <a:latin typeface="Cambria Math" panose="02040503050406030204" pitchFamily="18" charset="0"/>
+                                  </a:rPr>
+                                  <m:t>6</m:t>
+                                </m:r>
+                                <m:r>
+                                  <a:rPr lang="en-US" sz="2000" b="0" i="1" smtClean="0">
+                                    <a:latin typeface="Cambria Math" panose="02040503050406030204" pitchFamily="18" charset="0"/>
+                                  </a:rPr>
+                                  <m:t>𝑠𝑒𝑐</m:t>
+                                </m:r>
+                              </m:oMath>
+                            </m:oMathPara>
+                          </a14:m>
+                          <a:endParaRPr lang="en-US" sz="2000" b="0" dirty="0"/>
+                        </a:p>
+                      </a:txBody>
+                      <a:tcPr anchor="ctr">
+                        <a:lnL w="12700" cap="flat" cmpd="sng" algn="ctr">
+                          <a:solidFill>
+                            <a:schemeClr val="accent1">
+                              <a:lumMod val="50000"/>
+                            </a:schemeClr>
+                          </a:solidFill>
+                          <a:prstDash val="solid"/>
+                          <a:round/>
+                          <a:headEnd type="none" w="med" len="med"/>
+                          <a:tailEnd type="none" w="med" len="med"/>
+                        </a:lnL>
+                        <a:lnR w="12700" cap="flat" cmpd="sng" algn="ctr">
+                          <a:solidFill>
+                            <a:schemeClr val="accent1">
+                              <a:lumMod val="50000"/>
+                            </a:schemeClr>
+                          </a:solidFill>
+                          <a:prstDash val="solid"/>
+                          <a:round/>
+                          <a:headEnd type="none" w="med" len="med"/>
+                          <a:tailEnd type="none" w="med" len="med"/>
+                        </a:lnR>
+                        <a:lnT w="12700" cap="flat" cmpd="sng" algn="ctr">
+                          <a:solidFill>
+                            <a:schemeClr val="accent1">
+                              <a:lumMod val="50000"/>
+                            </a:schemeClr>
+                          </a:solidFill>
+                          <a:prstDash val="solid"/>
+                          <a:round/>
+                          <a:headEnd type="none" w="med" len="med"/>
+                          <a:tailEnd type="none" w="med" len="med"/>
+                        </a:lnT>
+                        <a:lnB w="12700" cap="flat" cmpd="sng" algn="ctr">
+                          <a:solidFill>
+                            <a:schemeClr val="accent1">
+                              <a:lumMod val="50000"/>
+                            </a:schemeClr>
+                          </a:solidFill>
+                          <a:prstDash val="solid"/>
+                          <a:round/>
+                          <a:headEnd type="none" w="med" len="med"/>
+                          <a:tailEnd type="none" w="med" len="med"/>
+                        </a:lnB>
+                      </a:tcPr>
+                    </a:tc>
+                    <a:tc>
+                      <a:txBody>
+                        <a:bodyPr/>
+                        <a:lstStyle/>
+                        <a:p>
+                          <a:pPr algn="ctr"/>
+                          <a14:m>
+                            <m:oMathPara xmlns:m="http://schemas.openxmlformats.org/officeDocument/2006/math">
+                              <m:oMathParaPr>
+                                <m:jc m:val="centerGroup"/>
+                              </m:oMathParaPr>
+                              <m:oMath xmlns:m="http://schemas.openxmlformats.org/officeDocument/2006/math">
+                                <m:r>
+                                  <a:rPr lang="en-US" sz="2000" b="0" i="1" smtClean="0">
+                                    <a:latin typeface="Cambria Math" panose="02040503050406030204" pitchFamily="18" charset="0"/>
+                                  </a:rPr>
+                                  <m:t>27</m:t>
+                                </m:r>
+                                <m:r>
+                                  <a:rPr lang="en-US" sz="2000" b="0" i="1" smtClean="0">
+                                    <a:latin typeface="Cambria Math" panose="02040503050406030204" pitchFamily="18" charset="0"/>
+                                  </a:rPr>
+                                  <m:t>𝑠𝑒𝑐</m:t>
+                                </m:r>
+                              </m:oMath>
+                            </m:oMathPara>
+                          </a14:m>
+                          <a:endParaRPr lang="en-US" sz="2000" b="0" dirty="0"/>
+                        </a:p>
+                      </a:txBody>
+                      <a:tcPr anchor="ctr">
+                        <a:lnL w="12700" cap="flat" cmpd="sng" algn="ctr">
+                          <a:solidFill>
+                            <a:schemeClr val="accent1">
+                              <a:lumMod val="50000"/>
+                            </a:schemeClr>
+                          </a:solidFill>
+                          <a:prstDash val="solid"/>
+                          <a:round/>
+                          <a:headEnd type="none" w="med" len="med"/>
+                          <a:tailEnd type="none" w="med" len="med"/>
+                        </a:lnL>
+                        <a:lnR w="12700" cap="flat" cmpd="sng" algn="ctr">
+                          <a:solidFill>
+                            <a:schemeClr val="accent1">
+                              <a:lumMod val="50000"/>
+                            </a:schemeClr>
+                          </a:solidFill>
+                          <a:prstDash val="solid"/>
+                          <a:round/>
+                          <a:headEnd type="none" w="med" len="med"/>
+                          <a:tailEnd type="none" w="med" len="med"/>
+                        </a:lnR>
+                        <a:lnT w="12700" cap="flat" cmpd="sng" algn="ctr">
+                          <a:solidFill>
+                            <a:schemeClr val="accent1">
+                              <a:lumMod val="50000"/>
+                            </a:schemeClr>
+                          </a:solidFill>
+                          <a:prstDash val="solid"/>
+                          <a:round/>
+                          <a:headEnd type="none" w="med" len="med"/>
+                          <a:tailEnd type="none" w="med" len="med"/>
+                        </a:lnT>
+                        <a:lnB w="12700" cap="flat" cmpd="sng" algn="ctr">
+                          <a:solidFill>
+                            <a:schemeClr val="accent1">
+                              <a:lumMod val="50000"/>
+                            </a:schemeClr>
+                          </a:solidFill>
+                          <a:prstDash val="solid"/>
+                          <a:round/>
+                          <a:headEnd type="none" w="med" len="med"/>
+                          <a:tailEnd type="none" w="med" len="med"/>
+                        </a:lnB>
+                      </a:tcPr>
+                    </a:tc>
+                    <a:tc>
+                      <a:txBody>
+                        <a:bodyPr/>
+                        <a:lstStyle/>
+                        <a:p>
+                          <a:pPr algn="ctr"/>
+                          <a14:m>
+                            <m:oMathPara xmlns:m="http://schemas.openxmlformats.org/officeDocument/2006/math">
+                              <m:oMathParaPr>
+                                <m:jc m:val="centerGroup"/>
+                              </m:oMathParaPr>
+                              <m:oMath xmlns:m="http://schemas.openxmlformats.org/officeDocument/2006/math">
+                                <m:r>
+                                  <a:rPr lang="en-US" sz="2000" b="0" i="1" smtClean="0">
+                                    <a:latin typeface="Cambria Math" panose="02040503050406030204" pitchFamily="18" charset="0"/>
+                                  </a:rPr>
+                                  <m:t>4</m:t>
+                                </m:r>
+                                <m:r>
+                                  <a:rPr lang="en-US" sz="2000" b="0" i="1" smtClean="0">
+                                    <a:latin typeface="Cambria Math" panose="02040503050406030204" pitchFamily="18" charset="0"/>
+                                  </a:rPr>
+                                  <m:t>.</m:t>
+                                </m:r>
+                                <m:r>
+                                  <a:rPr lang="en-US" sz="2000" b="0" i="1" smtClean="0">
+                                    <a:latin typeface="Cambria Math" panose="02040503050406030204" pitchFamily="18" charset="0"/>
+                                  </a:rPr>
+                                  <m:t>5</m:t>
+                                </m:r>
+                                <m:r>
+                                  <a:rPr lang="en-US" sz="2000" b="0" i="1" smtClean="0">
+                                    <a:latin typeface="Cambria Math" panose="02040503050406030204" pitchFamily="18" charset="0"/>
+                                  </a:rPr>
+                                  <m:t>𝑠𝑒𝑐</m:t>
+                                </m:r>
+                              </m:oMath>
+                            </m:oMathPara>
+                          </a14:m>
+                          <a:endParaRPr lang="en-US" sz="2000" b="0" dirty="0"/>
+                        </a:p>
+                      </a:txBody>
+                      <a:tcPr anchor="ctr">
+                        <a:lnL w="12700" cap="flat" cmpd="sng" algn="ctr">
+                          <a:solidFill>
+                            <a:schemeClr val="accent1">
+                              <a:lumMod val="50000"/>
+                            </a:schemeClr>
+                          </a:solidFill>
+                          <a:prstDash val="solid"/>
+                          <a:round/>
+                          <a:headEnd type="none" w="med" len="med"/>
+                          <a:tailEnd type="none" w="med" len="med"/>
+                        </a:lnL>
+                        <a:lnR w="12700" cap="flat" cmpd="sng" algn="ctr">
+                          <a:solidFill>
+                            <a:schemeClr val="accent1">
+                              <a:lumMod val="50000"/>
+                            </a:schemeClr>
+                          </a:solidFill>
+                          <a:prstDash val="solid"/>
+                          <a:round/>
+                          <a:headEnd type="none" w="med" len="med"/>
+                          <a:tailEnd type="none" w="med" len="med"/>
+                        </a:lnR>
+                        <a:lnT w="12700" cap="flat" cmpd="sng" algn="ctr">
+                          <a:solidFill>
+                            <a:schemeClr val="accent1">
+                              <a:lumMod val="50000"/>
+                            </a:schemeClr>
+                          </a:solidFill>
+                          <a:prstDash val="solid"/>
+                          <a:round/>
+                          <a:headEnd type="none" w="med" len="med"/>
+                          <a:tailEnd type="none" w="med" len="med"/>
+                        </a:lnT>
+                        <a:lnB w="12700" cap="flat" cmpd="sng" algn="ctr">
+                          <a:solidFill>
+                            <a:schemeClr val="accent1">
+                              <a:lumMod val="50000"/>
+                            </a:schemeClr>
+                          </a:solidFill>
+                          <a:prstDash val="solid"/>
+                          <a:round/>
+                          <a:headEnd type="none" w="med" len="med"/>
+                          <a:tailEnd type="none" w="med" len="med"/>
+                        </a:lnB>
+                      </a:tcPr>
+                    </a:tc>
+                    <a:tc>
+                      <a:txBody>
+                        <a:bodyPr/>
+                        <a:lstStyle/>
+                        <a:p>
+                          <a:pPr algn="ctr"/>
+                          <a14:m>
+                            <m:oMathPara xmlns:m="http://schemas.openxmlformats.org/officeDocument/2006/math">
+                              <m:oMathParaPr>
+                                <m:jc m:val="centerGroup"/>
+                              </m:oMathParaPr>
+                              <m:oMath xmlns:m="http://schemas.openxmlformats.org/officeDocument/2006/math">
+                                <m:r>
+                                  <a:rPr lang="en-US" sz="2000" b="0" i="1" smtClean="0">
+                                    <a:latin typeface="Cambria Math" panose="02040503050406030204" pitchFamily="18" charset="0"/>
+                                  </a:rPr>
+                                  <m:t>18</m:t>
+                                </m:r>
+                                <m:r>
+                                  <a:rPr lang="en-US" sz="2000" b="0" i="1" smtClean="0">
+                                    <a:latin typeface="Cambria Math" panose="02040503050406030204" pitchFamily="18" charset="0"/>
+                                  </a:rPr>
+                                  <m:t>.</m:t>
+                                </m:r>
+                                <m:r>
+                                  <a:rPr lang="en-US" sz="2000" b="0" i="1" smtClean="0">
+                                    <a:latin typeface="Cambria Math" panose="02040503050406030204" pitchFamily="18" charset="0"/>
+                                  </a:rPr>
+                                  <m:t>8</m:t>
+                                </m:r>
+                                <m:r>
+                                  <a:rPr lang="en-US" sz="2000" b="0" i="1" smtClean="0">
+                                    <a:latin typeface="Cambria Math" panose="02040503050406030204" pitchFamily="18" charset="0"/>
+                                  </a:rPr>
+                                  <m:t>𝑠𝑒𝑐</m:t>
+                                </m:r>
+                              </m:oMath>
+                            </m:oMathPara>
+                          </a14:m>
+                          <a:endParaRPr lang="en-US" sz="2000" b="0" dirty="0"/>
+                        </a:p>
+                      </a:txBody>
+                      <a:tcPr anchor="ctr">
+                        <a:lnL w="12700" cap="flat" cmpd="sng" algn="ctr">
+                          <a:solidFill>
+                            <a:schemeClr val="accent1">
+                              <a:lumMod val="50000"/>
+                            </a:schemeClr>
+                          </a:solidFill>
+                          <a:prstDash val="solid"/>
+                          <a:round/>
+                          <a:headEnd type="none" w="med" len="med"/>
+                          <a:tailEnd type="none" w="med" len="med"/>
+                        </a:lnL>
+                        <a:lnR w="12700" cap="flat" cmpd="sng" algn="ctr">
+                          <a:solidFill>
+                            <a:schemeClr val="accent1">
+                              <a:lumMod val="50000"/>
+                            </a:schemeClr>
+                          </a:solidFill>
+                          <a:prstDash val="solid"/>
+                          <a:round/>
+                          <a:headEnd type="none" w="med" len="med"/>
+                          <a:tailEnd type="none" w="med" len="med"/>
+                        </a:lnR>
+                        <a:lnT w="12700" cap="flat" cmpd="sng" algn="ctr">
+                          <a:solidFill>
+                            <a:schemeClr val="accent1">
+                              <a:lumMod val="50000"/>
+                            </a:schemeClr>
+                          </a:solidFill>
+                          <a:prstDash val="solid"/>
+                          <a:round/>
+                          <a:headEnd type="none" w="med" len="med"/>
+                          <a:tailEnd type="none" w="med" len="med"/>
+                        </a:lnT>
+                        <a:lnB w="12700" cap="flat" cmpd="sng" algn="ctr">
+                          <a:solidFill>
+                            <a:schemeClr val="accent1">
+                              <a:lumMod val="50000"/>
+                            </a:schemeClr>
+                          </a:solidFill>
+                          <a:prstDash val="solid"/>
+                          <a:round/>
+                          <a:headEnd type="none" w="med" len="med"/>
+                          <a:tailEnd type="none" w="med" len="med"/>
+                        </a:lnB>
+                      </a:tcPr>
+                    </a:tc>
+                    <a:extLst>
+                      <a:ext uri="{0D108BD9-81ED-4DB2-BD59-A6C34878D82A}">
+                        <a16:rowId xmlns:a16="http://schemas.microsoft.com/office/drawing/2014/main" val="903200076"/>
+                      </a:ext>
+                    </a:extLst>
+                  </a:tr>
+                  <a:tr h="764303">
                     <a:tc>
                       <a:txBody>
                         <a:bodyPr/>
@@ -31605,687 +32285,7 @@
                     </a:tc>
                     <a:extLst>
                       <a:ext uri="{0D108BD9-81ED-4DB2-BD59-A6C34878D82A}">
-                        <a16:rowId xmlns:a16="http://schemas.microsoft.com/office/drawing/2014/main" val="1583959994"/>
-                      </a:ext>
-                    </a:extLst>
-                  </a:tr>
-                  <a:tr h="800365">
-                    <a:tc>
-                      <a:txBody>
-                        <a:bodyPr/>
-                        <a:lstStyle/>
-                        <a:p>
-                          <a:pPr algn="ctr"/>
-                          <a14:m>
-                            <m:oMathPara xmlns:m="http://schemas.openxmlformats.org/officeDocument/2006/math">
-                              <m:oMathParaPr>
-                                <m:jc m:val="centerGroup"/>
-                              </m:oMathParaPr>
-                              <m:oMath xmlns:m="http://schemas.openxmlformats.org/officeDocument/2006/math">
-                                <m:sSup>
-                                  <m:sSupPr>
-                                    <m:ctrlPr>
-                                      <a:rPr lang="en-US" sz="2000" b="0" i="1" smtClean="0">
-                                        <a:latin typeface="Cambria Math" panose="02040503050406030204" pitchFamily="18" charset="0"/>
-                                      </a:rPr>
-                                    </m:ctrlPr>
-                                  </m:sSupPr>
-                                  <m:e>
-                                    <m:r>
-                                      <a:rPr lang="en-US" sz="2000" b="0" i="1" smtClean="0">
-                                        <a:latin typeface="Cambria Math" panose="02040503050406030204" pitchFamily="18" charset="0"/>
-                                      </a:rPr>
-                                      <m:t>10</m:t>
-                                    </m:r>
-                                  </m:e>
-                                  <m:sup>
-                                    <m:r>
-                                      <a:rPr lang="en-US" sz="2000" b="0" i="1" smtClean="0">
-                                        <a:latin typeface="Cambria Math" panose="02040503050406030204" pitchFamily="18" charset="0"/>
-                                      </a:rPr>
-                                      <m:t>5</m:t>
-                                    </m:r>
-                                  </m:sup>
-                                </m:sSup>
-                              </m:oMath>
-                            </m:oMathPara>
-                          </a14:m>
-                          <a:endParaRPr lang="en-US" sz="2000" b="0" dirty="0"/>
-                        </a:p>
-                      </a:txBody>
-                      <a:tcPr anchor="ctr">
-                        <a:lnL w="12700" cap="flat" cmpd="sng" algn="ctr">
-                          <a:solidFill>
-                            <a:schemeClr val="accent1">
-                              <a:lumMod val="50000"/>
-                            </a:schemeClr>
-                          </a:solidFill>
-                          <a:prstDash val="solid"/>
-                          <a:round/>
-                          <a:headEnd type="none" w="med" len="med"/>
-                          <a:tailEnd type="none" w="med" len="med"/>
-                        </a:lnL>
-                        <a:lnR w="12700" cap="flat" cmpd="sng" algn="ctr">
-                          <a:solidFill>
-                            <a:schemeClr val="accent1">
-                              <a:lumMod val="50000"/>
-                            </a:schemeClr>
-                          </a:solidFill>
-                          <a:prstDash val="solid"/>
-                          <a:round/>
-                          <a:headEnd type="none" w="med" len="med"/>
-                          <a:tailEnd type="none" w="med" len="med"/>
-                        </a:lnR>
-                        <a:lnT w="12700" cap="flat" cmpd="sng" algn="ctr">
-                          <a:solidFill>
-                            <a:schemeClr val="accent1">
-                              <a:lumMod val="50000"/>
-                            </a:schemeClr>
-                          </a:solidFill>
-                          <a:prstDash val="solid"/>
-                          <a:round/>
-                          <a:headEnd type="none" w="med" len="med"/>
-                          <a:tailEnd type="none" w="med" len="med"/>
-                        </a:lnT>
-                        <a:lnB w="12700" cap="flat" cmpd="sng" algn="ctr">
-                          <a:solidFill>
-                            <a:schemeClr val="accent1">
-                              <a:lumMod val="50000"/>
-                            </a:schemeClr>
-                          </a:solidFill>
-                          <a:prstDash val="solid"/>
-                          <a:round/>
-                          <a:headEnd type="none" w="med" len="med"/>
-                          <a:tailEnd type="none" w="med" len="med"/>
-                        </a:lnB>
-                      </a:tcPr>
-                    </a:tc>
-                    <a:tc>
-                      <a:txBody>
-                        <a:bodyPr/>
-                        <a:lstStyle/>
-                        <a:p>
-                          <a:pPr algn="ctr"/>
-                          <a14:m>
-                            <m:oMathPara xmlns:m="http://schemas.openxmlformats.org/officeDocument/2006/math">
-                              <m:oMathParaPr>
-                                <m:jc m:val="centerGroup"/>
-                              </m:oMathParaPr>
-                              <m:oMath xmlns:m="http://schemas.openxmlformats.org/officeDocument/2006/math">
-                                <m:sSup>
-                                  <m:sSupPr>
-                                    <m:ctrlPr>
-                                      <a:rPr lang="he-IL" sz="2000" b="0" i="1" smtClean="0">
-                                        <a:latin typeface="Cambria Math" panose="02040503050406030204" pitchFamily="18" charset="0"/>
-                                      </a:rPr>
-                                    </m:ctrlPr>
-                                  </m:sSupPr>
-                                  <m:e>
-                                    <m:r>
-                                      <a:rPr lang="he-IL" sz="2000" b="0" i="1" smtClean="0">
-                                        <a:latin typeface="Cambria Math" panose="02040503050406030204" pitchFamily="18" charset="0"/>
-                                      </a:rPr>
-                                      <m:t>10</m:t>
-                                    </m:r>
-                                  </m:e>
-                                  <m:sup>
-                                    <m:r>
-                                      <a:rPr lang="he-IL" sz="2000" b="0" i="1" smtClean="0">
-                                        <a:latin typeface="Cambria Math" panose="02040503050406030204" pitchFamily="18" charset="0"/>
-                                      </a:rPr>
-                                      <m:t>6</m:t>
-                                    </m:r>
-                                  </m:sup>
-                                </m:sSup>
-                              </m:oMath>
-                            </m:oMathPara>
-                          </a14:m>
-                          <a:endParaRPr lang="en-US" sz="2000" b="0" dirty="0"/>
-                        </a:p>
-                      </a:txBody>
-                      <a:tcPr anchor="ctr">
-                        <a:lnL w="12700" cap="flat" cmpd="sng" algn="ctr">
-                          <a:solidFill>
-                            <a:schemeClr val="accent1">
-                              <a:lumMod val="50000"/>
-                            </a:schemeClr>
-                          </a:solidFill>
-                          <a:prstDash val="solid"/>
-                          <a:round/>
-                          <a:headEnd type="none" w="med" len="med"/>
-                          <a:tailEnd type="none" w="med" len="med"/>
-                        </a:lnL>
-                        <a:lnR w="12700" cap="flat" cmpd="sng" algn="ctr">
-                          <a:solidFill>
-                            <a:schemeClr val="accent1">
-                              <a:lumMod val="50000"/>
-                            </a:schemeClr>
-                          </a:solidFill>
-                          <a:prstDash val="solid"/>
-                          <a:round/>
-                          <a:headEnd type="none" w="med" len="med"/>
-                          <a:tailEnd type="none" w="med" len="med"/>
-                        </a:lnR>
-                        <a:lnT w="12700" cap="flat" cmpd="sng" algn="ctr">
-                          <a:solidFill>
-                            <a:schemeClr val="accent1">
-                              <a:lumMod val="50000"/>
-                            </a:schemeClr>
-                          </a:solidFill>
-                          <a:prstDash val="solid"/>
-                          <a:round/>
-                          <a:headEnd type="none" w="med" len="med"/>
-                          <a:tailEnd type="none" w="med" len="med"/>
-                        </a:lnT>
-                        <a:lnB w="12700" cap="flat" cmpd="sng" algn="ctr">
-                          <a:solidFill>
-                            <a:schemeClr val="accent1">
-                              <a:lumMod val="50000"/>
-                            </a:schemeClr>
-                          </a:solidFill>
-                          <a:prstDash val="solid"/>
-                          <a:round/>
-                          <a:headEnd type="none" w="med" len="med"/>
-                          <a:tailEnd type="none" w="med" len="med"/>
-                        </a:lnB>
-                      </a:tcPr>
-                    </a:tc>
-                    <a:tc>
-                      <a:txBody>
-                        <a:bodyPr/>
-                        <a:lstStyle/>
-                        <a:p>
-                          <a:pPr algn="ctr"/>
-                          <a14:m>
-                            <m:oMathPara xmlns:m="http://schemas.openxmlformats.org/officeDocument/2006/math">
-                              <m:oMathParaPr>
-                                <m:jc m:val="centerGroup"/>
-                              </m:oMathParaPr>
-                              <m:oMath xmlns:m="http://schemas.openxmlformats.org/officeDocument/2006/math">
-                                <m:sSup>
-                                  <m:sSupPr>
-                                    <m:ctrlPr>
-                                      <a:rPr lang="en-US" sz="2000" b="0" i="1" smtClean="0">
-                                        <a:latin typeface="Cambria Math" panose="02040503050406030204" pitchFamily="18" charset="0"/>
-                                      </a:rPr>
-                                    </m:ctrlPr>
-                                  </m:sSupPr>
-                                  <m:e>
-                                    <m:r>
-                                      <a:rPr lang="en-US" sz="2000" b="0" i="1" smtClean="0">
-                                        <a:latin typeface="Cambria Math" panose="02040503050406030204" pitchFamily="18" charset="0"/>
-                                      </a:rPr>
-                                      <m:t>10</m:t>
-                                    </m:r>
-                                  </m:e>
-                                  <m:sup>
-                                    <m:r>
-                                      <a:rPr lang="en-US" sz="2000" b="0" i="1" smtClean="0">
-                                        <a:latin typeface="Cambria Math" panose="02040503050406030204" pitchFamily="18" charset="0"/>
-                                      </a:rPr>
-                                      <m:t>4</m:t>
-                                    </m:r>
-                                  </m:sup>
-                                </m:sSup>
-                              </m:oMath>
-                            </m:oMathPara>
-                          </a14:m>
-                          <a:endParaRPr lang="en-US" sz="2000" b="0" dirty="0"/>
-                        </a:p>
-                      </a:txBody>
-                      <a:tcPr anchor="ctr">
-                        <a:lnL w="12700" cap="flat" cmpd="sng" algn="ctr">
-                          <a:solidFill>
-                            <a:schemeClr val="accent1">
-                              <a:lumMod val="50000"/>
-                            </a:schemeClr>
-                          </a:solidFill>
-                          <a:prstDash val="solid"/>
-                          <a:round/>
-                          <a:headEnd type="none" w="med" len="med"/>
-                          <a:tailEnd type="none" w="med" len="med"/>
-                        </a:lnL>
-                        <a:lnR w="12700" cap="flat" cmpd="sng" algn="ctr">
-                          <a:solidFill>
-                            <a:schemeClr val="accent1">
-                              <a:lumMod val="50000"/>
-                            </a:schemeClr>
-                          </a:solidFill>
-                          <a:prstDash val="solid"/>
-                          <a:round/>
-                          <a:headEnd type="none" w="med" len="med"/>
-                          <a:tailEnd type="none" w="med" len="med"/>
-                        </a:lnR>
-                        <a:lnT w="12700" cap="flat" cmpd="sng" algn="ctr">
-                          <a:solidFill>
-                            <a:schemeClr val="accent1">
-                              <a:lumMod val="50000"/>
-                            </a:schemeClr>
-                          </a:solidFill>
-                          <a:prstDash val="solid"/>
-                          <a:round/>
-                          <a:headEnd type="none" w="med" len="med"/>
-                          <a:tailEnd type="none" w="med" len="med"/>
-                        </a:lnT>
-                        <a:lnB w="12700" cap="flat" cmpd="sng" algn="ctr">
-                          <a:solidFill>
-                            <a:schemeClr val="accent1">
-                              <a:lumMod val="50000"/>
-                            </a:schemeClr>
-                          </a:solidFill>
-                          <a:prstDash val="solid"/>
-                          <a:round/>
-                          <a:headEnd type="none" w="med" len="med"/>
-                          <a:tailEnd type="none" w="med" len="med"/>
-                        </a:lnB>
-                      </a:tcPr>
-                    </a:tc>
-                    <a:tc>
-                      <a:txBody>
-                        <a:bodyPr/>
-                        <a:lstStyle/>
-                        <a:p>
-                          <a:pPr algn="ctr"/>
-                          <a14:m>
-                            <m:oMathPara xmlns:m="http://schemas.openxmlformats.org/officeDocument/2006/math">
-                              <m:oMathParaPr>
-                                <m:jc m:val="centerGroup"/>
-                              </m:oMathParaPr>
-                              <m:oMath xmlns:m="http://schemas.openxmlformats.org/officeDocument/2006/math">
-                                <m:r>
-                                  <a:rPr lang="en-US" sz="2000" b="0" i="1" smtClean="0">
-                                    <a:latin typeface="Cambria Math" panose="02040503050406030204" pitchFamily="18" charset="0"/>
-                                  </a:rPr>
-                                  <m:t>10576</m:t>
-                                </m:r>
-                              </m:oMath>
-                            </m:oMathPara>
-                          </a14:m>
-                          <a:endParaRPr lang="en-US" sz="2000" b="0" dirty="0"/>
-                        </a:p>
-                      </a:txBody>
-                      <a:tcPr anchor="ctr">
-                        <a:lnL w="12700" cap="flat" cmpd="sng" algn="ctr">
-                          <a:solidFill>
-                            <a:schemeClr val="accent1">
-                              <a:lumMod val="50000"/>
-                            </a:schemeClr>
-                          </a:solidFill>
-                          <a:prstDash val="solid"/>
-                          <a:round/>
-                          <a:headEnd type="none" w="med" len="med"/>
-                          <a:tailEnd type="none" w="med" len="med"/>
-                        </a:lnL>
-                        <a:lnR w="12700" cap="flat" cmpd="sng" algn="ctr">
-                          <a:solidFill>
-                            <a:schemeClr val="accent1">
-                              <a:lumMod val="50000"/>
-                            </a:schemeClr>
-                          </a:solidFill>
-                          <a:prstDash val="solid"/>
-                          <a:round/>
-                          <a:headEnd type="none" w="med" len="med"/>
-                          <a:tailEnd type="none" w="med" len="med"/>
-                        </a:lnR>
-                        <a:lnT w="12700" cap="flat" cmpd="sng" algn="ctr">
-                          <a:solidFill>
-                            <a:schemeClr val="accent1">
-                              <a:lumMod val="50000"/>
-                            </a:schemeClr>
-                          </a:solidFill>
-                          <a:prstDash val="solid"/>
-                          <a:round/>
-                          <a:headEnd type="none" w="med" len="med"/>
-                          <a:tailEnd type="none" w="med" len="med"/>
-                        </a:lnT>
-                        <a:lnB w="12700" cap="flat" cmpd="sng" algn="ctr">
-                          <a:solidFill>
-                            <a:schemeClr val="accent1">
-                              <a:lumMod val="50000"/>
-                            </a:schemeClr>
-                          </a:solidFill>
-                          <a:prstDash val="solid"/>
-                          <a:round/>
-                          <a:headEnd type="none" w="med" len="med"/>
-                          <a:tailEnd type="none" w="med" len="med"/>
-                        </a:lnB>
-                      </a:tcPr>
-                    </a:tc>
-                    <a:tc>
-                      <a:txBody>
-                        <a:bodyPr/>
-                        <a:lstStyle/>
-                        <a:p>
-                          <a:pPr algn="ctr"/>
-                          <a14:m>
-                            <m:oMathPara xmlns:m="http://schemas.openxmlformats.org/officeDocument/2006/math">
-                              <m:oMathParaPr>
-                                <m:jc m:val="centerGroup"/>
-                              </m:oMathParaPr>
-                              <m:oMath xmlns:m="http://schemas.openxmlformats.org/officeDocument/2006/math">
-                                <m:r>
-                                  <a:rPr lang="en-US" sz="2000" b="0" i="1" smtClean="0">
-                                    <a:latin typeface="Cambria Math" panose="02040503050406030204" pitchFamily="18" charset="0"/>
-                                  </a:rPr>
-                                  <m:t>6</m:t>
-                                </m:r>
-                                <m:r>
-                                  <a:rPr lang="en-US" sz="2000" b="0" i="1" smtClean="0">
-                                    <a:latin typeface="Cambria Math" panose="02040503050406030204" pitchFamily="18" charset="0"/>
-                                  </a:rPr>
-                                  <m:t>𝑠𝑒𝑐</m:t>
-                                </m:r>
-                              </m:oMath>
-                            </m:oMathPara>
-                          </a14:m>
-                          <a:endParaRPr lang="en-US" sz="2000" b="0" dirty="0"/>
-                        </a:p>
-                      </a:txBody>
-                      <a:tcPr anchor="ctr">
-                        <a:lnL w="12700" cap="flat" cmpd="sng" algn="ctr">
-                          <a:solidFill>
-                            <a:schemeClr val="accent1">
-                              <a:lumMod val="50000"/>
-                            </a:schemeClr>
-                          </a:solidFill>
-                          <a:prstDash val="solid"/>
-                          <a:round/>
-                          <a:headEnd type="none" w="med" len="med"/>
-                          <a:tailEnd type="none" w="med" len="med"/>
-                        </a:lnL>
-                        <a:lnR w="12700" cap="flat" cmpd="sng" algn="ctr">
-                          <a:solidFill>
-                            <a:schemeClr val="accent1">
-                              <a:lumMod val="50000"/>
-                            </a:schemeClr>
-                          </a:solidFill>
-                          <a:prstDash val="solid"/>
-                          <a:round/>
-                          <a:headEnd type="none" w="med" len="med"/>
-                          <a:tailEnd type="none" w="med" len="med"/>
-                        </a:lnR>
-                        <a:lnT w="12700" cap="flat" cmpd="sng" algn="ctr">
-                          <a:solidFill>
-                            <a:schemeClr val="accent1">
-                              <a:lumMod val="50000"/>
-                            </a:schemeClr>
-                          </a:solidFill>
-                          <a:prstDash val="solid"/>
-                          <a:round/>
-                          <a:headEnd type="none" w="med" len="med"/>
-                          <a:tailEnd type="none" w="med" len="med"/>
-                        </a:lnT>
-                        <a:lnB w="12700" cap="flat" cmpd="sng" algn="ctr">
-                          <a:solidFill>
-                            <a:schemeClr val="accent1">
-                              <a:lumMod val="50000"/>
-                            </a:schemeClr>
-                          </a:solidFill>
-                          <a:prstDash val="solid"/>
-                          <a:round/>
-                          <a:headEnd type="none" w="med" len="med"/>
-                          <a:tailEnd type="none" w="med" len="med"/>
-                        </a:lnB>
-                      </a:tcPr>
-                    </a:tc>
-                    <a:tc>
-                      <a:txBody>
-                        <a:bodyPr/>
-                        <a:lstStyle/>
-                        <a:p>
-                          <a:pPr algn="ctr"/>
-                          <a14:m>
-                            <m:oMathPara xmlns:m="http://schemas.openxmlformats.org/officeDocument/2006/math">
-                              <m:oMathParaPr>
-                                <m:jc m:val="centerGroup"/>
-                              </m:oMathParaPr>
-                              <m:oMath xmlns:m="http://schemas.openxmlformats.org/officeDocument/2006/math">
-                                <m:r>
-                                  <a:rPr lang="en-US" sz="2000" b="0" i="1" smtClean="0">
-                                    <a:latin typeface="Cambria Math" panose="02040503050406030204" pitchFamily="18" charset="0"/>
-                                  </a:rPr>
-                                  <m:t>27</m:t>
-                                </m:r>
-                                <m:r>
-                                  <a:rPr lang="en-US" sz="2000" b="0" i="1" smtClean="0">
-                                    <a:latin typeface="Cambria Math" panose="02040503050406030204" pitchFamily="18" charset="0"/>
-                                  </a:rPr>
-                                  <m:t>𝑠𝑒𝑐</m:t>
-                                </m:r>
-                              </m:oMath>
-                            </m:oMathPara>
-                          </a14:m>
-                          <a:endParaRPr lang="en-US" sz="2000" b="0" dirty="0"/>
-                        </a:p>
-                      </a:txBody>
-                      <a:tcPr anchor="ctr">
-                        <a:lnL w="12700" cap="flat" cmpd="sng" algn="ctr">
-                          <a:solidFill>
-                            <a:schemeClr val="accent1">
-                              <a:lumMod val="50000"/>
-                            </a:schemeClr>
-                          </a:solidFill>
-                          <a:prstDash val="solid"/>
-                          <a:round/>
-                          <a:headEnd type="none" w="med" len="med"/>
-                          <a:tailEnd type="none" w="med" len="med"/>
-                        </a:lnL>
-                        <a:lnR w="12700" cap="flat" cmpd="sng" algn="ctr">
-                          <a:solidFill>
-                            <a:schemeClr val="accent1">
-                              <a:lumMod val="50000"/>
-                            </a:schemeClr>
-                          </a:solidFill>
-                          <a:prstDash val="solid"/>
-                          <a:round/>
-                          <a:headEnd type="none" w="med" len="med"/>
-                          <a:tailEnd type="none" w="med" len="med"/>
-                        </a:lnR>
-                        <a:lnT w="12700" cap="flat" cmpd="sng" algn="ctr">
-                          <a:solidFill>
-                            <a:schemeClr val="accent1">
-                              <a:lumMod val="50000"/>
-                            </a:schemeClr>
-                          </a:solidFill>
-                          <a:prstDash val="solid"/>
-                          <a:round/>
-                          <a:headEnd type="none" w="med" len="med"/>
-                          <a:tailEnd type="none" w="med" len="med"/>
-                        </a:lnT>
-                        <a:lnB w="12700" cap="flat" cmpd="sng" algn="ctr">
-                          <a:solidFill>
-                            <a:schemeClr val="accent1">
-                              <a:lumMod val="50000"/>
-                            </a:schemeClr>
-                          </a:solidFill>
-                          <a:prstDash val="solid"/>
-                          <a:round/>
-                          <a:headEnd type="none" w="med" len="med"/>
-                          <a:tailEnd type="none" w="med" len="med"/>
-                        </a:lnB>
-                      </a:tcPr>
-                    </a:tc>
-                    <a:tc>
-                      <a:txBody>
-                        <a:bodyPr/>
-                        <a:lstStyle/>
-                        <a:p>
-                          <a:pPr algn="ctr"/>
-                          <a14:m>
-                            <m:oMathPara xmlns:m="http://schemas.openxmlformats.org/officeDocument/2006/math">
-                              <m:oMathParaPr>
-                                <m:jc m:val="centerGroup"/>
-                              </m:oMathParaPr>
-                              <m:oMath xmlns:m="http://schemas.openxmlformats.org/officeDocument/2006/math">
-                                <m:r>
-                                  <a:rPr lang="en-US" sz="2000" b="0" i="1" smtClean="0">
-                                    <a:latin typeface="Cambria Math" panose="02040503050406030204" pitchFamily="18" charset="0"/>
-                                  </a:rPr>
-                                  <m:t>4</m:t>
-                                </m:r>
-                                <m:r>
-                                  <a:rPr lang="en-US" sz="2000" b="0" i="1" smtClean="0">
-                                    <a:latin typeface="Cambria Math" panose="02040503050406030204" pitchFamily="18" charset="0"/>
-                                  </a:rPr>
-                                  <m:t>.</m:t>
-                                </m:r>
-                                <m:r>
-                                  <a:rPr lang="en-US" sz="2000" b="0" i="1" smtClean="0">
-                                    <a:latin typeface="Cambria Math" panose="02040503050406030204" pitchFamily="18" charset="0"/>
-                                  </a:rPr>
-                                  <m:t>5</m:t>
-                                </m:r>
-                                <m:r>
-                                  <a:rPr lang="en-US" sz="2000" b="0" i="1" smtClean="0">
-                                    <a:latin typeface="Cambria Math" panose="02040503050406030204" pitchFamily="18" charset="0"/>
-                                  </a:rPr>
-                                  <m:t>𝑠𝑒𝑐</m:t>
-                                </m:r>
-                              </m:oMath>
-                            </m:oMathPara>
-                          </a14:m>
-                          <a:endParaRPr lang="en-US" sz="2000" b="0" dirty="0"/>
-                        </a:p>
-                      </a:txBody>
-                      <a:tcPr anchor="ctr">
-                        <a:lnL w="12700" cap="flat" cmpd="sng" algn="ctr">
-                          <a:solidFill>
-                            <a:schemeClr val="accent1">
-                              <a:lumMod val="50000"/>
-                            </a:schemeClr>
-                          </a:solidFill>
-                          <a:prstDash val="solid"/>
-                          <a:round/>
-                          <a:headEnd type="none" w="med" len="med"/>
-                          <a:tailEnd type="none" w="med" len="med"/>
-                        </a:lnL>
-                        <a:lnR w="12700" cap="flat" cmpd="sng" algn="ctr">
-                          <a:solidFill>
-                            <a:schemeClr val="accent1">
-                              <a:lumMod val="50000"/>
-                            </a:schemeClr>
-                          </a:solidFill>
-                          <a:prstDash val="solid"/>
-                          <a:round/>
-                          <a:headEnd type="none" w="med" len="med"/>
-                          <a:tailEnd type="none" w="med" len="med"/>
-                        </a:lnR>
-                        <a:lnT w="12700" cap="flat" cmpd="sng" algn="ctr">
-                          <a:solidFill>
-                            <a:schemeClr val="accent1">
-                              <a:lumMod val="50000"/>
-                            </a:schemeClr>
-                          </a:solidFill>
-                          <a:prstDash val="solid"/>
-                          <a:round/>
-                          <a:headEnd type="none" w="med" len="med"/>
-                          <a:tailEnd type="none" w="med" len="med"/>
-                        </a:lnT>
-                        <a:lnB w="12700" cap="flat" cmpd="sng" algn="ctr">
-                          <a:solidFill>
-                            <a:schemeClr val="accent1">
-                              <a:lumMod val="50000"/>
-                            </a:schemeClr>
-                          </a:solidFill>
-                          <a:prstDash val="solid"/>
-                          <a:round/>
-                          <a:headEnd type="none" w="med" len="med"/>
-                          <a:tailEnd type="none" w="med" len="med"/>
-                        </a:lnB>
-                      </a:tcPr>
-                    </a:tc>
-                    <a:tc>
-                      <a:txBody>
-                        <a:bodyPr/>
-                        <a:lstStyle/>
-                        <a:p>
-                          <a:pPr algn="ctr"/>
-                          <a14:m>
-                            <m:oMathPara xmlns:m="http://schemas.openxmlformats.org/officeDocument/2006/math">
-                              <m:oMathParaPr>
-                                <m:jc m:val="centerGroup"/>
-                              </m:oMathParaPr>
-                              <m:oMath xmlns:m="http://schemas.openxmlformats.org/officeDocument/2006/math">
-                                <m:r>
-                                  <a:rPr lang="en-US" sz="2000" b="0" i="1" smtClean="0">
-                                    <a:latin typeface="Cambria Math" panose="02040503050406030204" pitchFamily="18" charset="0"/>
-                                  </a:rPr>
-                                  <m:t>18</m:t>
-                                </m:r>
-                                <m:r>
-                                  <a:rPr lang="en-US" sz="2000" b="0" i="1" smtClean="0">
-                                    <a:latin typeface="Cambria Math" panose="02040503050406030204" pitchFamily="18" charset="0"/>
-                                  </a:rPr>
-                                  <m:t>.</m:t>
-                                </m:r>
-                                <m:r>
-                                  <a:rPr lang="en-US" sz="2000" b="0" i="1" smtClean="0">
-                                    <a:latin typeface="Cambria Math" panose="02040503050406030204" pitchFamily="18" charset="0"/>
-                                  </a:rPr>
-                                  <m:t>8</m:t>
-                                </m:r>
-                                <m:r>
-                                  <a:rPr lang="en-US" sz="2000" b="0" i="1" smtClean="0">
-                                    <a:latin typeface="Cambria Math" panose="02040503050406030204" pitchFamily="18" charset="0"/>
-                                  </a:rPr>
-                                  <m:t>𝑠𝑒𝑐</m:t>
-                                </m:r>
-                              </m:oMath>
-                            </m:oMathPara>
-                          </a14:m>
-                          <a:endParaRPr lang="en-US" sz="2000" b="0" dirty="0"/>
-                        </a:p>
-                      </a:txBody>
-                      <a:tcPr anchor="ctr">
-                        <a:lnL w="12700" cap="flat" cmpd="sng" algn="ctr">
-                          <a:solidFill>
-                            <a:schemeClr val="accent1">
-                              <a:lumMod val="50000"/>
-                            </a:schemeClr>
-                          </a:solidFill>
-                          <a:prstDash val="solid"/>
-                          <a:round/>
-                          <a:headEnd type="none" w="med" len="med"/>
-                          <a:tailEnd type="none" w="med" len="med"/>
-                        </a:lnL>
-                        <a:lnR w="12700" cap="flat" cmpd="sng" algn="ctr">
-                          <a:solidFill>
-                            <a:schemeClr val="accent1">
-                              <a:lumMod val="50000"/>
-                            </a:schemeClr>
-                          </a:solidFill>
-                          <a:prstDash val="solid"/>
-                          <a:round/>
-                          <a:headEnd type="none" w="med" len="med"/>
-                          <a:tailEnd type="none" w="med" len="med"/>
-                        </a:lnR>
-                        <a:lnT w="12700" cap="flat" cmpd="sng" algn="ctr">
-                          <a:solidFill>
-                            <a:schemeClr val="accent1">
-                              <a:lumMod val="50000"/>
-                            </a:schemeClr>
-                          </a:solidFill>
-                          <a:prstDash val="solid"/>
-                          <a:round/>
-                          <a:headEnd type="none" w="med" len="med"/>
-                          <a:tailEnd type="none" w="med" len="med"/>
-                        </a:lnT>
-                        <a:lnB w="12700" cap="flat" cmpd="sng" algn="ctr">
-                          <a:solidFill>
-                            <a:schemeClr val="accent1">
-                              <a:lumMod val="50000"/>
-                            </a:schemeClr>
-                          </a:solidFill>
-                          <a:prstDash val="solid"/>
-                          <a:round/>
-                          <a:headEnd type="none" w="med" len="med"/>
-                          <a:tailEnd type="none" w="med" len="med"/>
-                        </a:lnB>
-                      </a:tcPr>
-                    </a:tc>
-                    <a:extLst>
-                      <a:ext uri="{0D108BD9-81ED-4DB2-BD59-A6C34878D82A}">
-                        <a16:rowId xmlns:a16="http://schemas.microsoft.com/office/drawing/2014/main" val="903200076"/>
+                        <a16:rowId xmlns:a16="http://schemas.microsoft.com/office/drawing/2014/main" val="1547519088"/>
                       </a:ext>
                     </a:extLst>
                   </a:tr>
@@ -33818,14 +33818,14 @@
               <p:nvPr>
                 <p:extLst>
                   <p:ext uri="{D42A27DB-BD31-4B8C-83A1-F6EECF244321}">
-                    <p14:modId xmlns:p14="http://schemas.microsoft.com/office/powerpoint/2010/main" val="1147520456"/>
+                    <p14:modId xmlns:p14="http://schemas.microsoft.com/office/powerpoint/2010/main" val="2748628992"/>
                   </p:ext>
                 </p:extLst>
               </p:nvPr>
             </p:nvGraphicFramePr>
             <p:xfrm>
-              <a:off x="521854" y="1690688"/>
-              <a:ext cx="11148291" cy="4802190"/>
+              <a:off x="521854" y="1601911"/>
+              <a:ext cx="11148291" cy="4730066"/>
             </p:xfrm>
             <a:graphic>
               <a:graphicData uri="http://schemas.openxmlformats.org/drawingml/2006/table">
@@ -33955,7 +33955,7 @@
                         <a:blipFill>
                           <a:blip r:embed="rId2"/>
                           <a:stretch>
-                            <a:fillRect l="-3759" t="-10606" r="-1287218" b="-502273"/>
+                            <a:fillRect l="-3759" t="-10687" r="-1287218" b="-497710"/>
                           </a:stretch>
                         </a:blipFill>
                       </a:tcPr>
@@ -34016,7 +34016,7 @@
                         <a:blipFill>
                           <a:blip r:embed="rId2"/>
                           <a:stretch>
-                            <a:fillRect l="-104545" t="-10606" r="-1196970" b="-502273"/>
+                            <a:fillRect l="-104545" t="-10687" r="-1196970" b="-497710"/>
                           </a:stretch>
                         </a:blipFill>
                       </a:tcPr>
@@ -34077,7 +34077,7 @@
                         <a:blipFill>
                           <a:blip r:embed="rId2"/>
                           <a:stretch>
-                            <a:fillRect l="-203008" t="-10606" r="-1087970" b="-502273"/>
+                            <a:fillRect l="-203008" t="-10687" r="-1087970" b="-497710"/>
                           </a:stretch>
                         </a:blipFill>
                       </a:tcPr>
@@ -34485,7 +34485,7 @@
                         <a:blipFill>
                           <a:blip r:embed="rId2"/>
                           <a:stretch>
-                            <a:fillRect l="-3759" t="-111450" r="-1287218" b="-406107"/>
+                            <a:fillRect l="-3759" t="-109848" r="-1287218" b="-393939"/>
                           </a:stretch>
                         </a:blipFill>
                       </a:tcPr>
@@ -34546,7 +34546,7 @@
                         <a:blipFill>
                           <a:blip r:embed="rId2"/>
                           <a:stretch>
-                            <a:fillRect l="-104545" t="-111450" r="-1196970" b="-406107"/>
+                            <a:fillRect l="-104545" t="-109848" r="-1196970" b="-393939"/>
                           </a:stretch>
                         </a:blipFill>
                       </a:tcPr>
@@ -34607,7 +34607,7 @@
                         <a:blipFill>
                           <a:blip r:embed="rId2"/>
                           <a:stretch>
-                            <a:fillRect l="-203008" t="-111450" r="-1087970" b="-406107"/>
+                            <a:fillRect l="-203008" t="-109848" r="-1087970" b="-393939"/>
                           </a:stretch>
                         </a:blipFill>
                       </a:tcPr>
@@ -34668,7 +34668,7 @@
                         <a:blipFill>
                           <a:blip r:embed="rId2"/>
                           <a:stretch>
-                            <a:fillRect l="-140418" t="-111450" r="-404181" b="-406107"/>
+                            <a:fillRect l="-140418" t="-109848" r="-404181" b="-393939"/>
                           </a:stretch>
                         </a:blipFill>
                       </a:tcPr>
@@ -34729,7 +34729,7 @@
                         <a:blipFill>
                           <a:blip r:embed="rId2"/>
                           <a:stretch>
-                            <a:fillRect l="-241259" t="-111450" r="-305594" b="-406107"/>
+                            <a:fillRect l="-241259" t="-109848" r="-305594" b="-393939"/>
                           </a:stretch>
                         </a:blipFill>
                       </a:tcPr>
@@ -34790,7 +34790,7 @@
                         <a:blipFill>
                           <a:blip r:embed="rId2"/>
                           <a:stretch>
-                            <a:fillRect l="-341259" t="-111450" r="-205594" b="-406107"/>
+                            <a:fillRect l="-341259" t="-109848" r="-205594" b="-393939"/>
                           </a:stretch>
                         </a:blipFill>
                       </a:tcPr>
@@ -34851,7 +34851,7 @@
                         <a:blipFill>
                           <a:blip r:embed="rId2"/>
                           <a:stretch>
-                            <a:fillRect l="-439721" t="-111450" r="-104878" b="-406107"/>
+                            <a:fillRect l="-439721" t="-109848" r="-104878" b="-393939"/>
                           </a:stretch>
                         </a:blipFill>
                       </a:tcPr>
@@ -34912,7 +34912,7 @@
                         <a:blipFill>
                           <a:blip r:embed="rId2"/>
                           <a:stretch>
-                            <a:fillRect l="-541608" t="-111450" r="-5245" b="-406107"/>
+                            <a:fillRect l="-541608" t="-109848" r="-5245" b="-393939"/>
                           </a:stretch>
                         </a:blipFill>
                       </a:tcPr>
@@ -34920,6 +34920,996 @@
                     <a:extLst>
                       <a:ext uri="{0D108BD9-81ED-4DB2-BD59-A6C34878D82A}">
                         <a16:rowId xmlns:a16="http://schemas.microsoft.com/office/drawing/2014/main" val="78242782"/>
+                      </a:ext>
+                    </a:extLst>
+                  </a:tr>
+                  <a:tr h="764303">
+                    <a:tc>
+                      <a:txBody>
+                        <a:bodyPr/>
+                        <a:lstStyle/>
+                        <a:p>
+                          <a:endParaRPr lang="en-US"/>
+                        </a:p>
+                      </a:txBody>
+                      <a:tcPr anchor="ctr">
+                        <a:lnL w="12700" cap="flat" cmpd="sng" algn="ctr">
+                          <a:solidFill>
+                            <a:schemeClr val="accent1">
+                              <a:lumMod val="50000"/>
+                            </a:schemeClr>
+                          </a:solidFill>
+                          <a:prstDash val="solid"/>
+                          <a:round/>
+                          <a:headEnd type="none" w="med" len="med"/>
+                          <a:tailEnd type="none" w="med" len="med"/>
+                        </a:lnL>
+                        <a:lnR w="12700" cap="flat" cmpd="sng" algn="ctr">
+                          <a:solidFill>
+                            <a:schemeClr val="accent1">
+                              <a:lumMod val="50000"/>
+                            </a:schemeClr>
+                          </a:solidFill>
+                          <a:prstDash val="solid"/>
+                          <a:round/>
+                          <a:headEnd type="none" w="med" len="med"/>
+                          <a:tailEnd type="none" w="med" len="med"/>
+                        </a:lnR>
+                        <a:lnT w="12700" cap="flat" cmpd="sng" algn="ctr">
+                          <a:solidFill>
+                            <a:schemeClr val="accent1">
+                              <a:lumMod val="50000"/>
+                            </a:schemeClr>
+                          </a:solidFill>
+                          <a:prstDash val="solid"/>
+                          <a:round/>
+                          <a:headEnd type="none" w="med" len="med"/>
+                          <a:tailEnd type="none" w="med" len="med"/>
+                        </a:lnT>
+                        <a:lnB w="12700" cap="flat" cmpd="sng" algn="ctr">
+                          <a:solidFill>
+                            <a:schemeClr val="accent1">
+                              <a:lumMod val="50000"/>
+                            </a:schemeClr>
+                          </a:solidFill>
+                          <a:prstDash val="solid"/>
+                          <a:round/>
+                          <a:headEnd type="none" w="med" len="med"/>
+                          <a:tailEnd type="none" w="med" len="med"/>
+                        </a:lnB>
+                        <a:blipFill>
+                          <a:blip r:embed="rId2"/>
+                          <a:stretch>
+                            <a:fillRect l="-3759" t="-219841" r="-1287218" b="-312698"/>
+                          </a:stretch>
+                        </a:blipFill>
+                      </a:tcPr>
+                    </a:tc>
+                    <a:tc>
+                      <a:txBody>
+                        <a:bodyPr/>
+                        <a:lstStyle/>
+                        <a:p>
+                          <a:endParaRPr lang="en-US"/>
+                        </a:p>
+                      </a:txBody>
+                      <a:tcPr anchor="ctr">
+                        <a:lnL w="12700" cap="flat" cmpd="sng" algn="ctr">
+                          <a:solidFill>
+                            <a:schemeClr val="accent1">
+                              <a:lumMod val="50000"/>
+                            </a:schemeClr>
+                          </a:solidFill>
+                          <a:prstDash val="solid"/>
+                          <a:round/>
+                          <a:headEnd type="none" w="med" len="med"/>
+                          <a:tailEnd type="none" w="med" len="med"/>
+                        </a:lnL>
+                        <a:lnR w="12700" cap="flat" cmpd="sng" algn="ctr">
+                          <a:solidFill>
+                            <a:schemeClr val="accent1">
+                              <a:lumMod val="50000"/>
+                            </a:schemeClr>
+                          </a:solidFill>
+                          <a:prstDash val="solid"/>
+                          <a:round/>
+                          <a:headEnd type="none" w="med" len="med"/>
+                          <a:tailEnd type="none" w="med" len="med"/>
+                        </a:lnR>
+                        <a:lnT w="12700" cap="flat" cmpd="sng" algn="ctr">
+                          <a:solidFill>
+                            <a:schemeClr val="accent1">
+                              <a:lumMod val="50000"/>
+                            </a:schemeClr>
+                          </a:solidFill>
+                          <a:prstDash val="solid"/>
+                          <a:round/>
+                          <a:headEnd type="none" w="med" len="med"/>
+                          <a:tailEnd type="none" w="med" len="med"/>
+                        </a:lnT>
+                        <a:lnB w="12700" cap="flat" cmpd="sng" algn="ctr">
+                          <a:solidFill>
+                            <a:schemeClr val="accent1">
+                              <a:lumMod val="50000"/>
+                            </a:schemeClr>
+                          </a:solidFill>
+                          <a:prstDash val="solid"/>
+                          <a:round/>
+                          <a:headEnd type="none" w="med" len="med"/>
+                          <a:tailEnd type="none" w="med" len="med"/>
+                        </a:lnB>
+                        <a:blipFill>
+                          <a:blip r:embed="rId2"/>
+                          <a:stretch>
+                            <a:fillRect l="-104545" t="-219841" r="-1196970" b="-312698"/>
+                          </a:stretch>
+                        </a:blipFill>
+                      </a:tcPr>
+                    </a:tc>
+                    <a:tc>
+                      <a:txBody>
+                        <a:bodyPr/>
+                        <a:lstStyle/>
+                        <a:p>
+                          <a:endParaRPr lang="en-US"/>
+                        </a:p>
+                      </a:txBody>
+                      <a:tcPr anchor="ctr">
+                        <a:lnL w="12700" cap="flat" cmpd="sng" algn="ctr">
+                          <a:solidFill>
+                            <a:schemeClr val="accent1">
+                              <a:lumMod val="50000"/>
+                            </a:schemeClr>
+                          </a:solidFill>
+                          <a:prstDash val="solid"/>
+                          <a:round/>
+                          <a:headEnd type="none" w="med" len="med"/>
+                          <a:tailEnd type="none" w="med" len="med"/>
+                        </a:lnL>
+                        <a:lnR w="12700" cap="flat" cmpd="sng" algn="ctr">
+                          <a:solidFill>
+                            <a:schemeClr val="accent1">
+                              <a:lumMod val="50000"/>
+                            </a:schemeClr>
+                          </a:solidFill>
+                          <a:prstDash val="solid"/>
+                          <a:round/>
+                          <a:headEnd type="none" w="med" len="med"/>
+                          <a:tailEnd type="none" w="med" len="med"/>
+                        </a:lnR>
+                        <a:lnT w="12700" cap="flat" cmpd="sng" algn="ctr">
+                          <a:solidFill>
+                            <a:schemeClr val="accent1">
+                              <a:lumMod val="50000"/>
+                            </a:schemeClr>
+                          </a:solidFill>
+                          <a:prstDash val="solid"/>
+                          <a:round/>
+                          <a:headEnd type="none" w="med" len="med"/>
+                          <a:tailEnd type="none" w="med" len="med"/>
+                        </a:lnT>
+                        <a:lnB w="12700" cap="flat" cmpd="sng" algn="ctr">
+                          <a:solidFill>
+                            <a:schemeClr val="accent1">
+                              <a:lumMod val="50000"/>
+                            </a:schemeClr>
+                          </a:solidFill>
+                          <a:prstDash val="solid"/>
+                          <a:round/>
+                          <a:headEnd type="none" w="med" len="med"/>
+                          <a:tailEnd type="none" w="med" len="med"/>
+                        </a:lnB>
+                        <a:blipFill>
+                          <a:blip r:embed="rId2"/>
+                          <a:stretch>
+                            <a:fillRect l="-203008" t="-219841" r="-1087970" b="-312698"/>
+                          </a:stretch>
+                        </a:blipFill>
+                      </a:tcPr>
+                    </a:tc>
+                    <a:tc>
+                      <a:txBody>
+                        <a:bodyPr/>
+                        <a:lstStyle/>
+                        <a:p>
+                          <a:endParaRPr lang="en-US"/>
+                        </a:p>
+                      </a:txBody>
+                      <a:tcPr anchor="ctr">
+                        <a:lnL w="12700" cap="flat" cmpd="sng" algn="ctr">
+                          <a:solidFill>
+                            <a:schemeClr val="accent1">
+                              <a:lumMod val="50000"/>
+                            </a:schemeClr>
+                          </a:solidFill>
+                          <a:prstDash val="solid"/>
+                          <a:round/>
+                          <a:headEnd type="none" w="med" len="med"/>
+                          <a:tailEnd type="none" w="med" len="med"/>
+                        </a:lnL>
+                        <a:lnR w="12700" cap="flat" cmpd="sng" algn="ctr">
+                          <a:solidFill>
+                            <a:schemeClr val="accent1">
+                              <a:lumMod val="50000"/>
+                            </a:schemeClr>
+                          </a:solidFill>
+                          <a:prstDash val="solid"/>
+                          <a:round/>
+                          <a:headEnd type="none" w="med" len="med"/>
+                          <a:tailEnd type="none" w="med" len="med"/>
+                        </a:lnR>
+                        <a:lnT w="12700" cap="flat" cmpd="sng" algn="ctr">
+                          <a:solidFill>
+                            <a:schemeClr val="accent1">
+                              <a:lumMod val="50000"/>
+                            </a:schemeClr>
+                          </a:solidFill>
+                          <a:prstDash val="solid"/>
+                          <a:round/>
+                          <a:headEnd type="none" w="med" len="med"/>
+                          <a:tailEnd type="none" w="med" len="med"/>
+                        </a:lnT>
+                        <a:lnB w="12700" cap="flat" cmpd="sng" algn="ctr">
+                          <a:solidFill>
+                            <a:schemeClr val="accent1">
+                              <a:lumMod val="50000"/>
+                            </a:schemeClr>
+                          </a:solidFill>
+                          <a:prstDash val="solid"/>
+                          <a:round/>
+                          <a:headEnd type="none" w="med" len="med"/>
+                          <a:tailEnd type="none" w="med" len="med"/>
+                        </a:lnB>
+                        <a:blipFill>
+                          <a:blip r:embed="rId2"/>
+                          <a:stretch>
+                            <a:fillRect l="-140418" t="-219841" r="-404181" b="-312698"/>
+                          </a:stretch>
+                        </a:blipFill>
+                      </a:tcPr>
+                    </a:tc>
+                    <a:tc>
+                      <a:txBody>
+                        <a:bodyPr/>
+                        <a:lstStyle/>
+                        <a:p>
+                          <a:endParaRPr lang="en-US"/>
+                        </a:p>
+                      </a:txBody>
+                      <a:tcPr anchor="ctr">
+                        <a:lnL w="12700" cap="flat" cmpd="sng" algn="ctr">
+                          <a:solidFill>
+                            <a:schemeClr val="accent1">
+                              <a:lumMod val="50000"/>
+                            </a:schemeClr>
+                          </a:solidFill>
+                          <a:prstDash val="solid"/>
+                          <a:round/>
+                          <a:headEnd type="none" w="med" len="med"/>
+                          <a:tailEnd type="none" w="med" len="med"/>
+                        </a:lnL>
+                        <a:lnR w="12700" cap="flat" cmpd="sng" algn="ctr">
+                          <a:solidFill>
+                            <a:schemeClr val="accent1">
+                              <a:lumMod val="50000"/>
+                            </a:schemeClr>
+                          </a:solidFill>
+                          <a:prstDash val="solid"/>
+                          <a:round/>
+                          <a:headEnd type="none" w="med" len="med"/>
+                          <a:tailEnd type="none" w="med" len="med"/>
+                        </a:lnR>
+                        <a:lnT w="12700" cap="flat" cmpd="sng" algn="ctr">
+                          <a:solidFill>
+                            <a:schemeClr val="accent1">
+                              <a:lumMod val="50000"/>
+                            </a:schemeClr>
+                          </a:solidFill>
+                          <a:prstDash val="solid"/>
+                          <a:round/>
+                          <a:headEnd type="none" w="med" len="med"/>
+                          <a:tailEnd type="none" w="med" len="med"/>
+                        </a:lnT>
+                        <a:lnB w="12700" cap="flat" cmpd="sng" algn="ctr">
+                          <a:solidFill>
+                            <a:schemeClr val="accent1">
+                              <a:lumMod val="50000"/>
+                            </a:schemeClr>
+                          </a:solidFill>
+                          <a:prstDash val="solid"/>
+                          <a:round/>
+                          <a:headEnd type="none" w="med" len="med"/>
+                          <a:tailEnd type="none" w="med" len="med"/>
+                        </a:lnB>
+                        <a:blipFill>
+                          <a:blip r:embed="rId2"/>
+                          <a:stretch>
+                            <a:fillRect l="-241259" t="-219841" r="-305594" b="-312698"/>
+                          </a:stretch>
+                        </a:blipFill>
+                      </a:tcPr>
+                    </a:tc>
+                    <a:tc>
+                      <a:txBody>
+                        <a:bodyPr/>
+                        <a:lstStyle/>
+                        <a:p>
+                          <a:endParaRPr lang="en-US"/>
+                        </a:p>
+                      </a:txBody>
+                      <a:tcPr anchor="ctr">
+                        <a:lnL w="12700" cap="flat" cmpd="sng" algn="ctr">
+                          <a:solidFill>
+                            <a:schemeClr val="accent1">
+                              <a:lumMod val="50000"/>
+                            </a:schemeClr>
+                          </a:solidFill>
+                          <a:prstDash val="solid"/>
+                          <a:round/>
+                          <a:headEnd type="none" w="med" len="med"/>
+                          <a:tailEnd type="none" w="med" len="med"/>
+                        </a:lnL>
+                        <a:lnR w="12700" cap="flat" cmpd="sng" algn="ctr">
+                          <a:solidFill>
+                            <a:schemeClr val="accent1">
+                              <a:lumMod val="50000"/>
+                            </a:schemeClr>
+                          </a:solidFill>
+                          <a:prstDash val="solid"/>
+                          <a:round/>
+                          <a:headEnd type="none" w="med" len="med"/>
+                          <a:tailEnd type="none" w="med" len="med"/>
+                        </a:lnR>
+                        <a:lnT w="12700" cap="flat" cmpd="sng" algn="ctr">
+                          <a:solidFill>
+                            <a:schemeClr val="accent1">
+                              <a:lumMod val="50000"/>
+                            </a:schemeClr>
+                          </a:solidFill>
+                          <a:prstDash val="solid"/>
+                          <a:round/>
+                          <a:headEnd type="none" w="med" len="med"/>
+                          <a:tailEnd type="none" w="med" len="med"/>
+                        </a:lnT>
+                        <a:lnB w="12700" cap="flat" cmpd="sng" algn="ctr">
+                          <a:solidFill>
+                            <a:schemeClr val="accent1">
+                              <a:lumMod val="50000"/>
+                            </a:schemeClr>
+                          </a:solidFill>
+                          <a:prstDash val="solid"/>
+                          <a:round/>
+                          <a:headEnd type="none" w="med" len="med"/>
+                          <a:tailEnd type="none" w="med" len="med"/>
+                        </a:lnB>
+                        <a:blipFill>
+                          <a:blip r:embed="rId2"/>
+                          <a:stretch>
+                            <a:fillRect l="-341259" t="-219841" r="-205594" b="-312698"/>
+                          </a:stretch>
+                        </a:blipFill>
+                      </a:tcPr>
+                    </a:tc>
+                    <a:tc>
+                      <a:txBody>
+                        <a:bodyPr/>
+                        <a:lstStyle/>
+                        <a:p>
+                          <a:endParaRPr lang="en-US"/>
+                        </a:p>
+                      </a:txBody>
+                      <a:tcPr anchor="ctr">
+                        <a:lnL w="12700" cap="flat" cmpd="sng" algn="ctr">
+                          <a:solidFill>
+                            <a:schemeClr val="accent1">
+                              <a:lumMod val="50000"/>
+                            </a:schemeClr>
+                          </a:solidFill>
+                          <a:prstDash val="solid"/>
+                          <a:round/>
+                          <a:headEnd type="none" w="med" len="med"/>
+                          <a:tailEnd type="none" w="med" len="med"/>
+                        </a:lnL>
+                        <a:lnR w="12700" cap="flat" cmpd="sng" algn="ctr">
+                          <a:solidFill>
+                            <a:schemeClr val="accent1">
+                              <a:lumMod val="50000"/>
+                            </a:schemeClr>
+                          </a:solidFill>
+                          <a:prstDash val="solid"/>
+                          <a:round/>
+                          <a:headEnd type="none" w="med" len="med"/>
+                          <a:tailEnd type="none" w="med" len="med"/>
+                        </a:lnR>
+                        <a:lnT w="12700" cap="flat" cmpd="sng" algn="ctr">
+                          <a:solidFill>
+                            <a:schemeClr val="accent1">
+                              <a:lumMod val="50000"/>
+                            </a:schemeClr>
+                          </a:solidFill>
+                          <a:prstDash val="solid"/>
+                          <a:round/>
+                          <a:headEnd type="none" w="med" len="med"/>
+                          <a:tailEnd type="none" w="med" len="med"/>
+                        </a:lnT>
+                        <a:lnB w="12700" cap="flat" cmpd="sng" algn="ctr">
+                          <a:solidFill>
+                            <a:schemeClr val="accent1">
+                              <a:lumMod val="50000"/>
+                            </a:schemeClr>
+                          </a:solidFill>
+                          <a:prstDash val="solid"/>
+                          <a:round/>
+                          <a:headEnd type="none" w="med" len="med"/>
+                          <a:tailEnd type="none" w="med" len="med"/>
+                        </a:lnB>
+                        <a:blipFill>
+                          <a:blip r:embed="rId2"/>
+                          <a:stretch>
+                            <a:fillRect l="-439721" t="-219841" r="-104878" b="-312698"/>
+                          </a:stretch>
+                        </a:blipFill>
+                      </a:tcPr>
+                    </a:tc>
+                    <a:tc>
+                      <a:txBody>
+                        <a:bodyPr/>
+                        <a:lstStyle/>
+                        <a:p>
+                          <a:endParaRPr lang="en-US"/>
+                        </a:p>
+                      </a:txBody>
+                      <a:tcPr anchor="ctr">
+                        <a:lnL w="12700" cap="flat" cmpd="sng" algn="ctr">
+                          <a:solidFill>
+                            <a:schemeClr val="accent1">
+                              <a:lumMod val="50000"/>
+                            </a:schemeClr>
+                          </a:solidFill>
+                          <a:prstDash val="solid"/>
+                          <a:round/>
+                          <a:headEnd type="none" w="med" len="med"/>
+                          <a:tailEnd type="none" w="med" len="med"/>
+                        </a:lnL>
+                        <a:lnR w="12700" cap="flat" cmpd="sng" algn="ctr">
+                          <a:solidFill>
+                            <a:schemeClr val="accent1">
+                              <a:lumMod val="50000"/>
+                            </a:schemeClr>
+                          </a:solidFill>
+                          <a:prstDash val="solid"/>
+                          <a:round/>
+                          <a:headEnd type="none" w="med" len="med"/>
+                          <a:tailEnd type="none" w="med" len="med"/>
+                        </a:lnR>
+                        <a:lnT w="12700" cap="flat" cmpd="sng" algn="ctr">
+                          <a:solidFill>
+                            <a:schemeClr val="accent1">
+                              <a:lumMod val="50000"/>
+                            </a:schemeClr>
+                          </a:solidFill>
+                          <a:prstDash val="solid"/>
+                          <a:round/>
+                          <a:headEnd type="none" w="med" len="med"/>
+                          <a:tailEnd type="none" w="med" len="med"/>
+                        </a:lnT>
+                        <a:lnB w="12700" cap="flat" cmpd="sng" algn="ctr">
+                          <a:solidFill>
+                            <a:schemeClr val="accent1">
+                              <a:lumMod val="50000"/>
+                            </a:schemeClr>
+                          </a:solidFill>
+                          <a:prstDash val="solid"/>
+                          <a:round/>
+                          <a:headEnd type="none" w="med" len="med"/>
+                          <a:tailEnd type="none" w="med" len="med"/>
+                        </a:lnB>
+                        <a:blipFill>
+                          <a:blip r:embed="rId2"/>
+                          <a:stretch>
+                            <a:fillRect l="-541608" t="-219841" r="-5245" b="-312698"/>
+                          </a:stretch>
+                        </a:blipFill>
+                      </a:tcPr>
+                    </a:tc>
+                    <a:extLst>
+                      <a:ext uri="{0D108BD9-81ED-4DB2-BD59-A6C34878D82A}">
+                        <a16:rowId xmlns:a16="http://schemas.microsoft.com/office/drawing/2014/main" val="903200076"/>
+                      </a:ext>
+                    </a:extLst>
+                  </a:tr>
+                  <a:tr h="764303">
+                    <a:tc>
+                      <a:txBody>
+                        <a:bodyPr/>
+                        <a:lstStyle/>
+                        <a:p>
+                          <a:endParaRPr lang="en-US"/>
+                        </a:p>
+                      </a:txBody>
+                      <a:tcPr anchor="ctr">
+                        <a:lnL w="12700" cap="flat" cmpd="sng" algn="ctr">
+                          <a:solidFill>
+                            <a:schemeClr val="accent1">
+                              <a:lumMod val="50000"/>
+                            </a:schemeClr>
+                          </a:solidFill>
+                          <a:prstDash val="solid"/>
+                          <a:round/>
+                          <a:headEnd type="none" w="med" len="med"/>
+                          <a:tailEnd type="none" w="med" len="med"/>
+                        </a:lnL>
+                        <a:lnR w="12700" cap="flat" cmpd="sng" algn="ctr">
+                          <a:solidFill>
+                            <a:schemeClr val="accent1">
+                              <a:lumMod val="50000"/>
+                            </a:schemeClr>
+                          </a:solidFill>
+                          <a:prstDash val="solid"/>
+                          <a:round/>
+                          <a:headEnd type="none" w="med" len="med"/>
+                          <a:tailEnd type="none" w="med" len="med"/>
+                        </a:lnR>
+                        <a:lnT w="12700" cap="flat" cmpd="sng" algn="ctr">
+                          <a:solidFill>
+                            <a:schemeClr val="accent1">
+                              <a:lumMod val="50000"/>
+                            </a:schemeClr>
+                          </a:solidFill>
+                          <a:prstDash val="solid"/>
+                          <a:round/>
+                          <a:headEnd type="none" w="med" len="med"/>
+                          <a:tailEnd type="none" w="med" len="med"/>
+                        </a:lnT>
+                        <a:lnB w="12700" cap="flat" cmpd="sng" algn="ctr">
+                          <a:solidFill>
+                            <a:schemeClr val="accent1">
+                              <a:lumMod val="50000"/>
+                            </a:schemeClr>
+                          </a:solidFill>
+                          <a:prstDash val="solid"/>
+                          <a:round/>
+                          <a:headEnd type="none" w="med" len="med"/>
+                          <a:tailEnd type="none" w="med" len="med"/>
+                        </a:lnB>
+                        <a:blipFill>
+                          <a:blip r:embed="rId2"/>
+                          <a:stretch>
+                            <a:fillRect l="-3759" t="-322400" r="-1287218" b="-215200"/>
+                          </a:stretch>
+                        </a:blipFill>
+                      </a:tcPr>
+                    </a:tc>
+                    <a:tc>
+                      <a:txBody>
+                        <a:bodyPr/>
+                        <a:lstStyle/>
+                        <a:p>
+                          <a:endParaRPr lang="en-US"/>
+                        </a:p>
+                      </a:txBody>
+                      <a:tcPr anchor="ctr">
+                        <a:lnL w="12700" cap="flat" cmpd="sng" algn="ctr">
+                          <a:solidFill>
+                            <a:schemeClr val="accent1">
+                              <a:lumMod val="50000"/>
+                            </a:schemeClr>
+                          </a:solidFill>
+                          <a:prstDash val="solid"/>
+                          <a:round/>
+                          <a:headEnd type="none" w="med" len="med"/>
+                          <a:tailEnd type="none" w="med" len="med"/>
+                        </a:lnL>
+                        <a:lnR w="12700" cap="flat" cmpd="sng" algn="ctr">
+                          <a:solidFill>
+                            <a:schemeClr val="accent1">
+                              <a:lumMod val="50000"/>
+                            </a:schemeClr>
+                          </a:solidFill>
+                          <a:prstDash val="solid"/>
+                          <a:round/>
+                          <a:headEnd type="none" w="med" len="med"/>
+                          <a:tailEnd type="none" w="med" len="med"/>
+                        </a:lnR>
+                        <a:lnT w="12700" cap="flat" cmpd="sng" algn="ctr">
+                          <a:solidFill>
+                            <a:schemeClr val="accent1">
+                              <a:lumMod val="50000"/>
+                            </a:schemeClr>
+                          </a:solidFill>
+                          <a:prstDash val="solid"/>
+                          <a:round/>
+                          <a:headEnd type="none" w="med" len="med"/>
+                          <a:tailEnd type="none" w="med" len="med"/>
+                        </a:lnT>
+                        <a:lnB w="12700" cap="flat" cmpd="sng" algn="ctr">
+                          <a:solidFill>
+                            <a:schemeClr val="accent1">
+                              <a:lumMod val="50000"/>
+                            </a:schemeClr>
+                          </a:solidFill>
+                          <a:prstDash val="solid"/>
+                          <a:round/>
+                          <a:headEnd type="none" w="med" len="med"/>
+                          <a:tailEnd type="none" w="med" len="med"/>
+                        </a:lnB>
+                        <a:blipFill>
+                          <a:blip r:embed="rId2"/>
+                          <a:stretch>
+                            <a:fillRect l="-104545" t="-322400" r="-1196970" b="-215200"/>
+                          </a:stretch>
+                        </a:blipFill>
+                      </a:tcPr>
+                    </a:tc>
+                    <a:tc>
+                      <a:txBody>
+                        <a:bodyPr/>
+                        <a:lstStyle/>
+                        <a:p>
+                          <a:endParaRPr lang="en-US"/>
+                        </a:p>
+                      </a:txBody>
+                      <a:tcPr anchor="ctr">
+                        <a:lnL w="12700" cap="flat" cmpd="sng" algn="ctr">
+                          <a:solidFill>
+                            <a:schemeClr val="accent1">
+                              <a:lumMod val="50000"/>
+                            </a:schemeClr>
+                          </a:solidFill>
+                          <a:prstDash val="solid"/>
+                          <a:round/>
+                          <a:headEnd type="none" w="med" len="med"/>
+                          <a:tailEnd type="none" w="med" len="med"/>
+                        </a:lnL>
+                        <a:lnR w="12700" cap="flat" cmpd="sng" algn="ctr">
+                          <a:solidFill>
+                            <a:schemeClr val="accent1">
+                              <a:lumMod val="50000"/>
+                            </a:schemeClr>
+                          </a:solidFill>
+                          <a:prstDash val="solid"/>
+                          <a:round/>
+                          <a:headEnd type="none" w="med" len="med"/>
+                          <a:tailEnd type="none" w="med" len="med"/>
+                        </a:lnR>
+                        <a:lnT w="12700" cap="flat" cmpd="sng" algn="ctr">
+                          <a:solidFill>
+                            <a:schemeClr val="accent1">
+                              <a:lumMod val="50000"/>
+                            </a:schemeClr>
+                          </a:solidFill>
+                          <a:prstDash val="solid"/>
+                          <a:round/>
+                          <a:headEnd type="none" w="med" len="med"/>
+                          <a:tailEnd type="none" w="med" len="med"/>
+                        </a:lnT>
+                        <a:lnB w="12700" cap="flat" cmpd="sng" algn="ctr">
+                          <a:solidFill>
+                            <a:schemeClr val="accent1">
+                              <a:lumMod val="50000"/>
+                            </a:schemeClr>
+                          </a:solidFill>
+                          <a:prstDash val="solid"/>
+                          <a:round/>
+                          <a:headEnd type="none" w="med" len="med"/>
+                          <a:tailEnd type="none" w="med" len="med"/>
+                        </a:lnB>
+                        <a:blipFill>
+                          <a:blip r:embed="rId2"/>
+                          <a:stretch>
+                            <a:fillRect l="-203008" t="-322400" r="-1087970" b="-215200"/>
+                          </a:stretch>
+                        </a:blipFill>
+                      </a:tcPr>
+                    </a:tc>
+                    <a:tc>
+                      <a:txBody>
+                        <a:bodyPr/>
+                        <a:lstStyle/>
+                        <a:p>
+                          <a:endParaRPr lang="en-US"/>
+                        </a:p>
+                      </a:txBody>
+                      <a:tcPr anchor="ctr">
+                        <a:lnL w="12700" cap="flat" cmpd="sng" algn="ctr">
+                          <a:solidFill>
+                            <a:schemeClr val="accent1">
+                              <a:lumMod val="50000"/>
+                            </a:schemeClr>
+                          </a:solidFill>
+                          <a:prstDash val="solid"/>
+                          <a:round/>
+                          <a:headEnd type="none" w="med" len="med"/>
+                          <a:tailEnd type="none" w="med" len="med"/>
+                        </a:lnL>
+                        <a:lnR w="12700" cap="flat" cmpd="sng" algn="ctr">
+                          <a:solidFill>
+                            <a:schemeClr val="accent1">
+                              <a:lumMod val="50000"/>
+                            </a:schemeClr>
+                          </a:solidFill>
+                          <a:prstDash val="solid"/>
+                          <a:round/>
+                          <a:headEnd type="none" w="med" len="med"/>
+                          <a:tailEnd type="none" w="med" len="med"/>
+                        </a:lnR>
+                        <a:lnT w="12700" cap="flat" cmpd="sng" algn="ctr">
+                          <a:solidFill>
+                            <a:schemeClr val="accent1">
+                              <a:lumMod val="50000"/>
+                            </a:schemeClr>
+                          </a:solidFill>
+                          <a:prstDash val="solid"/>
+                          <a:round/>
+                          <a:headEnd type="none" w="med" len="med"/>
+                          <a:tailEnd type="none" w="med" len="med"/>
+                        </a:lnT>
+                        <a:lnB w="12700" cap="flat" cmpd="sng" algn="ctr">
+                          <a:solidFill>
+                            <a:schemeClr val="accent1">
+                              <a:lumMod val="50000"/>
+                            </a:schemeClr>
+                          </a:solidFill>
+                          <a:prstDash val="solid"/>
+                          <a:round/>
+                          <a:headEnd type="none" w="med" len="med"/>
+                          <a:tailEnd type="none" w="med" len="med"/>
+                        </a:lnB>
+                        <a:blipFill>
+                          <a:blip r:embed="rId2"/>
+                          <a:stretch>
+                            <a:fillRect l="-140418" t="-322400" r="-404181" b="-215200"/>
+                          </a:stretch>
+                        </a:blipFill>
+                      </a:tcPr>
+                    </a:tc>
+                    <a:tc>
+                      <a:txBody>
+                        <a:bodyPr/>
+                        <a:lstStyle/>
+                        <a:p>
+                          <a:endParaRPr lang="en-US"/>
+                        </a:p>
+                      </a:txBody>
+                      <a:tcPr anchor="ctr">
+                        <a:lnL w="12700" cap="flat" cmpd="sng" algn="ctr">
+                          <a:solidFill>
+                            <a:schemeClr val="accent1">
+                              <a:lumMod val="50000"/>
+                            </a:schemeClr>
+                          </a:solidFill>
+                          <a:prstDash val="solid"/>
+                          <a:round/>
+                          <a:headEnd type="none" w="med" len="med"/>
+                          <a:tailEnd type="none" w="med" len="med"/>
+                        </a:lnL>
+                        <a:lnR w="12700" cap="flat" cmpd="sng" algn="ctr">
+                          <a:solidFill>
+                            <a:schemeClr val="accent1">
+                              <a:lumMod val="50000"/>
+                            </a:schemeClr>
+                          </a:solidFill>
+                          <a:prstDash val="solid"/>
+                          <a:round/>
+                          <a:headEnd type="none" w="med" len="med"/>
+                          <a:tailEnd type="none" w="med" len="med"/>
+                        </a:lnR>
+                        <a:lnT w="12700" cap="flat" cmpd="sng" algn="ctr">
+                          <a:solidFill>
+                            <a:schemeClr val="accent1">
+                              <a:lumMod val="50000"/>
+                            </a:schemeClr>
+                          </a:solidFill>
+                          <a:prstDash val="solid"/>
+                          <a:round/>
+                          <a:headEnd type="none" w="med" len="med"/>
+                          <a:tailEnd type="none" w="med" len="med"/>
+                        </a:lnT>
+                        <a:lnB w="12700" cap="flat" cmpd="sng" algn="ctr">
+                          <a:solidFill>
+                            <a:schemeClr val="accent1">
+                              <a:lumMod val="50000"/>
+                            </a:schemeClr>
+                          </a:solidFill>
+                          <a:prstDash val="solid"/>
+                          <a:round/>
+                          <a:headEnd type="none" w="med" len="med"/>
+                          <a:tailEnd type="none" w="med" len="med"/>
+                        </a:lnB>
+                        <a:blipFill>
+                          <a:blip r:embed="rId2"/>
+                          <a:stretch>
+                            <a:fillRect l="-241259" t="-322400" r="-305594" b="-215200"/>
+                          </a:stretch>
+                        </a:blipFill>
+                      </a:tcPr>
+                    </a:tc>
+                    <a:tc>
+                      <a:txBody>
+                        <a:bodyPr/>
+                        <a:lstStyle/>
+                        <a:p>
+                          <a:endParaRPr lang="en-US"/>
+                        </a:p>
+                      </a:txBody>
+                      <a:tcPr anchor="ctr">
+                        <a:lnL w="12700" cap="flat" cmpd="sng" algn="ctr">
+                          <a:solidFill>
+                            <a:schemeClr val="accent1">
+                              <a:lumMod val="50000"/>
+                            </a:schemeClr>
+                          </a:solidFill>
+                          <a:prstDash val="solid"/>
+                          <a:round/>
+                          <a:headEnd type="none" w="med" len="med"/>
+                          <a:tailEnd type="none" w="med" len="med"/>
+                        </a:lnL>
+                        <a:lnR w="12700" cap="flat" cmpd="sng" algn="ctr">
+                          <a:solidFill>
+                            <a:schemeClr val="accent1">
+                              <a:lumMod val="50000"/>
+                            </a:schemeClr>
+                          </a:solidFill>
+                          <a:prstDash val="solid"/>
+                          <a:round/>
+                          <a:headEnd type="none" w="med" len="med"/>
+                          <a:tailEnd type="none" w="med" len="med"/>
+                        </a:lnR>
+                        <a:lnT w="12700" cap="flat" cmpd="sng" algn="ctr">
+                          <a:solidFill>
+                            <a:schemeClr val="accent1">
+                              <a:lumMod val="50000"/>
+                            </a:schemeClr>
+                          </a:solidFill>
+                          <a:prstDash val="solid"/>
+                          <a:round/>
+                          <a:headEnd type="none" w="med" len="med"/>
+                          <a:tailEnd type="none" w="med" len="med"/>
+                        </a:lnT>
+                        <a:lnB w="12700" cap="flat" cmpd="sng" algn="ctr">
+                          <a:solidFill>
+                            <a:schemeClr val="accent1">
+                              <a:lumMod val="50000"/>
+                            </a:schemeClr>
+                          </a:solidFill>
+                          <a:prstDash val="solid"/>
+                          <a:round/>
+                          <a:headEnd type="none" w="med" len="med"/>
+                          <a:tailEnd type="none" w="med" len="med"/>
+                        </a:lnB>
+                        <a:blipFill>
+                          <a:blip r:embed="rId2"/>
+                          <a:stretch>
+                            <a:fillRect l="-341259" t="-322400" r="-205594" b="-215200"/>
+                          </a:stretch>
+                        </a:blipFill>
+                      </a:tcPr>
+                    </a:tc>
+                    <a:tc>
+                      <a:txBody>
+                        <a:bodyPr/>
+                        <a:lstStyle/>
+                        <a:p>
+                          <a:endParaRPr lang="en-US"/>
+                        </a:p>
+                      </a:txBody>
+                      <a:tcPr anchor="ctr">
+                        <a:lnL w="12700" cap="flat" cmpd="sng" algn="ctr">
+                          <a:solidFill>
+                            <a:schemeClr val="accent1">
+                              <a:lumMod val="50000"/>
+                            </a:schemeClr>
+                          </a:solidFill>
+                          <a:prstDash val="solid"/>
+                          <a:round/>
+                          <a:headEnd type="none" w="med" len="med"/>
+                          <a:tailEnd type="none" w="med" len="med"/>
+                        </a:lnL>
+                        <a:lnR w="12700" cap="flat" cmpd="sng" algn="ctr">
+                          <a:solidFill>
+                            <a:schemeClr val="accent1">
+                              <a:lumMod val="50000"/>
+                            </a:schemeClr>
+                          </a:solidFill>
+                          <a:prstDash val="solid"/>
+                          <a:round/>
+                          <a:headEnd type="none" w="med" len="med"/>
+                          <a:tailEnd type="none" w="med" len="med"/>
+                        </a:lnR>
+                        <a:lnT w="12700" cap="flat" cmpd="sng" algn="ctr">
+                          <a:solidFill>
+                            <a:schemeClr val="accent1">
+                              <a:lumMod val="50000"/>
+                            </a:schemeClr>
+                          </a:solidFill>
+                          <a:prstDash val="solid"/>
+                          <a:round/>
+                          <a:headEnd type="none" w="med" len="med"/>
+                          <a:tailEnd type="none" w="med" len="med"/>
+                        </a:lnT>
+                        <a:lnB w="12700" cap="flat" cmpd="sng" algn="ctr">
+                          <a:solidFill>
+                            <a:schemeClr val="accent1">
+                              <a:lumMod val="50000"/>
+                            </a:schemeClr>
+                          </a:solidFill>
+                          <a:prstDash val="solid"/>
+                          <a:round/>
+                          <a:headEnd type="none" w="med" len="med"/>
+                          <a:tailEnd type="none" w="med" len="med"/>
+                        </a:lnB>
+                        <a:blipFill>
+                          <a:blip r:embed="rId2"/>
+                          <a:stretch>
+                            <a:fillRect l="-439721" t="-322400" r="-104878" b="-215200"/>
+                          </a:stretch>
+                        </a:blipFill>
+                      </a:tcPr>
+                    </a:tc>
+                    <a:tc>
+                      <a:txBody>
+                        <a:bodyPr/>
+                        <a:lstStyle/>
+                        <a:p>
+                          <a:endParaRPr lang="en-US"/>
+                        </a:p>
+                      </a:txBody>
+                      <a:tcPr anchor="ctr">
+                        <a:lnL w="12700" cap="flat" cmpd="sng" algn="ctr">
+                          <a:solidFill>
+                            <a:schemeClr val="accent1">
+                              <a:lumMod val="50000"/>
+                            </a:schemeClr>
+                          </a:solidFill>
+                          <a:prstDash val="solid"/>
+                          <a:round/>
+                          <a:headEnd type="none" w="med" len="med"/>
+                          <a:tailEnd type="none" w="med" len="med"/>
+                        </a:lnL>
+                        <a:lnR w="12700" cap="flat" cmpd="sng" algn="ctr">
+                          <a:solidFill>
+                            <a:schemeClr val="accent1">
+                              <a:lumMod val="50000"/>
+                            </a:schemeClr>
+                          </a:solidFill>
+                          <a:prstDash val="solid"/>
+                          <a:round/>
+                          <a:headEnd type="none" w="med" len="med"/>
+                          <a:tailEnd type="none" w="med" len="med"/>
+                        </a:lnR>
+                        <a:lnT w="12700" cap="flat" cmpd="sng" algn="ctr">
+                          <a:solidFill>
+                            <a:schemeClr val="accent1">
+                              <a:lumMod val="50000"/>
+                            </a:schemeClr>
+                          </a:solidFill>
+                          <a:prstDash val="solid"/>
+                          <a:round/>
+                          <a:headEnd type="none" w="med" len="med"/>
+                          <a:tailEnd type="none" w="med" len="med"/>
+                        </a:lnT>
+                        <a:lnB w="12700" cap="flat" cmpd="sng" algn="ctr">
+                          <a:solidFill>
+                            <a:schemeClr val="accent1">
+                              <a:lumMod val="50000"/>
+                            </a:schemeClr>
+                          </a:solidFill>
+                          <a:prstDash val="solid"/>
+                          <a:round/>
+                          <a:headEnd type="none" w="med" len="med"/>
+                          <a:tailEnd type="none" w="med" len="med"/>
+                        </a:lnB>
+                        <a:blipFill>
+                          <a:blip r:embed="rId2"/>
+                          <a:stretch>
+                            <a:fillRect l="-541608" t="-322400" r="-5245" b="-215200"/>
+                          </a:stretch>
+                        </a:blipFill>
+                      </a:tcPr>
+                    </a:tc>
+                    <a:extLst>
+                      <a:ext uri="{0D108BD9-81ED-4DB2-BD59-A6C34878D82A}">
+                        <a16:rowId xmlns:a16="http://schemas.microsoft.com/office/drawing/2014/main" val="1547519088"/>
                       </a:ext>
                     </a:extLst>
                   </a:tr>
@@ -34980,7 +35970,7 @@
                         <a:blipFill>
                           <a:blip r:embed="rId2"/>
                           <a:stretch>
-                            <a:fillRect l="-3759" t="-209848" r="-1287218" b="-303030"/>
+                            <a:fillRect l="-3759" t="-400000" r="-1287218" b="-103788"/>
                           </a:stretch>
                         </a:blipFill>
                       </a:tcPr>
@@ -35041,7 +36031,7 @@
                         <a:blipFill>
                           <a:blip r:embed="rId2"/>
                           <a:stretch>
-                            <a:fillRect l="-104545" t="-209848" r="-1196970" b="-303030"/>
+                            <a:fillRect l="-104545" t="-400000" r="-1196970" b="-103788"/>
                           </a:stretch>
                         </a:blipFill>
                       </a:tcPr>
@@ -35102,7 +36092,7 @@
                         <a:blipFill>
                           <a:blip r:embed="rId2"/>
                           <a:stretch>
-                            <a:fillRect l="-203008" t="-209848" r="-1087970" b="-303030"/>
+                            <a:fillRect l="-203008" t="-400000" r="-1087970" b="-103788"/>
                           </a:stretch>
                         </a:blipFill>
                       </a:tcPr>
@@ -35163,7 +36153,7 @@
                         <a:blipFill>
                           <a:blip r:embed="rId2"/>
                           <a:stretch>
-                            <a:fillRect l="-140418" t="-209848" r="-404181" b="-303030"/>
+                            <a:fillRect l="-140418" t="-400000" r="-404181" b="-103788"/>
                           </a:stretch>
                         </a:blipFill>
                       </a:tcPr>
@@ -35224,7 +36214,7 @@
                         <a:blipFill>
                           <a:blip r:embed="rId2"/>
                           <a:stretch>
-                            <a:fillRect l="-241259" t="-209848" r="-305594" b="-303030"/>
+                            <a:fillRect l="-241259" t="-400000" r="-305594" b="-103788"/>
                           </a:stretch>
                         </a:blipFill>
                       </a:tcPr>
@@ -35285,7 +36275,7 @@
                         <a:blipFill>
                           <a:blip r:embed="rId2"/>
                           <a:stretch>
-                            <a:fillRect l="-341259" t="-209848" r="-205594" b="-303030"/>
+                            <a:fillRect l="-341259" t="-400000" r="-205594" b="-103788"/>
                           </a:stretch>
                         </a:blipFill>
                       </a:tcPr>
@@ -35346,7 +36336,7 @@
                         <a:blipFill>
                           <a:blip r:embed="rId2"/>
                           <a:stretch>
-                            <a:fillRect l="-439721" t="-209848" r="-104878" b="-303030"/>
+                            <a:fillRect l="-439721" t="-400000" r="-104878" b="-103788"/>
                           </a:stretch>
                         </a:blipFill>
                       </a:tcPr>
@@ -35407,997 +36397,7 @@
                         <a:blipFill>
                           <a:blip r:embed="rId2"/>
                           <a:stretch>
-                            <a:fillRect l="-541608" t="-209848" r="-5245" b="-303030"/>
-                          </a:stretch>
-                        </a:blipFill>
-                      </a:tcPr>
-                    </a:tc>
-                    <a:extLst>
-                      <a:ext uri="{0D108BD9-81ED-4DB2-BD59-A6C34878D82A}">
-                        <a16:rowId xmlns:a16="http://schemas.microsoft.com/office/drawing/2014/main" val="1583959994"/>
-                      </a:ext>
-                    </a:extLst>
-                  </a:tr>
-                  <a:tr h="800365">
-                    <a:tc>
-                      <a:txBody>
-                        <a:bodyPr/>
-                        <a:lstStyle/>
-                        <a:p>
-                          <a:endParaRPr lang="en-US"/>
-                        </a:p>
-                      </a:txBody>
-                      <a:tcPr anchor="ctr">
-                        <a:lnL w="12700" cap="flat" cmpd="sng" algn="ctr">
-                          <a:solidFill>
-                            <a:schemeClr val="accent1">
-                              <a:lumMod val="50000"/>
-                            </a:schemeClr>
-                          </a:solidFill>
-                          <a:prstDash val="solid"/>
-                          <a:round/>
-                          <a:headEnd type="none" w="med" len="med"/>
-                          <a:tailEnd type="none" w="med" len="med"/>
-                        </a:lnL>
-                        <a:lnR w="12700" cap="flat" cmpd="sng" algn="ctr">
-                          <a:solidFill>
-                            <a:schemeClr val="accent1">
-                              <a:lumMod val="50000"/>
-                            </a:schemeClr>
-                          </a:solidFill>
-                          <a:prstDash val="solid"/>
-                          <a:round/>
-                          <a:headEnd type="none" w="med" len="med"/>
-                          <a:tailEnd type="none" w="med" len="med"/>
-                        </a:lnR>
-                        <a:lnT w="12700" cap="flat" cmpd="sng" algn="ctr">
-                          <a:solidFill>
-                            <a:schemeClr val="accent1">
-                              <a:lumMod val="50000"/>
-                            </a:schemeClr>
-                          </a:solidFill>
-                          <a:prstDash val="solid"/>
-                          <a:round/>
-                          <a:headEnd type="none" w="med" len="med"/>
-                          <a:tailEnd type="none" w="med" len="med"/>
-                        </a:lnT>
-                        <a:lnB w="12700" cap="flat" cmpd="sng" algn="ctr">
-                          <a:solidFill>
-                            <a:schemeClr val="accent1">
-                              <a:lumMod val="50000"/>
-                            </a:schemeClr>
-                          </a:solidFill>
-                          <a:prstDash val="solid"/>
-                          <a:round/>
-                          <a:headEnd type="none" w="med" len="med"/>
-                          <a:tailEnd type="none" w="med" len="med"/>
-                        </a:lnB>
-                        <a:blipFill>
-                          <a:blip r:embed="rId2"/>
-                          <a:stretch>
-                            <a:fillRect l="-3759" t="-312214" r="-1287218" b="-205344"/>
-                          </a:stretch>
-                        </a:blipFill>
-                      </a:tcPr>
-                    </a:tc>
-                    <a:tc>
-                      <a:txBody>
-                        <a:bodyPr/>
-                        <a:lstStyle/>
-                        <a:p>
-                          <a:endParaRPr lang="en-US"/>
-                        </a:p>
-                      </a:txBody>
-                      <a:tcPr anchor="ctr">
-                        <a:lnL w="12700" cap="flat" cmpd="sng" algn="ctr">
-                          <a:solidFill>
-                            <a:schemeClr val="accent1">
-                              <a:lumMod val="50000"/>
-                            </a:schemeClr>
-                          </a:solidFill>
-                          <a:prstDash val="solid"/>
-                          <a:round/>
-                          <a:headEnd type="none" w="med" len="med"/>
-                          <a:tailEnd type="none" w="med" len="med"/>
-                        </a:lnL>
-                        <a:lnR w="12700" cap="flat" cmpd="sng" algn="ctr">
-                          <a:solidFill>
-                            <a:schemeClr val="accent1">
-                              <a:lumMod val="50000"/>
-                            </a:schemeClr>
-                          </a:solidFill>
-                          <a:prstDash val="solid"/>
-                          <a:round/>
-                          <a:headEnd type="none" w="med" len="med"/>
-                          <a:tailEnd type="none" w="med" len="med"/>
-                        </a:lnR>
-                        <a:lnT w="12700" cap="flat" cmpd="sng" algn="ctr">
-                          <a:solidFill>
-                            <a:schemeClr val="accent1">
-                              <a:lumMod val="50000"/>
-                            </a:schemeClr>
-                          </a:solidFill>
-                          <a:prstDash val="solid"/>
-                          <a:round/>
-                          <a:headEnd type="none" w="med" len="med"/>
-                          <a:tailEnd type="none" w="med" len="med"/>
-                        </a:lnT>
-                        <a:lnB w="12700" cap="flat" cmpd="sng" algn="ctr">
-                          <a:solidFill>
-                            <a:schemeClr val="accent1">
-                              <a:lumMod val="50000"/>
-                            </a:schemeClr>
-                          </a:solidFill>
-                          <a:prstDash val="solid"/>
-                          <a:round/>
-                          <a:headEnd type="none" w="med" len="med"/>
-                          <a:tailEnd type="none" w="med" len="med"/>
-                        </a:lnB>
-                        <a:blipFill>
-                          <a:blip r:embed="rId2"/>
-                          <a:stretch>
-                            <a:fillRect l="-104545" t="-312214" r="-1196970" b="-205344"/>
-                          </a:stretch>
-                        </a:blipFill>
-                      </a:tcPr>
-                    </a:tc>
-                    <a:tc>
-                      <a:txBody>
-                        <a:bodyPr/>
-                        <a:lstStyle/>
-                        <a:p>
-                          <a:endParaRPr lang="en-US"/>
-                        </a:p>
-                      </a:txBody>
-                      <a:tcPr anchor="ctr">
-                        <a:lnL w="12700" cap="flat" cmpd="sng" algn="ctr">
-                          <a:solidFill>
-                            <a:schemeClr val="accent1">
-                              <a:lumMod val="50000"/>
-                            </a:schemeClr>
-                          </a:solidFill>
-                          <a:prstDash val="solid"/>
-                          <a:round/>
-                          <a:headEnd type="none" w="med" len="med"/>
-                          <a:tailEnd type="none" w="med" len="med"/>
-                        </a:lnL>
-                        <a:lnR w="12700" cap="flat" cmpd="sng" algn="ctr">
-                          <a:solidFill>
-                            <a:schemeClr val="accent1">
-                              <a:lumMod val="50000"/>
-                            </a:schemeClr>
-                          </a:solidFill>
-                          <a:prstDash val="solid"/>
-                          <a:round/>
-                          <a:headEnd type="none" w="med" len="med"/>
-                          <a:tailEnd type="none" w="med" len="med"/>
-                        </a:lnR>
-                        <a:lnT w="12700" cap="flat" cmpd="sng" algn="ctr">
-                          <a:solidFill>
-                            <a:schemeClr val="accent1">
-                              <a:lumMod val="50000"/>
-                            </a:schemeClr>
-                          </a:solidFill>
-                          <a:prstDash val="solid"/>
-                          <a:round/>
-                          <a:headEnd type="none" w="med" len="med"/>
-                          <a:tailEnd type="none" w="med" len="med"/>
-                        </a:lnT>
-                        <a:lnB w="12700" cap="flat" cmpd="sng" algn="ctr">
-                          <a:solidFill>
-                            <a:schemeClr val="accent1">
-                              <a:lumMod val="50000"/>
-                            </a:schemeClr>
-                          </a:solidFill>
-                          <a:prstDash val="solid"/>
-                          <a:round/>
-                          <a:headEnd type="none" w="med" len="med"/>
-                          <a:tailEnd type="none" w="med" len="med"/>
-                        </a:lnB>
-                        <a:blipFill>
-                          <a:blip r:embed="rId2"/>
-                          <a:stretch>
-                            <a:fillRect l="-203008" t="-312214" r="-1087970" b="-205344"/>
-                          </a:stretch>
-                        </a:blipFill>
-                      </a:tcPr>
-                    </a:tc>
-                    <a:tc>
-                      <a:txBody>
-                        <a:bodyPr/>
-                        <a:lstStyle/>
-                        <a:p>
-                          <a:endParaRPr lang="en-US"/>
-                        </a:p>
-                      </a:txBody>
-                      <a:tcPr anchor="ctr">
-                        <a:lnL w="12700" cap="flat" cmpd="sng" algn="ctr">
-                          <a:solidFill>
-                            <a:schemeClr val="accent1">
-                              <a:lumMod val="50000"/>
-                            </a:schemeClr>
-                          </a:solidFill>
-                          <a:prstDash val="solid"/>
-                          <a:round/>
-                          <a:headEnd type="none" w="med" len="med"/>
-                          <a:tailEnd type="none" w="med" len="med"/>
-                        </a:lnL>
-                        <a:lnR w="12700" cap="flat" cmpd="sng" algn="ctr">
-                          <a:solidFill>
-                            <a:schemeClr val="accent1">
-                              <a:lumMod val="50000"/>
-                            </a:schemeClr>
-                          </a:solidFill>
-                          <a:prstDash val="solid"/>
-                          <a:round/>
-                          <a:headEnd type="none" w="med" len="med"/>
-                          <a:tailEnd type="none" w="med" len="med"/>
-                        </a:lnR>
-                        <a:lnT w="12700" cap="flat" cmpd="sng" algn="ctr">
-                          <a:solidFill>
-                            <a:schemeClr val="accent1">
-                              <a:lumMod val="50000"/>
-                            </a:schemeClr>
-                          </a:solidFill>
-                          <a:prstDash val="solid"/>
-                          <a:round/>
-                          <a:headEnd type="none" w="med" len="med"/>
-                          <a:tailEnd type="none" w="med" len="med"/>
-                        </a:lnT>
-                        <a:lnB w="12700" cap="flat" cmpd="sng" algn="ctr">
-                          <a:solidFill>
-                            <a:schemeClr val="accent1">
-                              <a:lumMod val="50000"/>
-                            </a:schemeClr>
-                          </a:solidFill>
-                          <a:prstDash val="solid"/>
-                          <a:round/>
-                          <a:headEnd type="none" w="med" len="med"/>
-                          <a:tailEnd type="none" w="med" len="med"/>
-                        </a:lnB>
-                        <a:blipFill>
-                          <a:blip r:embed="rId2"/>
-                          <a:stretch>
-                            <a:fillRect l="-140418" t="-312214" r="-404181" b="-205344"/>
-                          </a:stretch>
-                        </a:blipFill>
-                      </a:tcPr>
-                    </a:tc>
-                    <a:tc>
-                      <a:txBody>
-                        <a:bodyPr/>
-                        <a:lstStyle/>
-                        <a:p>
-                          <a:endParaRPr lang="en-US"/>
-                        </a:p>
-                      </a:txBody>
-                      <a:tcPr anchor="ctr">
-                        <a:lnL w="12700" cap="flat" cmpd="sng" algn="ctr">
-                          <a:solidFill>
-                            <a:schemeClr val="accent1">
-                              <a:lumMod val="50000"/>
-                            </a:schemeClr>
-                          </a:solidFill>
-                          <a:prstDash val="solid"/>
-                          <a:round/>
-                          <a:headEnd type="none" w="med" len="med"/>
-                          <a:tailEnd type="none" w="med" len="med"/>
-                        </a:lnL>
-                        <a:lnR w="12700" cap="flat" cmpd="sng" algn="ctr">
-                          <a:solidFill>
-                            <a:schemeClr val="accent1">
-                              <a:lumMod val="50000"/>
-                            </a:schemeClr>
-                          </a:solidFill>
-                          <a:prstDash val="solid"/>
-                          <a:round/>
-                          <a:headEnd type="none" w="med" len="med"/>
-                          <a:tailEnd type="none" w="med" len="med"/>
-                        </a:lnR>
-                        <a:lnT w="12700" cap="flat" cmpd="sng" algn="ctr">
-                          <a:solidFill>
-                            <a:schemeClr val="accent1">
-                              <a:lumMod val="50000"/>
-                            </a:schemeClr>
-                          </a:solidFill>
-                          <a:prstDash val="solid"/>
-                          <a:round/>
-                          <a:headEnd type="none" w="med" len="med"/>
-                          <a:tailEnd type="none" w="med" len="med"/>
-                        </a:lnT>
-                        <a:lnB w="12700" cap="flat" cmpd="sng" algn="ctr">
-                          <a:solidFill>
-                            <a:schemeClr val="accent1">
-                              <a:lumMod val="50000"/>
-                            </a:schemeClr>
-                          </a:solidFill>
-                          <a:prstDash val="solid"/>
-                          <a:round/>
-                          <a:headEnd type="none" w="med" len="med"/>
-                          <a:tailEnd type="none" w="med" len="med"/>
-                        </a:lnB>
-                        <a:blipFill>
-                          <a:blip r:embed="rId2"/>
-                          <a:stretch>
-                            <a:fillRect l="-241259" t="-312214" r="-305594" b="-205344"/>
-                          </a:stretch>
-                        </a:blipFill>
-                      </a:tcPr>
-                    </a:tc>
-                    <a:tc>
-                      <a:txBody>
-                        <a:bodyPr/>
-                        <a:lstStyle/>
-                        <a:p>
-                          <a:endParaRPr lang="en-US"/>
-                        </a:p>
-                      </a:txBody>
-                      <a:tcPr anchor="ctr">
-                        <a:lnL w="12700" cap="flat" cmpd="sng" algn="ctr">
-                          <a:solidFill>
-                            <a:schemeClr val="accent1">
-                              <a:lumMod val="50000"/>
-                            </a:schemeClr>
-                          </a:solidFill>
-                          <a:prstDash val="solid"/>
-                          <a:round/>
-                          <a:headEnd type="none" w="med" len="med"/>
-                          <a:tailEnd type="none" w="med" len="med"/>
-                        </a:lnL>
-                        <a:lnR w="12700" cap="flat" cmpd="sng" algn="ctr">
-                          <a:solidFill>
-                            <a:schemeClr val="accent1">
-                              <a:lumMod val="50000"/>
-                            </a:schemeClr>
-                          </a:solidFill>
-                          <a:prstDash val="solid"/>
-                          <a:round/>
-                          <a:headEnd type="none" w="med" len="med"/>
-                          <a:tailEnd type="none" w="med" len="med"/>
-                        </a:lnR>
-                        <a:lnT w="12700" cap="flat" cmpd="sng" algn="ctr">
-                          <a:solidFill>
-                            <a:schemeClr val="accent1">
-                              <a:lumMod val="50000"/>
-                            </a:schemeClr>
-                          </a:solidFill>
-                          <a:prstDash val="solid"/>
-                          <a:round/>
-                          <a:headEnd type="none" w="med" len="med"/>
-                          <a:tailEnd type="none" w="med" len="med"/>
-                        </a:lnT>
-                        <a:lnB w="12700" cap="flat" cmpd="sng" algn="ctr">
-                          <a:solidFill>
-                            <a:schemeClr val="accent1">
-                              <a:lumMod val="50000"/>
-                            </a:schemeClr>
-                          </a:solidFill>
-                          <a:prstDash val="solid"/>
-                          <a:round/>
-                          <a:headEnd type="none" w="med" len="med"/>
-                          <a:tailEnd type="none" w="med" len="med"/>
-                        </a:lnB>
-                        <a:blipFill>
-                          <a:blip r:embed="rId2"/>
-                          <a:stretch>
-                            <a:fillRect l="-341259" t="-312214" r="-205594" b="-205344"/>
-                          </a:stretch>
-                        </a:blipFill>
-                      </a:tcPr>
-                    </a:tc>
-                    <a:tc>
-                      <a:txBody>
-                        <a:bodyPr/>
-                        <a:lstStyle/>
-                        <a:p>
-                          <a:endParaRPr lang="en-US"/>
-                        </a:p>
-                      </a:txBody>
-                      <a:tcPr anchor="ctr">
-                        <a:lnL w="12700" cap="flat" cmpd="sng" algn="ctr">
-                          <a:solidFill>
-                            <a:schemeClr val="accent1">
-                              <a:lumMod val="50000"/>
-                            </a:schemeClr>
-                          </a:solidFill>
-                          <a:prstDash val="solid"/>
-                          <a:round/>
-                          <a:headEnd type="none" w="med" len="med"/>
-                          <a:tailEnd type="none" w="med" len="med"/>
-                        </a:lnL>
-                        <a:lnR w="12700" cap="flat" cmpd="sng" algn="ctr">
-                          <a:solidFill>
-                            <a:schemeClr val="accent1">
-                              <a:lumMod val="50000"/>
-                            </a:schemeClr>
-                          </a:solidFill>
-                          <a:prstDash val="solid"/>
-                          <a:round/>
-                          <a:headEnd type="none" w="med" len="med"/>
-                          <a:tailEnd type="none" w="med" len="med"/>
-                        </a:lnR>
-                        <a:lnT w="12700" cap="flat" cmpd="sng" algn="ctr">
-                          <a:solidFill>
-                            <a:schemeClr val="accent1">
-                              <a:lumMod val="50000"/>
-                            </a:schemeClr>
-                          </a:solidFill>
-                          <a:prstDash val="solid"/>
-                          <a:round/>
-                          <a:headEnd type="none" w="med" len="med"/>
-                          <a:tailEnd type="none" w="med" len="med"/>
-                        </a:lnT>
-                        <a:lnB w="12700" cap="flat" cmpd="sng" algn="ctr">
-                          <a:solidFill>
-                            <a:schemeClr val="accent1">
-                              <a:lumMod val="50000"/>
-                            </a:schemeClr>
-                          </a:solidFill>
-                          <a:prstDash val="solid"/>
-                          <a:round/>
-                          <a:headEnd type="none" w="med" len="med"/>
-                          <a:tailEnd type="none" w="med" len="med"/>
-                        </a:lnB>
-                        <a:blipFill>
-                          <a:blip r:embed="rId2"/>
-                          <a:stretch>
-                            <a:fillRect l="-439721" t="-312214" r="-104878" b="-205344"/>
-                          </a:stretch>
-                        </a:blipFill>
-                      </a:tcPr>
-                    </a:tc>
-                    <a:tc>
-                      <a:txBody>
-                        <a:bodyPr/>
-                        <a:lstStyle/>
-                        <a:p>
-                          <a:endParaRPr lang="en-US"/>
-                        </a:p>
-                      </a:txBody>
-                      <a:tcPr anchor="ctr">
-                        <a:lnL w="12700" cap="flat" cmpd="sng" algn="ctr">
-                          <a:solidFill>
-                            <a:schemeClr val="accent1">
-                              <a:lumMod val="50000"/>
-                            </a:schemeClr>
-                          </a:solidFill>
-                          <a:prstDash val="solid"/>
-                          <a:round/>
-                          <a:headEnd type="none" w="med" len="med"/>
-                          <a:tailEnd type="none" w="med" len="med"/>
-                        </a:lnL>
-                        <a:lnR w="12700" cap="flat" cmpd="sng" algn="ctr">
-                          <a:solidFill>
-                            <a:schemeClr val="accent1">
-                              <a:lumMod val="50000"/>
-                            </a:schemeClr>
-                          </a:solidFill>
-                          <a:prstDash val="solid"/>
-                          <a:round/>
-                          <a:headEnd type="none" w="med" len="med"/>
-                          <a:tailEnd type="none" w="med" len="med"/>
-                        </a:lnR>
-                        <a:lnT w="12700" cap="flat" cmpd="sng" algn="ctr">
-                          <a:solidFill>
-                            <a:schemeClr val="accent1">
-                              <a:lumMod val="50000"/>
-                            </a:schemeClr>
-                          </a:solidFill>
-                          <a:prstDash val="solid"/>
-                          <a:round/>
-                          <a:headEnd type="none" w="med" len="med"/>
-                          <a:tailEnd type="none" w="med" len="med"/>
-                        </a:lnT>
-                        <a:lnB w="12700" cap="flat" cmpd="sng" algn="ctr">
-                          <a:solidFill>
-                            <a:schemeClr val="accent1">
-                              <a:lumMod val="50000"/>
-                            </a:schemeClr>
-                          </a:solidFill>
-                          <a:prstDash val="solid"/>
-                          <a:round/>
-                          <a:headEnd type="none" w="med" len="med"/>
-                          <a:tailEnd type="none" w="med" len="med"/>
-                        </a:lnB>
-                        <a:blipFill>
-                          <a:blip r:embed="rId2"/>
-                          <a:stretch>
-                            <a:fillRect l="-541608" t="-312214" r="-5245" b="-205344"/>
-                          </a:stretch>
-                        </a:blipFill>
-                      </a:tcPr>
-                    </a:tc>
-                    <a:extLst>
-                      <a:ext uri="{0D108BD9-81ED-4DB2-BD59-A6C34878D82A}">
-                        <a16:rowId xmlns:a16="http://schemas.microsoft.com/office/drawing/2014/main" val="903200076"/>
-                      </a:ext>
-                    </a:extLst>
-                  </a:tr>
-                  <a:tr h="800365">
-                    <a:tc>
-                      <a:txBody>
-                        <a:bodyPr/>
-                        <a:lstStyle/>
-                        <a:p>
-                          <a:endParaRPr lang="en-US"/>
-                        </a:p>
-                      </a:txBody>
-                      <a:tcPr anchor="ctr">
-                        <a:lnL w="12700" cap="flat" cmpd="sng" algn="ctr">
-                          <a:solidFill>
-                            <a:schemeClr val="accent1">
-                              <a:lumMod val="50000"/>
-                            </a:schemeClr>
-                          </a:solidFill>
-                          <a:prstDash val="solid"/>
-                          <a:round/>
-                          <a:headEnd type="none" w="med" len="med"/>
-                          <a:tailEnd type="none" w="med" len="med"/>
-                        </a:lnL>
-                        <a:lnR w="12700" cap="flat" cmpd="sng" algn="ctr">
-                          <a:solidFill>
-                            <a:schemeClr val="accent1">
-                              <a:lumMod val="50000"/>
-                            </a:schemeClr>
-                          </a:solidFill>
-                          <a:prstDash val="solid"/>
-                          <a:round/>
-                          <a:headEnd type="none" w="med" len="med"/>
-                          <a:tailEnd type="none" w="med" len="med"/>
-                        </a:lnR>
-                        <a:lnT w="12700" cap="flat" cmpd="sng" algn="ctr">
-                          <a:solidFill>
-                            <a:schemeClr val="accent1">
-                              <a:lumMod val="50000"/>
-                            </a:schemeClr>
-                          </a:solidFill>
-                          <a:prstDash val="solid"/>
-                          <a:round/>
-                          <a:headEnd type="none" w="med" len="med"/>
-                          <a:tailEnd type="none" w="med" len="med"/>
-                        </a:lnT>
-                        <a:lnB w="12700" cap="flat" cmpd="sng" algn="ctr">
-                          <a:solidFill>
-                            <a:schemeClr val="accent1">
-                              <a:lumMod val="50000"/>
-                            </a:schemeClr>
-                          </a:solidFill>
-                          <a:prstDash val="solid"/>
-                          <a:round/>
-                          <a:headEnd type="none" w="med" len="med"/>
-                          <a:tailEnd type="none" w="med" len="med"/>
-                        </a:lnB>
-                        <a:blipFill>
-                          <a:blip r:embed="rId2"/>
-                          <a:stretch>
-                            <a:fillRect l="-3759" t="-409091" r="-1287218" b="-103788"/>
-                          </a:stretch>
-                        </a:blipFill>
-                      </a:tcPr>
-                    </a:tc>
-                    <a:tc>
-                      <a:txBody>
-                        <a:bodyPr/>
-                        <a:lstStyle/>
-                        <a:p>
-                          <a:endParaRPr lang="en-US"/>
-                        </a:p>
-                      </a:txBody>
-                      <a:tcPr anchor="ctr">
-                        <a:lnL w="12700" cap="flat" cmpd="sng" algn="ctr">
-                          <a:solidFill>
-                            <a:schemeClr val="accent1">
-                              <a:lumMod val="50000"/>
-                            </a:schemeClr>
-                          </a:solidFill>
-                          <a:prstDash val="solid"/>
-                          <a:round/>
-                          <a:headEnd type="none" w="med" len="med"/>
-                          <a:tailEnd type="none" w="med" len="med"/>
-                        </a:lnL>
-                        <a:lnR w="12700" cap="flat" cmpd="sng" algn="ctr">
-                          <a:solidFill>
-                            <a:schemeClr val="accent1">
-                              <a:lumMod val="50000"/>
-                            </a:schemeClr>
-                          </a:solidFill>
-                          <a:prstDash val="solid"/>
-                          <a:round/>
-                          <a:headEnd type="none" w="med" len="med"/>
-                          <a:tailEnd type="none" w="med" len="med"/>
-                        </a:lnR>
-                        <a:lnT w="12700" cap="flat" cmpd="sng" algn="ctr">
-                          <a:solidFill>
-                            <a:schemeClr val="accent1">
-                              <a:lumMod val="50000"/>
-                            </a:schemeClr>
-                          </a:solidFill>
-                          <a:prstDash val="solid"/>
-                          <a:round/>
-                          <a:headEnd type="none" w="med" len="med"/>
-                          <a:tailEnd type="none" w="med" len="med"/>
-                        </a:lnT>
-                        <a:lnB w="12700" cap="flat" cmpd="sng" algn="ctr">
-                          <a:solidFill>
-                            <a:schemeClr val="accent1">
-                              <a:lumMod val="50000"/>
-                            </a:schemeClr>
-                          </a:solidFill>
-                          <a:prstDash val="solid"/>
-                          <a:round/>
-                          <a:headEnd type="none" w="med" len="med"/>
-                          <a:tailEnd type="none" w="med" len="med"/>
-                        </a:lnB>
-                        <a:blipFill>
-                          <a:blip r:embed="rId2"/>
-                          <a:stretch>
-                            <a:fillRect l="-104545" t="-409091" r="-1196970" b="-103788"/>
-                          </a:stretch>
-                        </a:blipFill>
-                      </a:tcPr>
-                    </a:tc>
-                    <a:tc>
-                      <a:txBody>
-                        <a:bodyPr/>
-                        <a:lstStyle/>
-                        <a:p>
-                          <a:endParaRPr lang="en-US"/>
-                        </a:p>
-                      </a:txBody>
-                      <a:tcPr anchor="ctr">
-                        <a:lnL w="12700" cap="flat" cmpd="sng" algn="ctr">
-                          <a:solidFill>
-                            <a:schemeClr val="accent1">
-                              <a:lumMod val="50000"/>
-                            </a:schemeClr>
-                          </a:solidFill>
-                          <a:prstDash val="solid"/>
-                          <a:round/>
-                          <a:headEnd type="none" w="med" len="med"/>
-                          <a:tailEnd type="none" w="med" len="med"/>
-                        </a:lnL>
-                        <a:lnR w="12700" cap="flat" cmpd="sng" algn="ctr">
-                          <a:solidFill>
-                            <a:schemeClr val="accent1">
-                              <a:lumMod val="50000"/>
-                            </a:schemeClr>
-                          </a:solidFill>
-                          <a:prstDash val="solid"/>
-                          <a:round/>
-                          <a:headEnd type="none" w="med" len="med"/>
-                          <a:tailEnd type="none" w="med" len="med"/>
-                        </a:lnR>
-                        <a:lnT w="12700" cap="flat" cmpd="sng" algn="ctr">
-                          <a:solidFill>
-                            <a:schemeClr val="accent1">
-                              <a:lumMod val="50000"/>
-                            </a:schemeClr>
-                          </a:solidFill>
-                          <a:prstDash val="solid"/>
-                          <a:round/>
-                          <a:headEnd type="none" w="med" len="med"/>
-                          <a:tailEnd type="none" w="med" len="med"/>
-                        </a:lnT>
-                        <a:lnB w="12700" cap="flat" cmpd="sng" algn="ctr">
-                          <a:solidFill>
-                            <a:schemeClr val="accent1">
-                              <a:lumMod val="50000"/>
-                            </a:schemeClr>
-                          </a:solidFill>
-                          <a:prstDash val="solid"/>
-                          <a:round/>
-                          <a:headEnd type="none" w="med" len="med"/>
-                          <a:tailEnd type="none" w="med" len="med"/>
-                        </a:lnB>
-                        <a:blipFill>
-                          <a:blip r:embed="rId2"/>
-                          <a:stretch>
-                            <a:fillRect l="-203008" t="-409091" r="-1087970" b="-103788"/>
-                          </a:stretch>
-                        </a:blipFill>
-                      </a:tcPr>
-                    </a:tc>
-                    <a:tc>
-                      <a:txBody>
-                        <a:bodyPr/>
-                        <a:lstStyle/>
-                        <a:p>
-                          <a:endParaRPr lang="en-US"/>
-                        </a:p>
-                      </a:txBody>
-                      <a:tcPr anchor="ctr">
-                        <a:lnL w="12700" cap="flat" cmpd="sng" algn="ctr">
-                          <a:solidFill>
-                            <a:schemeClr val="accent1">
-                              <a:lumMod val="50000"/>
-                            </a:schemeClr>
-                          </a:solidFill>
-                          <a:prstDash val="solid"/>
-                          <a:round/>
-                          <a:headEnd type="none" w="med" len="med"/>
-                          <a:tailEnd type="none" w="med" len="med"/>
-                        </a:lnL>
-                        <a:lnR w="12700" cap="flat" cmpd="sng" algn="ctr">
-                          <a:solidFill>
-                            <a:schemeClr val="accent1">
-                              <a:lumMod val="50000"/>
-                            </a:schemeClr>
-                          </a:solidFill>
-                          <a:prstDash val="solid"/>
-                          <a:round/>
-                          <a:headEnd type="none" w="med" len="med"/>
-                          <a:tailEnd type="none" w="med" len="med"/>
-                        </a:lnR>
-                        <a:lnT w="12700" cap="flat" cmpd="sng" algn="ctr">
-                          <a:solidFill>
-                            <a:schemeClr val="accent1">
-                              <a:lumMod val="50000"/>
-                            </a:schemeClr>
-                          </a:solidFill>
-                          <a:prstDash val="solid"/>
-                          <a:round/>
-                          <a:headEnd type="none" w="med" len="med"/>
-                          <a:tailEnd type="none" w="med" len="med"/>
-                        </a:lnT>
-                        <a:lnB w="12700" cap="flat" cmpd="sng" algn="ctr">
-                          <a:solidFill>
-                            <a:schemeClr val="accent1">
-                              <a:lumMod val="50000"/>
-                            </a:schemeClr>
-                          </a:solidFill>
-                          <a:prstDash val="solid"/>
-                          <a:round/>
-                          <a:headEnd type="none" w="med" len="med"/>
-                          <a:tailEnd type="none" w="med" len="med"/>
-                        </a:lnB>
-                        <a:blipFill>
-                          <a:blip r:embed="rId2"/>
-                          <a:stretch>
-                            <a:fillRect l="-140418" t="-409091" r="-404181" b="-103788"/>
-                          </a:stretch>
-                        </a:blipFill>
-                      </a:tcPr>
-                    </a:tc>
-                    <a:tc>
-                      <a:txBody>
-                        <a:bodyPr/>
-                        <a:lstStyle/>
-                        <a:p>
-                          <a:endParaRPr lang="en-US"/>
-                        </a:p>
-                      </a:txBody>
-                      <a:tcPr anchor="ctr">
-                        <a:lnL w="12700" cap="flat" cmpd="sng" algn="ctr">
-                          <a:solidFill>
-                            <a:schemeClr val="accent1">
-                              <a:lumMod val="50000"/>
-                            </a:schemeClr>
-                          </a:solidFill>
-                          <a:prstDash val="solid"/>
-                          <a:round/>
-                          <a:headEnd type="none" w="med" len="med"/>
-                          <a:tailEnd type="none" w="med" len="med"/>
-                        </a:lnL>
-                        <a:lnR w="12700" cap="flat" cmpd="sng" algn="ctr">
-                          <a:solidFill>
-                            <a:schemeClr val="accent1">
-                              <a:lumMod val="50000"/>
-                            </a:schemeClr>
-                          </a:solidFill>
-                          <a:prstDash val="solid"/>
-                          <a:round/>
-                          <a:headEnd type="none" w="med" len="med"/>
-                          <a:tailEnd type="none" w="med" len="med"/>
-                        </a:lnR>
-                        <a:lnT w="12700" cap="flat" cmpd="sng" algn="ctr">
-                          <a:solidFill>
-                            <a:schemeClr val="accent1">
-                              <a:lumMod val="50000"/>
-                            </a:schemeClr>
-                          </a:solidFill>
-                          <a:prstDash val="solid"/>
-                          <a:round/>
-                          <a:headEnd type="none" w="med" len="med"/>
-                          <a:tailEnd type="none" w="med" len="med"/>
-                        </a:lnT>
-                        <a:lnB w="12700" cap="flat" cmpd="sng" algn="ctr">
-                          <a:solidFill>
-                            <a:schemeClr val="accent1">
-                              <a:lumMod val="50000"/>
-                            </a:schemeClr>
-                          </a:solidFill>
-                          <a:prstDash val="solid"/>
-                          <a:round/>
-                          <a:headEnd type="none" w="med" len="med"/>
-                          <a:tailEnd type="none" w="med" len="med"/>
-                        </a:lnB>
-                        <a:blipFill>
-                          <a:blip r:embed="rId2"/>
-                          <a:stretch>
-                            <a:fillRect l="-241259" t="-409091" r="-305594" b="-103788"/>
-                          </a:stretch>
-                        </a:blipFill>
-                      </a:tcPr>
-                    </a:tc>
-                    <a:tc>
-                      <a:txBody>
-                        <a:bodyPr/>
-                        <a:lstStyle/>
-                        <a:p>
-                          <a:endParaRPr lang="en-US"/>
-                        </a:p>
-                      </a:txBody>
-                      <a:tcPr anchor="ctr">
-                        <a:lnL w="12700" cap="flat" cmpd="sng" algn="ctr">
-                          <a:solidFill>
-                            <a:schemeClr val="accent1">
-                              <a:lumMod val="50000"/>
-                            </a:schemeClr>
-                          </a:solidFill>
-                          <a:prstDash val="solid"/>
-                          <a:round/>
-                          <a:headEnd type="none" w="med" len="med"/>
-                          <a:tailEnd type="none" w="med" len="med"/>
-                        </a:lnL>
-                        <a:lnR w="12700" cap="flat" cmpd="sng" algn="ctr">
-                          <a:solidFill>
-                            <a:schemeClr val="accent1">
-                              <a:lumMod val="50000"/>
-                            </a:schemeClr>
-                          </a:solidFill>
-                          <a:prstDash val="solid"/>
-                          <a:round/>
-                          <a:headEnd type="none" w="med" len="med"/>
-                          <a:tailEnd type="none" w="med" len="med"/>
-                        </a:lnR>
-                        <a:lnT w="12700" cap="flat" cmpd="sng" algn="ctr">
-                          <a:solidFill>
-                            <a:schemeClr val="accent1">
-                              <a:lumMod val="50000"/>
-                            </a:schemeClr>
-                          </a:solidFill>
-                          <a:prstDash val="solid"/>
-                          <a:round/>
-                          <a:headEnd type="none" w="med" len="med"/>
-                          <a:tailEnd type="none" w="med" len="med"/>
-                        </a:lnT>
-                        <a:lnB w="12700" cap="flat" cmpd="sng" algn="ctr">
-                          <a:solidFill>
-                            <a:schemeClr val="accent1">
-                              <a:lumMod val="50000"/>
-                            </a:schemeClr>
-                          </a:solidFill>
-                          <a:prstDash val="solid"/>
-                          <a:round/>
-                          <a:headEnd type="none" w="med" len="med"/>
-                          <a:tailEnd type="none" w="med" len="med"/>
-                        </a:lnB>
-                        <a:blipFill>
-                          <a:blip r:embed="rId2"/>
-                          <a:stretch>
-                            <a:fillRect l="-341259" t="-409091" r="-205594" b="-103788"/>
-                          </a:stretch>
-                        </a:blipFill>
-                      </a:tcPr>
-                    </a:tc>
-                    <a:tc>
-                      <a:txBody>
-                        <a:bodyPr/>
-                        <a:lstStyle/>
-                        <a:p>
-                          <a:endParaRPr lang="en-US"/>
-                        </a:p>
-                      </a:txBody>
-                      <a:tcPr anchor="ctr">
-                        <a:lnL w="12700" cap="flat" cmpd="sng" algn="ctr">
-                          <a:solidFill>
-                            <a:schemeClr val="accent1">
-                              <a:lumMod val="50000"/>
-                            </a:schemeClr>
-                          </a:solidFill>
-                          <a:prstDash val="solid"/>
-                          <a:round/>
-                          <a:headEnd type="none" w="med" len="med"/>
-                          <a:tailEnd type="none" w="med" len="med"/>
-                        </a:lnL>
-                        <a:lnR w="12700" cap="flat" cmpd="sng" algn="ctr">
-                          <a:solidFill>
-                            <a:schemeClr val="accent1">
-                              <a:lumMod val="50000"/>
-                            </a:schemeClr>
-                          </a:solidFill>
-                          <a:prstDash val="solid"/>
-                          <a:round/>
-                          <a:headEnd type="none" w="med" len="med"/>
-                          <a:tailEnd type="none" w="med" len="med"/>
-                        </a:lnR>
-                        <a:lnT w="12700" cap="flat" cmpd="sng" algn="ctr">
-                          <a:solidFill>
-                            <a:schemeClr val="accent1">
-                              <a:lumMod val="50000"/>
-                            </a:schemeClr>
-                          </a:solidFill>
-                          <a:prstDash val="solid"/>
-                          <a:round/>
-                          <a:headEnd type="none" w="med" len="med"/>
-                          <a:tailEnd type="none" w="med" len="med"/>
-                        </a:lnT>
-                        <a:lnB w="12700" cap="flat" cmpd="sng" algn="ctr">
-                          <a:solidFill>
-                            <a:schemeClr val="accent1">
-                              <a:lumMod val="50000"/>
-                            </a:schemeClr>
-                          </a:solidFill>
-                          <a:prstDash val="solid"/>
-                          <a:round/>
-                          <a:headEnd type="none" w="med" len="med"/>
-                          <a:tailEnd type="none" w="med" len="med"/>
-                        </a:lnB>
-                        <a:blipFill>
-                          <a:blip r:embed="rId2"/>
-                          <a:stretch>
-                            <a:fillRect l="-439721" t="-409091" r="-104878" b="-103788"/>
-                          </a:stretch>
-                        </a:blipFill>
-                      </a:tcPr>
-                    </a:tc>
-                    <a:tc>
-                      <a:txBody>
-                        <a:bodyPr/>
-                        <a:lstStyle/>
-                        <a:p>
-                          <a:endParaRPr lang="en-US"/>
-                        </a:p>
-                      </a:txBody>
-                      <a:tcPr anchor="ctr">
-                        <a:lnL w="12700" cap="flat" cmpd="sng" algn="ctr">
-                          <a:solidFill>
-                            <a:schemeClr val="accent1">
-                              <a:lumMod val="50000"/>
-                            </a:schemeClr>
-                          </a:solidFill>
-                          <a:prstDash val="solid"/>
-                          <a:round/>
-                          <a:headEnd type="none" w="med" len="med"/>
-                          <a:tailEnd type="none" w="med" len="med"/>
-                        </a:lnL>
-                        <a:lnR w="12700" cap="flat" cmpd="sng" algn="ctr">
-                          <a:solidFill>
-                            <a:schemeClr val="accent1">
-                              <a:lumMod val="50000"/>
-                            </a:schemeClr>
-                          </a:solidFill>
-                          <a:prstDash val="solid"/>
-                          <a:round/>
-                          <a:headEnd type="none" w="med" len="med"/>
-                          <a:tailEnd type="none" w="med" len="med"/>
-                        </a:lnR>
-                        <a:lnT w="12700" cap="flat" cmpd="sng" algn="ctr">
-                          <a:solidFill>
-                            <a:schemeClr val="accent1">
-                              <a:lumMod val="50000"/>
-                            </a:schemeClr>
-                          </a:solidFill>
-                          <a:prstDash val="solid"/>
-                          <a:round/>
-                          <a:headEnd type="none" w="med" len="med"/>
-                          <a:tailEnd type="none" w="med" len="med"/>
-                        </a:lnT>
-                        <a:lnB w="12700" cap="flat" cmpd="sng" algn="ctr">
-                          <a:solidFill>
-                            <a:schemeClr val="accent1">
-                              <a:lumMod val="50000"/>
-                            </a:schemeClr>
-                          </a:solidFill>
-                          <a:prstDash val="solid"/>
-                          <a:round/>
-                          <a:headEnd type="none" w="med" len="med"/>
-                          <a:tailEnd type="none" w="med" len="med"/>
-                        </a:lnB>
-                        <a:blipFill>
-                          <a:blip r:embed="rId2"/>
-                          <a:stretch>
-                            <a:fillRect l="-541608" t="-409091" r="-5245" b="-103788"/>
+                            <a:fillRect l="-541608" t="-400000" r="-5245" b="-103788"/>
                           </a:stretch>
                         </a:blipFill>
                       </a:tcPr>
@@ -36692,7 +36692,7 @@
                         <a:blipFill>
                           <a:blip r:embed="rId2"/>
                           <a:stretch>
-                            <a:fillRect l="-241259" t="-512977" r="-305594" b="-4580"/>
+                            <a:fillRect l="-241259" t="-503817" r="-305594" b="-4580"/>
                           </a:stretch>
                         </a:blipFill>
                       </a:tcPr>
@@ -36753,7 +36753,7 @@
                         <a:blipFill>
                           <a:blip r:embed="rId2"/>
                           <a:stretch>
-                            <a:fillRect l="-341259" t="-512977" r="-205594" b="-4580"/>
+                            <a:fillRect l="-341259" t="-503817" r="-205594" b="-4580"/>
                           </a:stretch>
                         </a:blipFill>
                       </a:tcPr>
@@ -36814,7 +36814,7 @@
                         <a:blipFill>
                           <a:blip r:embed="rId2"/>
                           <a:stretch>
-                            <a:fillRect l="-439721" t="-512977" r="-104878" b="-4580"/>
+                            <a:fillRect l="-439721" t="-503817" r="-104878" b="-4580"/>
                           </a:stretch>
                         </a:blipFill>
                       </a:tcPr>
@@ -36875,7 +36875,7 @@
                         <a:blipFill>
                           <a:blip r:embed="rId2"/>
                           <a:stretch>
-                            <a:fillRect l="-541608" t="-512977" r="-5245" b="-4580"/>
+                            <a:fillRect l="-541608" t="-503817" r="-5245" b="-4580"/>
                           </a:stretch>
                         </a:blipFill>
                       </a:tcPr>
